--- a/files/project_b/presentation.pptx
+++ b/files/project_b/presentation.pptx
@@ -9,23 +9,22 @@
     <p:sldId id="285" r:id="rId3"/>
     <p:sldId id="288" r:id="rId4"/>
     <p:sldId id="257" r:id="rId5"/>
-    <p:sldId id="279" r:id="rId6"/>
-    <p:sldId id="286" r:id="rId7"/>
-    <p:sldId id="287" r:id="rId8"/>
-    <p:sldId id="281" r:id="rId9"/>
-    <p:sldId id="280" r:id="rId10"/>
-    <p:sldId id="282" r:id="rId11"/>
-    <p:sldId id="283" r:id="rId12"/>
-    <p:sldId id="261" r:id="rId13"/>
-    <p:sldId id="265" r:id="rId14"/>
-    <p:sldId id="266" r:id="rId15"/>
-    <p:sldId id="267" r:id="rId16"/>
-    <p:sldId id="276" r:id="rId17"/>
-    <p:sldId id="268" r:id="rId18"/>
-    <p:sldId id="270" r:id="rId19"/>
-    <p:sldId id="271" r:id="rId20"/>
-    <p:sldId id="272" r:id="rId21"/>
-    <p:sldId id="273" r:id="rId22"/>
+    <p:sldId id="286" r:id="rId6"/>
+    <p:sldId id="292" r:id="rId7"/>
+    <p:sldId id="289" r:id="rId8"/>
+    <p:sldId id="290" r:id="rId9"/>
+    <p:sldId id="294" r:id="rId10"/>
+    <p:sldId id="291" r:id="rId11"/>
+    <p:sldId id="298" r:id="rId12"/>
+    <p:sldId id="295" r:id="rId13"/>
+    <p:sldId id="296" r:id="rId14"/>
+    <p:sldId id="303" r:id="rId15"/>
+    <p:sldId id="299" r:id="rId16"/>
+    <p:sldId id="270" r:id="rId17"/>
+    <p:sldId id="300" r:id="rId18"/>
+    <p:sldId id="301" r:id="rId19"/>
+    <p:sldId id="272" r:id="rId20"/>
+    <p:sldId id="273" r:id="rId21"/>
   </p:sldIdLst>
   <p:sldSz cx="12192000" cy="6858000"/>
   <p:notesSz cx="6858000" cy="9144000"/>
@@ -130,6 +129,18 @@
     </p:ext>
   </p:extLst>
 </p:presentation>
+</file>
+
+<file path=ppt/commentAuthors.xml><?xml version="1.0" encoding="utf-8"?>
+<p:cmAuthorLst xmlns:a="http://schemas.openxmlformats.org/drawingml/2006/main" xmlns:r="http://schemas.openxmlformats.org/officeDocument/2006/relationships" xmlns:p="http://schemas.openxmlformats.org/presentationml/2006/main">
+  <p:cmAuthor id="1" name="Yonathan Bettan" initials="YB" lastIdx="2" clrIdx="0">
+    <p:extLst>
+      <p:ext uri="{19B8F6BF-5375-455C-9EA6-DF929625EA0E}">
+        <p15:presenceInfo xmlns:p15="http://schemas.microsoft.com/office/powerpoint/2012/main" userId="S::yonibettan@campus.technion.ac.il::ba412b7a-e087-4b3c-819f-719324a3b1cb" providerId="AD"/>
+      </p:ext>
+    </p:extLst>
+  </p:cmAuthor>
+</p:cmAuthorLst>
 </file>
 
 <file path=ppt/charts/chart1.xml><?xml version="1.0" encoding="utf-8"?>
@@ -1746,7 +1757,7 @@
                   <c:v>7.7274799346923828</c:v>
                 </c:pt>
                 <c:pt idx="51">
-                  <c:v>7.8839797973632813</c:v>
+                  <c:v>7.8839797973632812</c:v>
                 </c:pt>
                 <c:pt idx="52">
                   <c:v>8.0408599376678467</c:v>
@@ -1758,7 +1769,7 @@
                   <c:v>8.3464798927307129</c:v>
                 </c:pt>
                 <c:pt idx="55">
-                  <c:v>8.5030899047851563</c:v>
+                  <c:v>8.5030899047851562</c:v>
                 </c:pt>
                 <c:pt idx="56">
                   <c:v>8.6597499847412109</c:v>
@@ -2595,7 +2606,7 @@
                   <c:v>51.498070001602173</c:v>
                 </c:pt>
                 <c:pt idx="334">
-                  <c:v>51.647109985351563</c:v>
+                  <c:v>51.647109985351562</c:v>
                 </c:pt>
                 <c:pt idx="335">
                   <c:v>51.803509950637817</c:v>
@@ -2733,7 +2744,7 @@
                   <c:v>58.606459856033325</c:v>
                 </c:pt>
                 <c:pt idx="380">
-                  <c:v>58.763259887695313</c:v>
+                  <c:v>58.763259887695312</c:v>
                 </c:pt>
                 <c:pt idx="381">
                   <c:v>58.919869899749756</c:v>
@@ -4080,7 +4091,7 @@
                   <c:v>128.04380989074707</c:v>
                 </c:pt>
                 <c:pt idx="829">
-                  <c:v>128.20046997070313</c:v>
+                  <c:v>128.20046997070312</c:v>
                 </c:pt>
                 <c:pt idx="830">
                   <c:v>128.35722994804382</c:v>
@@ -7594,7 +7605,299 @@
 </c:chartSpace>
 </file>
 
+<file path=ppt/charts/chart3.xml><?xml version="1.0" encoding="utf-8"?>
+<c:chartSpace xmlns:c="http://schemas.openxmlformats.org/drawingml/2006/chart" xmlns:a="http://schemas.openxmlformats.org/drawingml/2006/main" xmlns:r="http://schemas.openxmlformats.org/officeDocument/2006/relationships" xmlns:c16r2="http://schemas.microsoft.com/office/drawing/2015/06/chart">
+  <c:date1904 val="0"/>
+  <c:lang val="en-US"/>
+  <c:roundedCorners val="0"/>
+  <mc:AlternateContent xmlns:mc="http://schemas.openxmlformats.org/markup-compatibility/2006">
+    <mc:Choice xmlns:c14="http://schemas.microsoft.com/office/drawing/2007/8/2/chart" Requires="c14">
+      <c14:style val="102"/>
+    </mc:Choice>
+    <mc:Fallback>
+      <c:style val="2"/>
+    </mc:Fallback>
+  </mc:AlternateContent>
+  <c:chart>
+    <c:autoTitleDeleted val="1"/>
+    <c:plotArea>
+      <c:layout/>
+      <c:pieChart>
+        <c:varyColors val="1"/>
+        <c:ser>
+          <c:idx val="0"/>
+          <c:order val="0"/>
+          <c:tx>
+            <c:strRef>
+              <c:f>Sheet1!$B$1</c:f>
+              <c:strCache>
+                <c:ptCount val="1"/>
+                <c:pt idx="0">
+                  <c:v>Sales</c:v>
+                </c:pt>
+              </c:strCache>
+            </c:strRef>
+          </c:tx>
+          <c:spPr>
+            <a:solidFill>
+              <a:srgbClr val="00B050"/>
+            </a:solidFill>
+          </c:spPr>
+          <c:dPt>
+            <c:idx val="0"/>
+            <c:bubble3D val="0"/>
+            <c:spPr>
+              <a:solidFill>
+                <a:srgbClr val="0070C0"/>
+              </a:solidFill>
+              <a:ln w="19050">
+                <a:solidFill>
+                  <a:srgbClr val="0070C0"/>
+                </a:solidFill>
+              </a:ln>
+              <a:effectLst/>
+            </c:spPr>
+            <c:extLst>
+              <c:ext xmlns:c16="http://schemas.microsoft.com/office/drawing/2014/chart" uri="{C3380CC4-5D6E-409C-BE32-E72D297353CC}">
+                <c16:uniqueId val="{00000004-C5B0-E44E-A62C-62CA755E9D5C}"/>
+              </c:ext>
+            </c:extLst>
+          </c:dPt>
+          <c:dPt>
+            <c:idx val="1"/>
+            <c:bubble3D val="0"/>
+            <c:spPr>
+              <a:solidFill>
+                <a:srgbClr val="FF0000"/>
+              </a:solidFill>
+              <a:ln w="19050">
+                <a:solidFill>
+                  <a:schemeClr val="lt1"/>
+                </a:solidFill>
+              </a:ln>
+              <a:effectLst/>
+            </c:spPr>
+            <c:extLst>
+              <c:ext xmlns:c16="http://schemas.microsoft.com/office/drawing/2014/chart" uri="{C3380CC4-5D6E-409C-BE32-E72D297353CC}">
+                <c16:uniqueId val="{00000005-C5B0-E44E-A62C-62CA755E9D5C}"/>
+              </c:ext>
+            </c:extLst>
+          </c:dPt>
+          <c:dLbls>
+            <c:spPr>
+              <a:noFill/>
+              <a:ln>
+                <a:noFill/>
+              </a:ln>
+              <a:effectLst/>
+            </c:spPr>
+            <c:txPr>
+              <a:bodyPr rot="0" spcFirstLastPara="1" vertOverflow="ellipsis" vert="horz" wrap="square" lIns="38100" tIns="19050" rIns="38100" bIns="19050" anchor="ctr" anchorCtr="1">
+                <a:spAutoFit/>
+              </a:bodyPr>
+              <a:lstStyle/>
+              <a:p>
+                <a:pPr>
+                  <a:defRPr sz="1197" b="0" i="0" u="none" strike="noStrike" kern="1200" baseline="0">
+                    <a:solidFill>
+                      <a:schemeClr val="tx1">
+                        <a:lumMod val="75000"/>
+                        <a:lumOff val="25000"/>
+                      </a:schemeClr>
+                    </a:solidFill>
+                    <a:latin typeface="+mn-lt"/>
+                    <a:ea typeface="+mn-ea"/>
+                    <a:cs typeface="+mn-cs"/>
+                  </a:defRPr>
+                </a:pPr>
+                <a:endParaRPr lang="en-US"/>
+              </a:p>
+            </c:txPr>
+            <c:showLegendKey val="0"/>
+            <c:showVal val="0"/>
+            <c:showCatName val="0"/>
+            <c:showSerName val="0"/>
+            <c:showPercent val="1"/>
+            <c:showBubbleSize val="0"/>
+            <c:showLeaderLines val="1"/>
+            <c:leaderLines>
+              <c:spPr>
+                <a:ln w="9525" cap="flat" cmpd="sng" algn="ctr">
+                  <a:solidFill>
+                    <a:schemeClr val="tx1">
+                      <a:lumMod val="35000"/>
+                      <a:lumOff val="65000"/>
+                    </a:schemeClr>
+                  </a:solidFill>
+                  <a:round/>
+                </a:ln>
+                <a:effectLst/>
+              </c:spPr>
+            </c:leaderLines>
+            <c:extLst>
+              <c:ext xmlns:c15="http://schemas.microsoft.com/office/drawing/2012/chart" uri="{CE6537A1-D6FC-4f65-9D91-7224C49458BB}"/>
+            </c:extLst>
+          </c:dLbls>
+          <c:cat>
+            <c:strRef>
+              <c:f>Sheet1!$A$2:$A$3</c:f>
+              <c:strCache>
+                <c:ptCount val="2"/>
+                <c:pt idx="0">
+                  <c:v>normal</c:v>
+                </c:pt>
+                <c:pt idx="1">
+                  <c:v>swerve</c:v>
+                </c:pt>
+              </c:strCache>
+            </c:strRef>
+          </c:cat>
+          <c:val>
+            <c:numRef>
+              <c:f>Sheet1!$B$2:$B$3</c:f>
+              <c:numCache>
+                <c:formatCode>General</c:formatCode>
+                <c:ptCount val="2"/>
+                <c:pt idx="0">
+                  <c:v>75</c:v>
+                </c:pt>
+                <c:pt idx="1">
+                  <c:v>25</c:v>
+                </c:pt>
+              </c:numCache>
+            </c:numRef>
+          </c:val>
+          <c:extLst>
+            <c:ext xmlns:c16="http://schemas.microsoft.com/office/drawing/2014/chart" uri="{C3380CC4-5D6E-409C-BE32-E72D297353CC}">
+              <c16:uniqueId val="{00000000-C5B0-E44E-A62C-62CA755E9D5C}"/>
+            </c:ext>
+          </c:extLst>
+        </c:ser>
+        <c:dLbls>
+          <c:showLegendKey val="0"/>
+          <c:showVal val="0"/>
+          <c:showCatName val="0"/>
+          <c:showSerName val="0"/>
+          <c:showPercent val="1"/>
+          <c:showBubbleSize val="0"/>
+          <c:showLeaderLines val="1"/>
+        </c:dLbls>
+        <c:firstSliceAng val="136"/>
+      </c:pieChart>
+      <c:spPr>
+        <a:noFill/>
+        <a:ln>
+          <a:noFill/>
+        </a:ln>
+        <a:effectLst/>
+      </c:spPr>
+    </c:plotArea>
+    <c:legend>
+      <c:legendPos val="r"/>
+      <c:overlay val="0"/>
+      <c:spPr>
+        <a:noFill/>
+        <a:ln>
+          <a:noFill/>
+        </a:ln>
+        <a:effectLst/>
+      </c:spPr>
+      <c:txPr>
+        <a:bodyPr rot="0" spcFirstLastPara="1" vertOverflow="ellipsis" vert="horz" wrap="square" anchor="ctr" anchorCtr="1"/>
+        <a:lstStyle/>
+        <a:p>
+          <a:pPr>
+            <a:defRPr sz="1197" b="0" i="0" u="none" strike="noStrike" kern="1200" baseline="0">
+              <a:solidFill>
+                <a:schemeClr val="tx1">
+                  <a:lumMod val="65000"/>
+                  <a:lumOff val="35000"/>
+                </a:schemeClr>
+              </a:solidFill>
+              <a:latin typeface="+mn-lt"/>
+              <a:ea typeface="+mn-ea"/>
+              <a:cs typeface="+mn-cs"/>
+            </a:defRPr>
+          </a:pPr>
+          <a:endParaRPr lang="en-US"/>
+        </a:p>
+      </c:txPr>
+    </c:legend>
+    <c:plotVisOnly val="1"/>
+    <c:dispBlanksAs val="gap"/>
+    <c:extLst>
+      <c:ext xmlns:c16r3="http://schemas.microsoft.com/office/drawing/2017/03/chart" uri="{56B9EC1D-385E-4148-901F-78D8002777C0}">
+        <c16r3:dataDisplayOptions16>
+          <c16r3:dispNaAsBlank val="1"/>
+        </c16r3:dataDisplayOptions16>
+      </c:ext>
+    </c:extLst>
+    <c:showDLblsOverMax val="0"/>
+  </c:chart>
+  <c:spPr>
+    <a:noFill/>
+    <a:ln>
+      <a:noFill/>
+    </a:ln>
+    <a:effectLst/>
+  </c:spPr>
+  <c:txPr>
+    <a:bodyPr/>
+    <a:lstStyle/>
+    <a:p>
+      <a:pPr>
+        <a:defRPr/>
+      </a:pPr>
+      <a:endParaRPr lang="en-US"/>
+    </a:p>
+  </c:txPr>
+  <c:externalData r:id="rId3">
+    <c:autoUpdate val="0"/>
+  </c:externalData>
+</c:chartSpace>
+</file>
+
 <file path=ppt/charts/colors1.xml><?xml version="1.0" encoding="utf-8"?>
+<cs:colorStyle xmlns:cs="http://schemas.microsoft.com/office/drawing/2012/chartStyle" xmlns:a="http://schemas.openxmlformats.org/drawingml/2006/main" meth="cycle" id="10">
+  <a:schemeClr val="accent1"/>
+  <a:schemeClr val="accent2"/>
+  <a:schemeClr val="accent3"/>
+  <a:schemeClr val="accent4"/>
+  <a:schemeClr val="accent5"/>
+  <a:schemeClr val="accent6"/>
+  <cs:variation/>
+  <cs:variation>
+    <a:lumMod val="60000"/>
+  </cs:variation>
+  <cs:variation>
+    <a:lumMod val="80000"/>
+    <a:lumOff val="20000"/>
+  </cs:variation>
+  <cs:variation>
+    <a:lumMod val="80000"/>
+  </cs:variation>
+  <cs:variation>
+    <a:lumMod val="60000"/>
+    <a:lumOff val="40000"/>
+  </cs:variation>
+  <cs:variation>
+    <a:lumMod val="50000"/>
+  </cs:variation>
+  <cs:variation>
+    <a:lumMod val="70000"/>
+    <a:lumOff val="30000"/>
+  </cs:variation>
+  <cs:variation>
+    <a:lumMod val="70000"/>
+  </cs:variation>
+  <cs:variation>
+    <a:lumMod val="50000"/>
+    <a:lumOff val="50000"/>
+  </cs:variation>
+</cs:colorStyle>
+</file>
+
+<file path=ppt/charts/colors2.xml><?xml version="1.0" encoding="utf-8"?>
 <cs:colorStyle xmlns:cs="http://schemas.microsoft.com/office/drawing/2012/chartStyle" xmlns:a="http://schemas.openxmlformats.org/drawingml/2006/main" meth="cycle" id="10">
   <a:schemeClr val="accent1"/>
   <a:schemeClr val="accent2"/>
@@ -8150,6 +8453,567 @@
 </cs:chartStyle>
 </file>
 
+<file path=ppt/charts/style2.xml><?xml version="1.0" encoding="utf-8"?>
+<cs:chartStyle xmlns:cs="http://schemas.microsoft.com/office/drawing/2012/chartStyle" xmlns:a="http://schemas.openxmlformats.org/drawingml/2006/main" id="262">
+  <cs:axisTitle>
+    <cs:lnRef idx="0"/>
+    <cs:fillRef idx="0"/>
+    <cs:effectRef idx="0"/>
+    <cs:fontRef idx="minor">
+      <a:schemeClr val="tx1">
+        <a:lumMod val="65000"/>
+        <a:lumOff val="35000"/>
+      </a:schemeClr>
+    </cs:fontRef>
+    <cs:defRPr sz="1330" kern="1200"/>
+  </cs:axisTitle>
+  <cs:categoryAxis>
+    <cs:lnRef idx="0"/>
+    <cs:fillRef idx="0"/>
+    <cs:effectRef idx="0"/>
+    <cs:fontRef idx="minor">
+      <a:schemeClr val="tx1">
+        <a:lumMod val="65000"/>
+        <a:lumOff val="35000"/>
+      </a:schemeClr>
+    </cs:fontRef>
+    <cs:spPr>
+      <a:ln w="9525" cap="flat" cmpd="sng" algn="ctr">
+        <a:solidFill>
+          <a:schemeClr val="tx1">
+            <a:lumMod val="15000"/>
+            <a:lumOff val="85000"/>
+          </a:schemeClr>
+        </a:solidFill>
+        <a:round/>
+      </a:ln>
+    </cs:spPr>
+    <cs:defRPr sz="1197" kern="1200"/>
+  </cs:categoryAxis>
+  <cs:chartArea mods="allowNoFillOverride allowNoLineOverride">
+    <cs:lnRef idx="0"/>
+    <cs:fillRef idx="0"/>
+    <cs:effectRef idx="0"/>
+    <cs:fontRef idx="minor">
+      <a:schemeClr val="tx1"/>
+    </cs:fontRef>
+    <cs:spPr>
+      <a:solidFill>
+        <a:schemeClr val="bg1"/>
+      </a:solidFill>
+      <a:ln w="9525" cap="flat" cmpd="sng" algn="ctr">
+        <a:solidFill>
+          <a:schemeClr val="tx1">
+            <a:lumMod val="15000"/>
+            <a:lumOff val="85000"/>
+          </a:schemeClr>
+        </a:solidFill>
+        <a:round/>
+      </a:ln>
+    </cs:spPr>
+    <cs:defRPr sz="1197" kern="1200"/>
+  </cs:chartArea>
+  <cs:dataLabel>
+    <cs:lnRef idx="0"/>
+    <cs:fillRef idx="0"/>
+    <cs:effectRef idx="0"/>
+    <cs:fontRef idx="minor">
+      <a:schemeClr val="tx1">
+        <a:lumMod val="75000"/>
+        <a:lumOff val="25000"/>
+      </a:schemeClr>
+    </cs:fontRef>
+    <cs:defRPr sz="1197" kern="1200"/>
+  </cs:dataLabel>
+  <cs:dataLabelCallout>
+    <cs:lnRef idx="0"/>
+    <cs:fillRef idx="0"/>
+    <cs:effectRef idx="0"/>
+    <cs:fontRef idx="minor">
+      <a:schemeClr val="dk1">
+        <a:lumMod val="65000"/>
+        <a:lumOff val="35000"/>
+      </a:schemeClr>
+    </cs:fontRef>
+    <cs:spPr>
+      <a:solidFill>
+        <a:schemeClr val="lt1"/>
+      </a:solidFill>
+      <a:ln>
+        <a:solidFill>
+          <a:schemeClr val="dk1">
+            <a:lumMod val="25000"/>
+            <a:lumOff val="75000"/>
+          </a:schemeClr>
+        </a:solidFill>
+      </a:ln>
+    </cs:spPr>
+    <cs:defRPr sz="1197" kern="1200"/>
+    <cs:bodyPr rot="0" spcFirstLastPara="1" vertOverflow="clip" horzOverflow="clip" vert="horz" wrap="square" lIns="36576" tIns="18288" rIns="36576" bIns="18288" anchor="ctr" anchorCtr="1">
+      <a:spAutoFit/>
+    </cs:bodyPr>
+  </cs:dataLabelCallout>
+  <cs:dataPoint>
+    <cs:lnRef idx="0"/>
+    <cs:fillRef idx="1">
+      <cs:styleClr val="auto"/>
+    </cs:fillRef>
+    <cs:effectRef idx="0"/>
+    <cs:fontRef idx="minor">
+      <a:schemeClr val="tx1"/>
+    </cs:fontRef>
+    <cs:spPr>
+      <a:ln w="19050">
+        <a:solidFill>
+          <a:schemeClr val="lt1"/>
+        </a:solidFill>
+      </a:ln>
+    </cs:spPr>
+  </cs:dataPoint>
+  <cs:dataPoint3D>
+    <cs:lnRef idx="0"/>
+    <cs:fillRef idx="1">
+      <cs:styleClr val="auto"/>
+    </cs:fillRef>
+    <cs:effectRef idx="0"/>
+    <cs:fontRef idx="minor">
+      <a:schemeClr val="tx1"/>
+    </cs:fontRef>
+    <cs:spPr>
+      <a:ln w="25400">
+        <a:solidFill>
+          <a:schemeClr val="lt1"/>
+        </a:solidFill>
+      </a:ln>
+    </cs:spPr>
+  </cs:dataPoint3D>
+  <cs:dataPointLine>
+    <cs:lnRef idx="0">
+      <cs:styleClr val="auto"/>
+    </cs:lnRef>
+    <cs:fillRef idx="0"/>
+    <cs:effectRef idx="0"/>
+    <cs:fontRef idx="minor">
+      <a:schemeClr val="tx1"/>
+    </cs:fontRef>
+    <cs:spPr>
+      <a:ln w="28575" cap="rnd">
+        <a:solidFill>
+          <a:schemeClr val="phClr"/>
+        </a:solidFill>
+        <a:round/>
+      </a:ln>
+    </cs:spPr>
+  </cs:dataPointLine>
+  <cs:dataPointMarker>
+    <cs:lnRef idx="0">
+      <cs:styleClr val="auto"/>
+    </cs:lnRef>
+    <cs:fillRef idx="1">
+      <cs:styleClr val="auto"/>
+    </cs:fillRef>
+    <cs:effectRef idx="0"/>
+    <cs:fontRef idx="minor">
+      <a:schemeClr val="tx1"/>
+    </cs:fontRef>
+    <cs:spPr>
+      <a:ln w="9525">
+        <a:solidFill>
+          <a:schemeClr val="phClr"/>
+        </a:solidFill>
+      </a:ln>
+    </cs:spPr>
+  </cs:dataPointMarker>
+  <cs:dataPointMarkerLayout symbol="circle" size="5"/>
+  <cs:dataPointWireframe>
+    <cs:lnRef idx="0">
+      <cs:styleClr val="auto"/>
+    </cs:lnRef>
+    <cs:fillRef idx="0"/>
+    <cs:effectRef idx="0"/>
+    <cs:fontRef idx="minor">
+      <a:schemeClr val="tx1"/>
+    </cs:fontRef>
+    <cs:spPr>
+      <a:ln w="9525" cap="rnd">
+        <a:solidFill>
+          <a:schemeClr val="phClr"/>
+        </a:solidFill>
+        <a:round/>
+      </a:ln>
+    </cs:spPr>
+  </cs:dataPointWireframe>
+  <cs:dataTable>
+    <cs:lnRef idx="0"/>
+    <cs:fillRef idx="0"/>
+    <cs:effectRef idx="0"/>
+    <cs:fontRef idx="minor">
+      <a:schemeClr val="tx1">
+        <a:lumMod val="65000"/>
+        <a:lumOff val="35000"/>
+      </a:schemeClr>
+    </cs:fontRef>
+    <cs:spPr>
+      <a:noFill/>
+      <a:ln w="9525" cap="flat" cmpd="sng" algn="ctr">
+        <a:solidFill>
+          <a:schemeClr val="tx1">
+            <a:lumMod val="15000"/>
+            <a:lumOff val="85000"/>
+          </a:schemeClr>
+        </a:solidFill>
+        <a:round/>
+      </a:ln>
+    </cs:spPr>
+    <cs:defRPr sz="1197" kern="1200"/>
+  </cs:dataTable>
+  <cs:downBar>
+    <cs:lnRef idx="0"/>
+    <cs:fillRef idx="0"/>
+    <cs:effectRef idx="0"/>
+    <cs:fontRef idx="minor">
+      <a:schemeClr val="tx1"/>
+    </cs:fontRef>
+    <cs:spPr>
+      <a:solidFill>
+        <a:schemeClr val="dk1">
+          <a:lumMod val="75000"/>
+          <a:lumOff val="25000"/>
+        </a:schemeClr>
+      </a:solidFill>
+      <a:ln w="9525" cap="flat" cmpd="sng" algn="ctr">
+        <a:solidFill>
+          <a:schemeClr val="tx1">
+            <a:lumMod val="65000"/>
+            <a:lumOff val="35000"/>
+          </a:schemeClr>
+        </a:solidFill>
+        <a:round/>
+      </a:ln>
+    </cs:spPr>
+  </cs:downBar>
+  <cs:dropLine>
+    <cs:lnRef idx="0"/>
+    <cs:fillRef idx="0"/>
+    <cs:effectRef idx="0"/>
+    <cs:fontRef idx="minor">
+      <a:schemeClr val="tx1"/>
+    </cs:fontRef>
+    <cs:spPr>
+      <a:ln w="9525" cap="flat" cmpd="sng" algn="ctr">
+        <a:solidFill>
+          <a:schemeClr val="tx1">
+            <a:lumMod val="35000"/>
+            <a:lumOff val="65000"/>
+          </a:schemeClr>
+        </a:solidFill>
+        <a:round/>
+      </a:ln>
+    </cs:spPr>
+  </cs:dropLine>
+  <cs:errorBar>
+    <cs:lnRef idx="0"/>
+    <cs:fillRef idx="0"/>
+    <cs:effectRef idx="0"/>
+    <cs:fontRef idx="minor">
+      <a:schemeClr val="tx1"/>
+    </cs:fontRef>
+    <cs:spPr>
+      <a:ln w="9525" cap="flat" cmpd="sng" algn="ctr">
+        <a:solidFill>
+          <a:schemeClr val="tx1">
+            <a:lumMod val="65000"/>
+            <a:lumOff val="35000"/>
+          </a:schemeClr>
+        </a:solidFill>
+        <a:round/>
+      </a:ln>
+    </cs:spPr>
+  </cs:errorBar>
+  <cs:floor>
+    <cs:lnRef idx="0"/>
+    <cs:fillRef idx="0"/>
+    <cs:effectRef idx="0"/>
+    <cs:fontRef idx="minor">
+      <a:schemeClr val="tx1"/>
+    </cs:fontRef>
+    <cs:spPr>
+      <a:noFill/>
+      <a:ln>
+        <a:noFill/>
+      </a:ln>
+    </cs:spPr>
+  </cs:floor>
+  <cs:gridlineMajor>
+    <cs:lnRef idx="0"/>
+    <cs:fillRef idx="0"/>
+    <cs:effectRef idx="0"/>
+    <cs:fontRef idx="minor">
+      <a:schemeClr val="tx1"/>
+    </cs:fontRef>
+    <cs:spPr>
+      <a:ln w="9525" cap="flat" cmpd="sng" algn="ctr">
+        <a:solidFill>
+          <a:schemeClr val="tx1">
+            <a:lumMod val="15000"/>
+            <a:lumOff val="85000"/>
+          </a:schemeClr>
+        </a:solidFill>
+        <a:round/>
+      </a:ln>
+    </cs:spPr>
+  </cs:gridlineMajor>
+  <cs:gridlineMinor>
+    <cs:lnRef idx="0"/>
+    <cs:fillRef idx="0"/>
+    <cs:effectRef idx="0"/>
+    <cs:fontRef idx="minor">
+      <a:schemeClr val="tx1"/>
+    </cs:fontRef>
+    <cs:spPr>
+      <a:ln w="9525" cap="flat" cmpd="sng" algn="ctr">
+        <a:solidFill>
+          <a:schemeClr val="tx1">
+            <a:lumMod val="5000"/>
+            <a:lumOff val="95000"/>
+          </a:schemeClr>
+        </a:solidFill>
+        <a:round/>
+      </a:ln>
+    </cs:spPr>
+  </cs:gridlineMinor>
+  <cs:hiLoLine>
+    <cs:lnRef idx="0"/>
+    <cs:fillRef idx="0"/>
+    <cs:effectRef idx="0"/>
+    <cs:fontRef idx="minor">
+      <a:schemeClr val="tx1"/>
+    </cs:fontRef>
+    <cs:spPr>
+      <a:ln w="9525" cap="flat" cmpd="sng" algn="ctr">
+        <a:solidFill>
+          <a:schemeClr val="tx1">
+            <a:lumMod val="50000"/>
+            <a:lumOff val="50000"/>
+          </a:schemeClr>
+        </a:solidFill>
+        <a:round/>
+      </a:ln>
+    </cs:spPr>
+  </cs:hiLoLine>
+  <cs:leaderLine>
+    <cs:lnRef idx="0"/>
+    <cs:fillRef idx="0"/>
+    <cs:effectRef idx="0"/>
+    <cs:fontRef idx="minor">
+      <a:schemeClr val="tx1"/>
+    </cs:fontRef>
+    <cs:spPr>
+      <a:ln w="9525" cap="flat" cmpd="sng" algn="ctr">
+        <a:solidFill>
+          <a:schemeClr val="tx1">
+            <a:lumMod val="35000"/>
+            <a:lumOff val="65000"/>
+          </a:schemeClr>
+        </a:solidFill>
+        <a:round/>
+      </a:ln>
+    </cs:spPr>
+  </cs:leaderLine>
+  <cs:legend>
+    <cs:lnRef idx="0"/>
+    <cs:fillRef idx="0"/>
+    <cs:effectRef idx="0"/>
+    <cs:fontRef idx="minor">
+      <a:schemeClr val="tx1">
+        <a:lumMod val="65000"/>
+        <a:lumOff val="35000"/>
+      </a:schemeClr>
+    </cs:fontRef>
+    <cs:defRPr sz="1197" kern="1200"/>
+  </cs:legend>
+  <cs:plotArea mods="allowNoFillOverride allowNoLineOverride">
+    <cs:lnRef idx="0"/>
+    <cs:fillRef idx="0"/>
+    <cs:effectRef idx="0"/>
+    <cs:fontRef idx="minor">
+      <a:schemeClr val="tx1"/>
+    </cs:fontRef>
+  </cs:plotArea>
+  <cs:plotArea3D mods="allowNoFillOverride allowNoLineOverride">
+    <cs:lnRef idx="0"/>
+    <cs:fillRef idx="0"/>
+    <cs:effectRef idx="0"/>
+    <cs:fontRef idx="minor">
+      <a:schemeClr val="tx1"/>
+    </cs:fontRef>
+  </cs:plotArea3D>
+  <cs:seriesAxis>
+    <cs:lnRef idx="0"/>
+    <cs:fillRef idx="0"/>
+    <cs:effectRef idx="0"/>
+    <cs:fontRef idx="minor">
+      <a:schemeClr val="tx1">
+        <a:lumMod val="65000"/>
+        <a:lumOff val="35000"/>
+      </a:schemeClr>
+    </cs:fontRef>
+    <cs:defRPr sz="1197" kern="1200"/>
+  </cs:seriesAxis>
+  <cs:seriesLine>
+    <cs:lnRef idx="0"/>
+    <cs:fillRef idx="0"/>
+    <cs:effectRef idx="0"/>
+    <cs:fontRef idx="minor">
+      <a:schemeClr val="tx1"/>
+    </cs:fontRef>
+    <cs:spPr>
+      <a:ln w="9525" cap="flat" cmpd="sng" algn="ctr">
+        <a:solidFill>
+          <a:schemeClr val="tx1">
+            <a:lumMod val="35000"/>
+            <a:lumOff val="65000"/>
+          </a:schemeClr>
+        </a:solidFill>
+        <a:round/>
+      </a:ln>
+    </cs:spPr>
+  </cs:seriesLine>
+  <cs:title>
+    <cs:lnRef idx="0"/>
+    <cs:fillRef idx="0"/>
+    <cs:effectRef idx="0"/>
+    <cs:fontRef idx="minor">
+      <a:schemeClr val="tx1">
+        <a:lumMod val="65000"/>
+        <a:lumOff val="35000"/>
+      </a:schemeClr>
+    </cs:fontRef>
+    <cs:defRPr sz="1862" b="0" kern="1200" spc="0" baseline="0"/>
+  </cs:title>
+  <cs:trendline>
+    <cs:lnRef idx="0">
+      <cs:styleClr val="auto"/>
+    </cs:lnRef>
+    <cs:fillRef idx="0"/>
+    <cs:effectRef idx="0"/>
+    <cs:fontRef idx="minor">
+      <a:schemeClr val="tx1"/>
+    </cs:fontRef>
+    <cs:spPr>
+      <a:ln w="19050" cap="rnd">
+        <a:solidFill>
+          <a:schemeClr val="phClr"/>
+        </a:solidFill>
+        <a:prstDash val="sysDot"/>
+      </a:ln>
+    </cs:spPr>
+  </cs:trendline>
+  <cs:trendlineLabel>
+    <cs:lnRef idx="0"/>
+    <cs:fillRef idx="0"/>
+    <cs:effectRef idx="0"/>
+    <cs:fontRef idx="minor">
+      <a:schemeClr val="tx1">
+        <a:lumMod val="65000"/>
+        <a:lumOff val="35000"/>
+      </a:schemeClr>
+    </cs:fontRef>
+    <cs:defRPr sz="1197" kern="1200"/>
+  </cs:trendlineLabel>
+  <cs:upBar>
+    <cs:lnRef idx="0"/>
+    <cs:fillRef idx="0"/>
+    <cs:effectRef idx="0"/>
+    <cs:fontRef idx="minor">
+      <a:schemeClr val="tx1"/>
+    </cs:fontRef>
+    <cs:spPr>
+      <a:solidFill>
+        <a:schemeClr val="lt1"/>
+      </a:solidFill>
+      <a:ln w="9525" cap="flat" cmpd="sng" algn="ctr">
+        <a:solidFill>
+          <a:schemeClr val="tx1">
+            <a:lumMod val="65000"/>
+            <a:lumOff val="35000"/>
+          </a:schemeClr>
+        </a:solidFill>
+        <a:round/>
+      </a:ln>
+    </cs:spPr>
+  </cs:upBar>
+  <cs:valueAxis>
+    <cs:lnRef idx="0"/>
+    <cs:fillRef idx="0"/>
+    <cs:effectRef idx="0"/>
+    <cs:fontRef idx="minor">
+      <a:schemeClr val="tx1">
+        <a:lumMod val="65000"/>
+        <a:lumOff val="35000"/>
+      </a:schemeClr>
+    </cs:fontRef>
+    <cs:defRPr sz="1197" kern="1200"/>
+  </cs:valueAxis>
+  <cs:wall>
+    <cs:lnRef idx="0"/>
+    <cs:fillRef idx="0"/>
+    <cs:effectRef idx="0"/>
+    <cs:fontRef idx="minor">
+      <a:schemeClr val="tx1"/>
+    </cs:fontRef>
+    <cs:spPr>
+      <a:noFill/>
+      <a:ln>
+        <a:noFill/>
+      </a:ln>
+    </cs:spPr>
+  </cs:wall>
+</cs:chartStyle>
+</file>
+
+<file path=ppt/comments/comment1.xml><?xml version="1.0" encoding="utf-8"?>
+<p:cmLst xmlns:a="http://schemas.openxmlformats.org/drawingml/2006/main" xmlns:r="http://schemas.openxmlformats.org/officeDocument/2006/relationships" xmlns:p="http://schemas.openxmlformats.org/presentationml/2006/main">
+  <p:cm authorId="1" dt="2019-03-27T15:26:13.057" idx="1">
+    <p:pos x="10" y="10"/>
+    <p:text/>
+    <p:extLst>
+      <p:ext uri="{C676402C-5697-4E1C-873F-D02D1690AC5C}">
+        <p15:threadingInfo xmlns:p15="http://schemas.microsoft.com/office/powerpoint/2012/main" timeZoneBias="-120"/>
+      </p:ext>
+    </p:extLst>
+  </p:cm>
+</p:cmLst>
+</file>
+
+<file path=ppt/comments/comment2.xml><?xml version="1.0" encoding="utf-8"?>
+<p:cmLst xmlns:a="http://schemas.openxmlformats.org/drawingml/2006/main" xmlns:r="http://schemas.openxmlformats.org/officeDocument/2006/relationships" xmlns:p="http://schemas.openxmlformats.org/presentationml/2006/main">
+  <p:cm authorId="1" dt="2019-03-27T15:26:13.057" idx="1">
+    <p:pos x="10" y="10"/>
+    <p:text/>
+    <p:extLst>
+      <p:ext uri="{C676402C-5697-4E1C-873F-D02D1690AC5C}">
+        <p15:threadingInfo xmlns:p15="http://schemas.microsoft.com/office/powerpoint/2012/main" timeZoneBias="-120"/>
+      </p:ext>
+    </p:extLst>
+  </p:cm>
+</p:cmLst>
+</file>
+
+<file path=ppt/comments/comment3.xml><?xml version="1.0" encoding="utf-8"?>
+<p:cmLst xmlns:a="http://schemas.openxmlformats.org/drawingml/2006/main" xmlns:r="http://schemas.openxmlformats.org/officeDocument/2006/relationships" xmlns:p="http://schemas.openxmlformats.org/presentationml/2006/main">
+  <p:cm authorId="1" dt="2019-03-27T16:07:29.617" idx="2">
+    <p:pos x="10" y="10"/>
+    <p:text/>
+    <p:extLst>
+      <p:ext uri="{C676402C-5697-4E1C-873F-D02D1690AC5C}">
+        <p15:threadingInfo xmlns:p15="http://schemas.microsoft.com/office/powerpoint/2012/main" timeZoneBias="-120"/>
+      </p:ext>
+    </p:extLst>
+  </p:cm>
+</p:cmLst>
+</file>
+
 <file path=ppt/slideLayouts/slideLayout1.xml><?xml version="1.0" encoding="utf-8"?>
 <p:sldLayout xmlns:a="http://schemas.openxmlformats.org/drawingml/2006/main" xmlns:r="http://schemas.openxmlformats.org/officeDocument/2006/relationships" xmlns:p="http://schemas.openxmlformats.org/presentationml/2006/main" type="title" preserve="1">
   <p:cSld name="Title Slide">
@@ -8297,7 +9161,7 @@
           <a:p>
             <a:fld id="{0BB48FD9-8301-4371-8FD0-A0BEBF4C5BA7}" type="datetimeFigureOut">
               <a:rPr lang="en-US" smtClean="0"/>
-              <a:t>12/1/2018</a:t>
+              <a:t>3/27/19</a:t>
             </a:fld>
             <a:endParaRPr lang="en-US"/>
           </a:p>
@@ -8495,7 +9359,7 @@
           <a:p>
             <a:fld id="{0BB48FD9-8301-4371-8FD0-A0BEBF4C5BA7}" type="datetimeFigureOut">
               <a:rPr lang="en-US" smtClean="0"/>
-              <a:t>12/1/2018</a:t>
+              <a:t>3/27/19</a:t>
             </a:fld>
             <a:endParaRPr lang="en-US"/>
           </a:p>
@@ -8703,7 +9567,7 @@
           <a:p>
             <a:fld id="{0BB48FD9-8301-4371-8FD0-A0BEBF4C5BA7}" type="datetimeFigureOut">
               <a:rPr lang="en-US" smtClean="0"/>
-              <a:t>12/1/2018</a:t>
+              <a:t>3/27/19</a:t>
             </a:fld>
             <a:endParaRPr lang="en-US"/>
           </a:p>
@@ -8901,7 +9765,7 @@
           <a:p>
             <a:fld id="{0BB48FD9-8301-4371-8FD0-A0BEBF4C5BA7}" type="datetimeFigureOut">
               <a:rPr lang="en-US" smtClean="0"/>
-              <a:t>12/1/2018</a:t>
+              <a:t>3/27/19</a:t>
             </a:fld>
             <a:endParaRPr lang="en-US"/>
           </a:p>
@@ -9176,7 +10040,7 @@
           <a:p>
             <a:fld id="{0BB48FD9-8301-4371-8FD0-A0BEBF4C5BA7}" type="datetimeFigureOut">
               <a:rPr lang="en-US" smtClean="0"/>
-              <a:t>12/1/2018</a:t>
+              <a:t>3/27/19</a:t>
             </a:fld>
             <a:endParaRPr lang="en-US"/>
           </a:p>
@@ -9441,7 +10305,7 @@
           <a:p>
             <a:fld id="{0BB48FD9-8301-4371-8FD0-A0BEBF4C5BA7}" type="datetimeFigureOut">
               <a:rPr lang="en-US" smtClean="0"/>
-              <a:t>12/1/2018</a:t>
+              <a:t>3/27/19</a:t>
             </a:fld>
             <a:endParaRPr lang="en-US"/>
           </a:p>
@@ -9853,7 +10717,7 @@
           <a:p>
             <a:fld id="{0BB48FD9-8301-4371-8FD0-A0BEBF4C5BA7}" type="datetimeFigureOut">
               <a:rPr lang="en-US" smtClean="0"/>
-              <a:t>12/1/2018</a:t>
+              <a:t>3/27/19</a:t>
             </a:fld>
             <a:endParaRPr lang="en-US"/>
           </a:p>
@@ -9994,7 +10858,7 @@
           <a:p>
             <a:fld id="{0BB48FD9-8301-4371-8FD0-A0BEBF4C5BA7}" type="datetimeFigureOut">
               <a:rPr lang="en-US" smtClean="0"/>
-              <a:t>12/1/2018</a:t>
+              <a:t>3/27/19</a:t>
             </a:fld>
             <a:endParaRPr lang="en-US"/>
           </a:p>
@@ -10107,7 +10971,7 @@
           <a:p>
             <a:fld id="{0BB48FD9-8301-4371-8FD0-A0BEBF4C5BA7}" type="datetimeFigureOut">
               <a:rPr lang="en-US" smtClean="0"/>
-              <a:t>12/1/2018</a:t>
+              <a:t>3/27/19</a:t>
             </a:fld>
             <a:endParaRPr lang="en-US"/>
           </a:p>
@@ -10418,7 +11282,7 @@
           <a:p>
             <a:fld id="{0BB48FD9-8301-4371-8FD0-A0BEBF4C5BA7}" type="datetimeFigureOut">
               <a:rPr lang="en-US" smtClean="0"/>
-              <a:t>12/1/2018</a:t>
+              <a:t>3/27/19</a:t>
             </a:fld>
             <a:endParaRPr lang="en-US"/>
           </a:p>
@@ -10706,7 +11570,7 @@
           <a:p>
             <a:fld id="{0BB48FD9-8301-4371-8FD0-A0BEBF4C5BA7}" type="datetimeFigureOut">
               <a:rPr lang="en-US" smtClean="0"/>
-              <a:t>12/1/2018</a:t>
+              <a:t>3/27/19</a:t>
             </a:fld>
             <a:endParaRPr lang="en-US"/>
           </a:p>
@@ -10947,7 +11811,7 @@
           <a:p>
             <a:fld id="{0BB48FD9-8301-4371-8FD0-A0BEBF4C5BA7}" type="datetimeFigureOut">
               <a:rPr lang="en-US" smtClean="0"/>
-              <a:t>12/1/2018</a:t>
+              <a:t>3/27/19</a:t>
             </a:fld>
             <a:endParaRPr lang="en-US"/>
           </a:p>
@@ -11389,8 +12253,11 @@
             <a:pPr algn="l"/>
             <a:r>
               <a:rPr lang="en-US" sz="4400" dirty="0"/>
-              <a:t>Training AI to drive in Formula FSE challenge</a:t>
+              <a:t>Training AI to drive in Formula FSE.</a:t>
             </a:r>
+            <a:br>
+              <a:rPr lang="en-US" sz="4400" dirty="0"/>
+            </a:br>
             <a:br>
               <a:rPr lang="en-US" sz="4200" dirty="0"/>
             </a:br>
@@ -11648,7 +12515,7 @@
           <p:cNvPr id="2" name="Title 1">
             <a:extLst>
               <a:ext uri="{FF2B5EF4-FFF2-40B4-BE49-F238E27FC236}">
-                <a16:creationId xmlns:a16="http://schemas.microsoft.com/office/drawing/2014/main" id="{26D0324A-3E4A-4EAA-9B9A-8A08DE8CEEFE}"/>
+                <a16:creationId xmlns:a16="http://schemas.microsoft.com/office/drawing/2014/main" id="{52F9B936-B7D4-4276-96D6-C208AB37AE49}"/>
               </a:ext>
             </a:extLst>
           </p:cNvPr>
@@ -11664,15 +12531,11 @@
           <a:bodyPr/>
           <a:lstStyle/>
           <a:p>
-            <a:pPr>
-              <a:lnSpc>
-                <a:spcPct val="150000"/>
-              </a:lnSpc>
-            </a:pPr>
             <a:r>
-              <a:rPr lang="en-US" dirty="0"/>
-              <a:t>Bellman eq.</a:t>
+              <a:rPr lang="en-US" i="1" dirty="0"/>
+              <a:t>Step 3: AI learn to drive on a road</a:t>
             </a:r>
+            <a:endParaRPr lang="en-US" dirty="0"/>
           </a:p>
         </p:txBody>
       </p:sp>
@@ -11681,7 +12544,7 @@
           <p:cNvPr id="3" name="Content Placeholder 2">
             <a:extLst>
               <a:ext uri="{FF2B5EF4-FFF2-40B4-BE49-F238E27FC236}">
-                <a16:creationId xmlns:a16="http://schemas.microsoft.com/office/drawing/2014/main" id="{D04AFFB3-DF2E-4C2F-B29A-D1B471127610}"/>
+                <a16:creationId xmlns:a16="http://schemas.microsoft.com/office/drawing/2014/main" id="{CDB637C4-5358-4E44-B83C-FCC8D918AF0B}"/>
               </a:ext>
             </a:extLst>
           </p:cNvPr>
@@ -11692,25 +12555,81 @@
             <p:ph idx="1"/>
           </p:nvPr>
         </p:nvSpPr>
-        <p:spPr/>
+        <p:spPr>
+          <a:xfrm>
+            <a:off x="838200" y="1825625"/>
+            <a:ext cx="10515600" cy="4351338"/>
+          </a:xfrm>
+        </p:spPr>
         <p:txBody>
           <a:bodyPr/>
           <a:lstStyle/>
           <a:p>
-            <a:pPr marL="0" indent="0">
-              <a:buNone/>
+            <a:pPr>
+              <a:lnSpc>
+                <a:spcPct val="150000"/>
+              </a:lnSpc>
             </a:pPr>
             <a:r>
               <a:rPr lang="en-US" dirty="0"/>
-              <a:t>Explain in a sentence</a:t>
+              <a:t>Collecting data and preprocess it isn’t trivial</a:t>
             </a:r>
+          </a:p>
+          <a:p>
+            <a:pPr>
+              <a:lnSpc>
+                <a:spcPct val="150000"/>
+              </a:lnSpc>
+            </a:pPr>
+            <a:r>
+              <a:rPr lang="en-US" dirty="0"/>
+              <a:t>The network has some difficulties to learn</a:t>
+            </a:r>
+          </a:p>
+          <a:p>
+            <a:pPr lvl="1">
+              <a:lnSpc>
+                <a:spcPct val="150000"/>
+              </a:lnSpc>
+              <a:buFont typeface="Courier New" panose="02070309020205020404" pitchFamily="49" charset="0"/>
+              <a:buChar char="o"/>
+            </a:pPr>
+            <a:r>
+              <a:rPr lang="en-US" dirty="0"/>
+              <a:t>Lack of turning diversity</a:t>
+            </a:r>
+          </a:p>
+          <a:p>
+            <a:pPr lvl="1">
+              <a:lnSpc>
+                <a:spcPct val="150000"/>
+              </a:lnSpc>
+              <a:buFont typeface="Courier New" panose="02070309020205020404" pitchFamily="49" charset="0"/>
+              <a:buChar char="o"/>
+            </a:pPr>
+            <a:r>
+              <a:rPr lang="en-US" dirty="0"/>
+              <a:t>The network treats the small turning as noise</a:t>
+            </a:r>
+          </a:p>
+          <a:p>
+            <a:pPr marL="457200" lvl="1" indent="0">
+              <a:buNone/>
+            </a:pPr>
+            <a:endParaRPr lang="en-US" dirty="0"/>
+          </a:p>
+          <a:p>
+            <a:pPr marL="457200" lvl="1" indent="0">
+              <a:buNone/>
+            </a:pPr>
+            <a:endParaRPr lang="en-US" dirty="0"/>
           </a:p>
         </p:txBody>
       </p:sp>
     </p:spTree>
     <p:extLst>
       <p:ext uri="{BB962C8B-B14F-4D97-AF65-F5344CB8AC3E}">
-        <p14:creationId xmlns:p14="http://schemas.microsoft.com/office/powerpoint/2010/main" val="3642470127"/>
+        <p14:creationId xmlns:p14="http://schemas.microsoft.com/office/powerpoint/2010/main" val="1972939278"/>
       </p:ext>
     </p:extLst>
   </p:cSld>
@@ -11739,78 +12658,846 @@
       </p:grpSpPr>
       <p:sp>
         <p:nvSpPr>
-          <p:cNvPr id="2" name="Title 1">
+          <p:cNvPr id="7" name="Oval 6">
             <a:extLst>
               <a:ext uri="{FF2B5EF4-FFF2-40B4-BE49-F238E27FC236}">
-                <a16:creationId xmlns:a16="http://schemas.microsoft.com/office/drawing/2014/main" id="{26D0324A-3E4A-4EAA-9B9A-8A08DE8CEEFE}"/>
+                <a16:creationId xmlns:a16="http://schemas.microsoft.com/office/drawing/2014/main" id="{000E1530-EA04-7041-A2F0-5900D81CB749}"/>
               </a:ext>
             </a:extLst>
           </p:cNvPr>
-          <p:cNvSpPr>
-            <a:spLocks noGrp="1"/>
-          </p:cNvSpPr>
-          <p:nvPr>
-            <p:ph type="title"/>
-          </p:nvPr>
+          <p:cNvSpPr/>
+          <p:nvPr/>
         </p:nvSpPr>
-        <p:spPr/>
+        <p:spPr>
+          <a:xfrm>
+            <a:off x="2275772" y="1823750"/>
+            <a:ext cx="617517" cy="590797"/>
+          </a:xfrm>
+          <a:prstGeom prst="ellipse">
+            <a:avLst/>
+          </a:prstGeom>
+        </p:spPr>
+        <p:style>
+          <a:lnRef idx="2">
+            <a:schemeClr val="accent1">
+              <a:shade val="50000"/>
+            </a:schemeClr>
+          </a:lnRef>
+          <a:fillRef idx="1">
+            <a:schemeClr val="accent1"/>
+          </a:fillRef>
+          <a:effectRef idx="0">
+            <a:schemeClr val="accent1"/>
+          </a:effectRef>
+          <a:fontRef idx="minor">
+            <a:schemeClr val="lt1"/>
+          </a:fontRef>
+        </p:style>
         <p:txBody>
-          <a:bodyPr/>
+          <a:bodyPr rtlCol="0" anchor="ctr"/>
           <a:lstStyle/>
           <a:p>
-            <a:pPr>
-              <a:lnSpc>
-                <a:spcPct val="150000"/>
-              </a:lnSpc>
-            </a:pPr>
-            <a:r>
-              <a:rPr lang="en-US" dirty="0"/>
-              <a:t>The </a:t>
-            </a:r>
-            <a:r>
-              <a:rPr lang="en-US" b="1" i="1" dirty="0"/>
-              <a:t>Policy Gradient</a:t>
-            </a:r>
-            <a:r>
-              <a:rPr lang="en-US" b="1" dirty="0"/>
-              <a:t>(PG)</a:t>
-            </a:r>
-            <a:r>
-              <a:rPr lang="en-US" dirty="0"/>
-              <a:t> theorem</a:t>
-            </a:r>
+            <a:pPr algn="ctr"/>
+            <a:endParaRPr lang="en-US"/>
           </a:p>
         </p:txBody>
       </p:sp>
       <p:sp>
         <p:nvSpPr>
-          <p:cNvPr id="3" name="Content Placeholder 2">
+          <p:cNvPr id="8" name="Oval 7">
             <a:extLst>
               <a:ext uri="{FF2B5EF4-FFF2-40B4-BE49-F238E27FC236}">
-                <a16:creationId xmlns:a16="http://schemas.microsoft.com/office/drawing/2014/main" id="{D04AFFB3-DF2E-4C2F-B29A-D1B471127610}"/>
+                <a16:creationId xmlns:a16="http://schemas.microsoft.com/office/drawing/2014/main" id="{1ABFEB2B-0B15-834D-8644-F51B02C88846}"/>
               </a:ext>
             </a:extLst>
           </p:cNvPr>
-          <p:cNvSpPr>
-            <a:spLocks noGrp="1"/>
-          </p:cNvSpPr>
-          <p:nvPr>
-            <p:ph idx="1"/>
-          </p:nvPr>
+          <p:cNvSpPr/>
+          <p:nvPr/>
         </p:nvSpPr>
-        <p:spPr/>
+        <p:spPr>
+          <a:xfrm>
+            <a:off x="2275772" y="2854831"/>
+            <a:ext cx="617517" cy="590797"/>
+          </a:xfrm>
+          <a:prstGeom prst="ellipse">
+            <a:avLst/>
+          </a:prstGeom>
+        </p:spPr>
+        <p:style>
+          <a:lnRef idx="2">
+            <a:schemeClr val="accent1">
+              <a:shade val="50000"/>
+            </a:schemeClr>
+          </a:lnRef>
+          <a:fillRef idx="1">
+            <a:schemeClr val="accent1"/>
+          </a:fillRef>
+          <a:effectRef idx="0">
+            <a:schemeClr val="accent1"/>
+          </a:effectRef>
+          <a:fontRef idx="minor">
+            <a:schemeClr val="lt1"/>
+          </a:fontRef>
+        </p:style>
         <p:txBody>
-          <a:bodyPr/>
+          <a:bodyPr rtlCol="0" anchor="ctr"/>
           <a:lstStyle/>
           <a:p>
+            <a:pPr algn="ctr"/>
+            <a:endParaRPr lang="en-US"/>
+          </a:p>
+        </p:txBody>
+      </p:sp>
+      <p:sp>
+        <p:nvSpPr>
+          <p:cNvPr id="9" name="Oval 8">
+            <a:extLst>
+              <a:ext uri="{FF2B5EF4-FFF2-40B4-BE49-F238E27FC236}">
+                <a16:creationId xmlns:a16="http://schemas.microsoft.com/office/drawing/2014/main" id="{1E89E073-9560-DC4C-8246-D87AF6633DC8}"/>
+              </a:ext>
+            </a:extLst>
+          </p:cNvPr>
+          <p:cNvSpPr/>
+          <p:nvPr/>
+        </p:nvSpPr>
+        <p:spPr>
+          <a:xfrm>
+            <a:off x="2275771" y="4539054"/>
+            <a:ext cx="617517" cy="590797"/>
+          </a:xfrm>
+          <a:prstGeom prst="ellipse">
+            <a:avLst/>
+          </a:prstGeom>
+        </p:spPr>
+        <p:style>
+          <a:lnRef idx="2">
+            <a:schemeClr val="accent1">
+              <a:shade val="50000"/>
+            </a:schemeClr>
+          </a:lnRef>
+          <a:fillRef idx="1">
+            <a:schemeClr val="accent1"/>
+          </a:fillRef>
+          <a:effectRef idx="0">
+            <a:schemeClr val="accent1"/>
+          </a:effectRef>
+          <a:fontRef idx="minor">
+            <a:schemeClr val="lt1"/>
+          </a:fontRef>
+        </p:style>
+        <p:txBody>
+          <a:bodyPr rtlCol="0" anchor="ctr"/>
+          <a:lstStyle/>
+          <a:p>
+            <a:pPr algn="ctr"/>
+            <a:endParaRPr lang="en-US"/>
+          </a:p>
+        </p:txBody>
+      </p:sp>
+      <p:sp>
+        <p:nvSpPr>
+          <p:cNvPr id="11" name="Oval 10">
+            <a:extLst>
+              <a:ext uri="{FF2B5EF4-FFF2-40B4-BE49-F238E27FC236}">
+                <a16:creationId xmlns:a16="http://schemas.microsoft.com/office/drawing/2014/main" id="{AF7FAA82-5E08-3347-BD87-69DCFF0D7D3E}"/>
+              </a:ext>
+            </a:extLst>
+          </p:cNvPr>
+          <p:cNvSpPr/>
+          <p:nvPr/>
+        </p:nvSpPr>
+        <p:spPr>
+          <a:xfrm>
+            <a:off x="9069452" y="3202895"/>
+            <a:ext cx="1045028" cy="1016190"/>
+          </a:xfrm>
+          <a:prstGeom prst="ellipse">
+            <a:avLst/>
+          </a:prstGeom>
+        </p:spPr>
+        <p:style>
+          <a:lnRef idx="3">
+            <a:schemeClr val="lt1"/>
+          </a:lnRef>
+          <a:fillRef idx="1">
+            <a:schemeClr val="accent2"/>
+          </a:fillRef>
+          <a:effectRef idx="1">
+            <a:schemeClr val="accent2"/>
+          </a:effectRef>
+          <a:fontRef idx="minor">
+            <a:schemeClr val="lt1"/>
+          </a:fontRef>
+        </p:style>
+        <p:txBody>
+          <a:bodyPr rtlCol="0" anchor="ctr"/>
+          <a:lstStyle/>
+          <a:p>
+            <a:pPr algn="ctr"/>
+            <a:r>
+              <a:rPr lang="en-US" dirty="0"/>
+              <a:t>steer</a:t>
+            </a:r>
+          </a:p>
+        </p:txBody>
+      </p:sp>
+      <p:sp>
+        <p:nvSpPr>
+          <p:cNvPr id="12" name="Rectangle 11">
+            <a:extLst>
+              <a:ext uri="{FF2B5EF4-FFF2-40B4-BE49-F238E27FC236}">
+                <a16:creationId xmlns:a16="http://schemas.microsoft.com/office/drawing/2014/main" id="{42A0A92A-425E-9744-A030-4426E7D303C1}"/>
+              </a:ext>
+            </a:extLst>
+          </p:cNvPr>
+          <p:cNvSpPr/>
+          <p:nvPr/>
+        </p:nvSpPr>
+        <p:spPr>
+          <a:xfrm>
+            <a:off x="2062017" y="3608784"/>
+            <a:ext cx="1045028" cy="562388"/>
+          </a:xfrm>
+          <a:prstGeom prst="rect">
+            <a:avLst/>
+          </a:prstGeom>
+          <a:ln>
+            <a:noFill/>
+          </a:ln>
+        </p:spPr>
+        <p:style>
+          <a:lnRef idx="2">
+            <a:schemeClr val="accent6"/>
+          </a:lnRef>
+          <a:fillRef idx="1">
+            <a:schemeClr val="lt1"/>
+          </a:fillRef>
+          <a:effectRef idx="0">
+            <a:schemeClr val="accent6"/>
+          </a:effectRef>
+          <a:fontRef idx="minor">
+            <a:schemeClr val="dk1"/>
+          </a:fontRef>
+        </p:style>
+        <p:txBody>
+          <a:bodyPr rtlCol="0" anchor="ctr"/>
+          <a:lstStyle/>
+          <a:p>
+            <a:pPr algn="ctr"/>
+            <a:r>
+              <a:rPr lang="en-US" dirty="0"/>
+              <a:t>…</a:t>
+            </a:r>
+          </a:p>
+        </p:txBody>
+      </p:sp>
+      <p:cxnSp>
+        <p:nvCxnSpPr>
+          <p:cNvPr id="13" name="Straight Arrow Connector 12">
+            <a:extLst>
+              <a:ext uri="{FF2B5EF4-FFF2-40B4-BE49-F238E27FC236}">
+                <a16:creationId xmlns:a16="http://schemas.microsoft.com/office/drawing/2014/main" id="{08654307-7757-E045-96B8-027745ADF579}"/>
+              </a:ext>
+            </a:extLst>
+          </p:cNvPr>
+          <p:cNvCxnSpPr>
+            <a:cxnSpLocks/>
+            <a:stCxn id="7" idx="6"/>
+            <a:endCxn id="26" idx="2"/>
+          </p:cNvCxnSpPr>
+          <p:nvPr/>
+        </p:nvCxnSpPr>
+        <p:spPr>
+          <a:xfrm>
+            <a:off x="2893289" y="2119149"/>
+            <a:ext cx="3388758" cy="557551"/>
+          </a:xfrm>
+          <a:prstGeom prst="straightConnector1">
+            <a:avLst/>
+          </a:prstGeom>
+          <a:ln>
+            <a:tailEnd type="triangle"/>
+          </a:ln>
+        </p:spPr>
+        <p:style>
+          <a:lnRef idx="1">
+            <a:schemeClr val="accent1"/>
+          </a:lnRef>
+          <a:fillRef idx="0">
+            <a:schemeClr val="accent1"/>
+          </a:fillRef>
+          <a:effectRef idx="0">
+            <a:schemeClr val="accent1"/>
+          </a:effectRef>
+          <a:fontRef idx="minor">
+            <a:schemeClr val="tx1"/>
+          </a:fontRef>
+        </p:style>
+      </p:cxnSp>
+      <p:cxnSp>
+        <p:nvCxnSpPr>
+          <p:cNvPr id="15" name="Straight Arrow Connector 14">
+            <a:extLst>
+              <a:ext uri="{FF2B5EF4-FFF2-40B4-BE49-F238E27FC236}">
+                <a16:creationId xmlns:a16="http://schemas.microsoft.com/office/drawing/2014/main" id="{8B8A3533-D6C0-4D4B-9DCE-E0DE55DC319C}"/>
+              </a:ext>
+            </a:extLst>
+          </p:cNvPr>
+          <p:cNvCxnSpPr>
+            <a:cxnSpLocks/>
+            <a:stCxn id="8" idx="6"/>
+            <a:endCxn id="26" idx="2"/>
+          </p:cNvCxnSpPr>
+          <p:nvPr/>
+        </p:nvCxnSpPr>
+        <p:spPr>
+          <a:xfrm flipV="1">
+            <a:off x="2893289" y="2676700"/>
+            <a:ext cx="3388758" cy="473530"/>
+          </a:xfrm>
+          <a:prstGeom prst="straightConnector1">
+            <a:avLst/>
+          </a:prstGeom>
+          <a:ln>
+            <a:tailEnd type="triangle"/>
+          </a:ln>
+        </p:spPr>
+        <p:style>
+          <a:lnRef idx="1">
+            <a:schemeClr val="accent1"/>
+          </a:lnRef>
+          <a:fillRef idx="0">
+            <a:schemeClr val="accent1"/>
+          </a:fillRef>
+          <a:effectRef idx="0">
+            <a:schemeClr val="accent1"/>
+          </a:effectRef>
+          <a:fontRef idx="minor">
+            <a:schemeClr val="tx1"/>
+          </a:fontRef>
+        </p:style>
+      </p:cxnSp>
+      <p:cxnSp>
+        <p:nvCxnSpPr>
+          <p:cNvPr id="16" name="Straight Arrow Connector 15">
+            <a:extLst>
+              <a:ext uri="{FF2B5EF4-FFF2-40B4-BE49-F238E27FC236}">
+                <a16:creationId xmlns:a16="http://schemas.microsoft.com/office/drawing/2014/main" id="{2E143461-2EB7-DB44-83A8-A64FE3176A7E}"/>
+              </a:ext>
+            </a:extLst>
+          </p:cNvPr>
+          <p:cNvCxnSpPr>
+            <a:cxnSpLocks/>
+            <a:stCxn id="9" idx="6"/>
+            <a:endCxn id="26" idx="2"/>
+          </p:cNvCxnSpPr>
+          <p:nvPr/>
+        </p:nvCxnSpPr>
+        <p:spPr>
+          <a:xfrm flipV="1">
+            <a:off x="2893288" y="2676700"/>
+            <a:ext cx="3388759" cy="2157753"/>
+          </a:xfrm>
+          <a:prstGeom prst="straightConnector1">
+            <a:avLst/>
+          </a:prstGeom>
+          <a:ln>
+            <a:tailEnd type="triangle"/>
+          </a:ln>
+        </p:spPr>
+        <p:style>
+          <a:lnRef idx="1">
+            <a:schemeClr val="accent1"/>
+          </a:lnRef>
+          <a:fillRef idx="0">
+            <a:schemeClr val="accent1"/>
+          </a:fillRef>
+          <a:effectRef idx="0">
+            <a:schemeClr val="accent1"/>
+          </a:effectRef>
+          <a:fontRef idx="minor">
+            <a:schemeClr val="tx1"/>
+          </a:fontRef>
+        </p:style>
+      </p:cxnSp>
+      <p:sp>
+        <p:nvSpPr>
+          <p:cNvPr id="25" name="TextBox 24">
+            <a:extLst>
+              <a:ext uri="{FF2B5EF4-FFF2-40B4-BE49-F238E27FC236}">
+                <a16:creationId xmlns:a16="http://schemas.microsoft.com/office/drawing/2014/main" id="{431146E7-FE0A-5248-BF58-368B97E493BB}"/>
+              </a:ext>
+            </a:extLst>
+          </p:cNvPr>
+          <p:cNvSpPr txBox="1"/>
+          <p:nvPr/>
+        </p:nvSpPr>
+        <p:spPr>
+          <a:xfrm>
+            <a:off x="2357411" y="5603382"/>
+            <a:ext cx="2771241" cy="646331"/>
+          </a:xfrm>
+          <a:prstGeom prst="rect">
+            <a:avLst/>
+          </a:prstGeom>
+          <a:noFill/>
+        </p:spPr>
+        <p:txBody>
+          <a:bodyPr wrap="square" rtlCol="0">
+            <a:spAutoFit/>
+          </a:bodyPr>
+          <a:lstStyle/>
+          <a:p>
+            <a:r>
+              <a:rPr lang="en-US" dirty="0"/>
+              <a:t>14</a:t>
+            </a:r>
+          </a:p>
+          <a:p>
+            <a:r>
+              <a:rPr lang="en-US" dirty="0"/>
+              <a:t>Location, velocity etc.</a:t>
+            </a:r>
+          </a:p>
+        </p:txBody>
+      </p:sp>
+      <p:sp>
+        <p:nvSpPr>
+          <p:cNvPr id="26" name="Oval 25">
+            <a:extLst>
+              <a:ext uri="{FF2B5EF4-FFF2-40B4-BE49-F238E27FC236}">
+                <a16:creationId xmlns:a16="http://schemas.microsoft.com/office/drawing/2014/main" id="{1794DA83-41EB-EF4F-9E56-D85BA56EB5FC}"/>
+              </a:ext>
+            </a:extLst>
+          </p:cNvPr>
+          <p:cNvSpPr/>
+          <p:nvPr/>
+        </p:nvSpPr>
+        <p:spPr>
+          <a:xfrm>
+            <a:off x="6282047" y="2381301"/>
+            <a:ext cx="617517" cy="590797"/>
+          </a:xfrm>
+          <a:prstGeom prst="ellipse">
+            <a:avLst/>
+          </a:prstGeom>
+          <a:solidFill>
+            <a:srgbClr val="00B050"/>
+          </a:solidFill>
+        </p:spPr>
+        <p:style>
+          <a:lnRef idx="2">
+            <a:schemeClr val="accent1">
+              <a:shade val="50000"/>
+            </a:schemeClr>
+          </a:lnRef>
+          <a:fillRef idx="1">
+            <a:schemeClr val="accent1"/>
+          </a:fillRef>
+          <a:effectRef idx="0">
+            <a:schemeClr val="accent1"/>
+          </a:effectRef>
+          <a:fontRef idx="minor">
+            <a:schemeClr val="lt1"/>
+          </a:fontRef>
+        </p:style>
+        <p:txBody>
+          <a:bodyPr rtlCol="0" anchor="ctr"/>
+          <a:lstStyle/>
+          <a:p>
+            <a:pPr algn="ctr"/>
             <a:endParaRPr lang="en-US" dirty="0"/>
+          </a:p>
+        </p:txBody>
+      </p:sp>
+      <p:sp>
+        <p:nvSpPr>
+          <p:cNvPr id="28" name="Oval 27">
+            <a:extLst>
+              <a:ext uri="{FF2B5EF4-FFF2-40B4-BE49-F238E27FC236}">
+                <a16:creationId xmlns:a16="http://schemas.microsoft.com/office/drawing/2014/main" id="{B67F5DB0-0CB6-CA45-BFF3-5CC5888D3C8E}"/>
+              </a:ext>
+            </a:extLst>
+          </p:cNvPr>
+          <p:cNvSpPr/>
+          <p:nvPr/>
+        </p:nvSpPr>
+        <p:spPr>
+          <a:xfrm>
+            <a:off x="6282046" y="4193995"/>
+            <a:ext cx="617517" cy="590797"/>
+          </a:xfrm>
+          <a:prstGeom prst="ellipse">
+            <a:avLst/>
+          </a:prstGeom>
+          <a:solidFill>
+            <a:srgbClr val="00B050"/>
+          </a:solidFill>
+        </p:spPr>
+        <p:style>
+          <a:lnRef idx="2">
+            <a:schemeClr val="accent1">
+              <a:shade val="50000"/>
+            </a:schemeClr>
+          </a:lnRef>
+          <a:fillRef idx="1">
+            <a:schemeClr val="accent1"/>
+          </a:fillRef>
+          <a:effectRef idx="0">
+            <a:schemeClr val="accent1"/>
+          </a:effectRef>
+          <a:fontRef idx="minor">
+            <a:schemeClr val="lt1"/>
+          </a:fontRef>
+        </p:style>
+        <p:txBody>
+          <a:bodyPr rtlCol="0" anchor="ctr"/>
+          <a:lstStyle/>
+          <a:p>
+            <a:pPr algn="ctr"/>
+            <a:endParaRPr lang="en-US"/>
+          </a:p>
+        </p:txBody>
+      </p:sp>
+      <p:sp>
+        <p:nvSpPr>
+          <p:cNvPr id="29" name="Rectangle 28">
+            <a:extLst>
+              <a:ext uri="{FF2B5EF4-FFF2-40B4-BE49-F238E27FC236}">
+                <a16:creationId xmlns:a16="http://schemas.microsoft.com/office/drawing/2014/main" id="{41CCC1BF-26BA-3C4C-B047-C2C5A0A6FD70}"/>
+              </a:ext>
+            </a:extLst>
+          </p:cNvPr>
+          <p:cNvSpPr/>
+          <p:nvPr/>
+        </p:nvSpPr>
+        <p:spPr>
+          <a:xfrm>
+            <a:off x="6068291" y="3287811"/>
+            <a:ext cx="1045028" cy="562388"/>
+          </a:xfrm>
+          <a:prstGeom prst="rect">
+            <a:avLst/>
+          </a:prstGeom>
+          <a:ln>
+            <a:noFill/>
+          </a:ln>
+        </p:spPr>
+        <p:style>
+          <a:lnRef idx="2">
+            <a:schemeClr val="accent6"/>
+          </a:lnRef>
+          <a:fillRef idx="1">
+            <a:schemeClr val="lt1"/>
+          </a:fillRef>
+          <a:effectRef idx="0">
+            <a:schemeClr val="accent6"/>
+          </a:effectRef>
+          <a:fontRef idx="minor">
+            <a:schemeClr val="dk1"/>
+          </a:fontRef>
+        </p:style>
+        <p:txBody>
+          <a:bodyPr rtlCol="0" anchor="ctr"/>
+          <a:lstStyle/>
+          <a:p>
+            <a:pPr algn="ctr"/>
+            <a:r>
+              <a:rPr lang="en-US" dirty="0"/>
+              <a:t>…</a:t>
+            </a:r>
+          </a:p>
+        </p:txBody>
+      </p:sp>
+      <p:sp>
+        <p:nvSpPr>
+          <p:cNvPr id="30" name="TextBox 29">
+            <a:extLst>
+              <a:ext uri="{FF2B5EF4-FFF2-40B4-BE49-F238E27FC236}">
+                <a16:creationId xmlns:a16="http://schemas.microsoft.com/office/drawing/2014/main" id="{9797E31C-6EB7-DC48-99B2-4F35D9F576E8}"/>
+              </a:ext>
+            </a:extLst>
+          </p:cNvPr>
+          <p:cNvSpPr txBox="1"/>
+          <p:nvPr/>
+        </p:nvSpPr>
+        <p:spPr>
+          <a:xfrm>
+            <a:off x="6378037" y="5528960"/>
+            <a:ext cx="617516" cy="369332"/>
+          </a:xfrm>
+          <a:prstGeom prst="rect">
+            <a:avLst/>
+          </a:prstGeom>
+          <a:noFill/>
+        </p:spPr>
+        <p:txBody>
+          <a:bodyPr wrap="square" rtlCol="0">
+            <a:spAutoFit/>
+          </a:bodyPr>
+          <a:lstStyle/>
+          <a:p>
+            <a:r>
+              <a:rPr lang="en-US" dirty="0"/>
+              <a:t>10</a:t>
+            </a:r>
+          </a:p>
+        </p:txBody>
+      </p:sp>
+      <p:cxnSp>
+        <p:nvCxnSpPr>
+          <p:cNvPr id="38" name="Straight Arrow Connector 37">
+            <a:extLst>
+              <a:ext uri="{FF2B5EF4-FFF2-40B4-BE49-F238E27FC236}">
+                <a16:creationId xmlns:a16="http://schemas.microsoft.com/office/drawing/2014/main" id="{6E952206-0A1E-504D-B647-14D870B14EA9}"/>
+              </a:ext>
+            </a:extLst>
+          </p:cNvPr>
+          <p:cNvCxnSpPr>
+            <a:cxnSpLocks/>
+            <a:stCxn id="7" idx="6"/>
+            <a:endCxn id="28" idx="2"/>
+          </p:cNvCxnSpPr>
+          <p:nvPr/>
+        </p:nvCxnSpPr>
+        <p:spPr>
+          <a:xfrm>
+            <a:off x="2893289" y="2119149"/>
+            <a:ext cx="3388757" cy="2370245"/>
+          </a:xfrm>
+          <a:prstGeom prst="straightConnector1">
+            <a:avLst/>
+          </a:prstGeom>
+          <a:ln>
+            <a:tailEnd type="triangle"/>
+          </a:ln>
+        </p:spPr>
+        <p:style>
+          <a:lnRef idx="1">
+            <a:schemeClr val="accent1"/>
+          </a:lnRef>
+          <a:fillRef idx="0">
+            <a:schemeClr val="accent1"/>
+          </a:fillRef>
+          <a:effectRef idx="0">
+            <a:schemeClr val="accent1"/>
+          </a:effectRef>
+          <a:fontRef idx="minor">
+            <a:schemeClr val="tx1"/>
+          </a:fontRef>
+        </p:style>
+      </p:cxnSp>
+      <p:cxnSp>
+        <p:nvCxnSpPr>
+          <p:cNvPr id="40" name="Straight Arrow Connector 39">
+            <a:extLst>
+              <a:ext uri="{FF2B5EF4-FFF2-40B4-BE49-F238E27FC236}">
+                <a16:creationId xmlns:a16="http://schemas.microsoft.com/office/drawing/2014/main" id="{E97F9B04-4623-3B4E-B4B0-1F58AC030B46}"/>
+              </a:ext>
+            </a:extLst>
+          </p:cNvPr>
+          <p:cNvCxnSpPr>
+            <a:cxnSpLocks/>
+            <a:stCxn id="8" idx="6"/>
+            <a:endCxn id="28" idx="2"/>
+          </p:cNvCxnSpPr>
+          <p:nvPr/>
+        </p:nvCxnSpPr>
+        <p:spPr>
+          <a:xfrm>
+            <a:off x="2893289" y="3150230"/>
+            <a:ext cx="3388757" cy="1339164"/>
+          </a:xfrm>
+          <a:prstGeom prst="straightConnector1">
+            <a:avLst/>
+          </a:prstGeom>
+          <a:ln>
+            <a:tailEnd type="triangle"/>
+          </a:ln>
+        </p:spPr>
+        <p:style>
+          <a:lnRef idx="1">
+            <a:schemeClr val="accent1"/>
+          </a:lnRef>
+          <a:fillRef idx="0">
+            <a:schemeClr val="accent1"/>
+          </a:fillRef>
+          <a:effectRef idx="0">
+            <a:schemeClr val="accent1"/>
+          </a:effectRef>
+          <a:fontRef idx="minor">
+            <a:schemeClr val="tx1"/>
+          </a:fontRef>
+        </p:style>
+      </p:cxnSp>
+      <p:cxnSp>
+        <p:nvCxnSpPr>
+          <p:cNvPr id="41" name="Straight Arrow Connector 40">
+            <a:extLst>
+              <a:ext uri="{FF2B5EF4-FFF2-40B4-BE49-F238E27FC236}">
+                <a16:creationId xmlns:a16="http://schemas.microsoft.com/office/drawing/2014/main" id="{D546F46C-58CD-D047-9A5D-55EE76E55B9B}"/>
+              </a:ext>
+            </a:extLst>
+          </p:cNvPr>
+          <p:cNvCxnSpPr>
+            <a:cxnSpLocks/>
+            <a:stCxn id="9" idx="6"/>
+            <a:endCxn id="28" idx="2"/>
+          </p:cNvCxnSpPr>
+          <p:nvPr/>
+        </p:nvCxnSpPr>
+        <p:spPr>
+          <a:xfrm flipV="1">
+            <a:off x="2893288" y="4489394"/>
+            <a:ext cx="3388758" cy="345059"/>
+          </a:xfrm>
+          <a:prstGeom prst="straightConnector1">
+            <a:avLst/>
+          </a:prstGeom>
+          <a:ln>
+            <a:tailEnd type="triangle"/>
+          </a:ln>
+        </p:spPr>
+        <p:style>
+          <a:lnRef idx="1">
+            <a:schemeClr val="accent1"/>
+          </a:lnRef>
+          <a:fillRef idx="0">
+            <a:schemeClr val="accent1"/>
+          </a:fillRef>
+          <a:effectRef idx="0">
+            <a:schemeClr val="accent1"/>
+          </a:effectRef>
+          <a:fontRef idx="minor">
+            <a:schemeClr val="tx1"/>
+          </a:fontRef>
+        </p:style>
+      </p:cxnSp>
+      <p:cxnSp>
+        <p:nvCxnSpPr>
+          <p:cNvPr id="53" name="Straight Arrow Connector 52">
+            <a:extLst>
+              <a:ext uri="{FF2B5EF4-FFF2-40B4-BE49-F238E27FC236}">
+                <a16:creationId xmlns:a16="http://schemas.microsoft.com/office/drawing/2014/main" id="{68F74E7E-918D-E449-9834-9EA37DA0A20B}"/>
+              </a:ext>
+            </a:extLst>
+          </p:cNvPr>
+          <p:cNvCxnSpPr>
+            <a:cxnSpLocks/>
+            <a:stCxn id="26" idx="6"/>
+            <a:endCxn id="11" idx="2"/>
+          </p:cNvCxnSpPr>
+          <p:nvPr/>
+        </p:nvCxnSpPr>
+        <p:spPr>
+          <a:xfrm>
+            <a:off x="6899564" y="2676700"/>
+            <a:ext cx="2169888" cy="1034290"/>
+          </a:xfrm>
+          <a:prstGeom prst="straightConnector1">
+            <a:avLst/>
+          </a:prstGeom>
+          <a:ln>
+            <a:tailEnd type="triangle"/>
+          </a:ln>
+        </p:spPr>
+        <p:style>
+          <a:lnRef idx="1">
+            <a:schemeClr val="accent1"/>
+          </a:lnRef>
+          <a:fillRef idx="0">
+            <a:schemeClr val="accent1"/>
+          </a:fillRef>
+          <a:effectRef idx="0">
+            <a:schemeClr val="accent1"/>
+          </a:effectRef>
+          <a:fontRef idx="minor">
+            <a:schemeClr val="tx1"/>
+          </a:fontRef>
+        </p:style>
+      </p:cxnSp>
+      <p:cxnSp>
+        <p:nvCxnSpPr>
+          <p:cNvPr id="56" name="Straight Arrow Connector 55">
+            <a:extLst>
+              <a:ext uri="{FF2B5EF4-FFF2-40B4-BE49-F238E27FC236}">
+                <a16:creationId xmlns:a16="http://schemas.microsoft.com/office/drawing/2014/main" id="{EA903ED1-658A-2F49-ABC3-8C837EE36987}"/>
+              </a:ext>
+            </a:extLst>
+          </p:cNvPr>
+          <p:cNvCxnSpPr>
+            <a:cxnSpLocks/>
+            <a:stCxn id="28" idx="6"/>
+            <a:endCxn id="11" idx="2"/>
+          </p:cNvCxnSpPr>
+          <p:nvPr/>
+        </p:nvCxnSpPr>
+        <p:spPr>
+          <a:xfrm flipV="1">
+            <a:off x="6899563" y="3710990"/>
+            <a:ext cx="2169889" cy="778404"/>
+          </a:xfrm>
+          <a:prstGeom prst="straightConnector1">
+            <a:avLst/>
+          </a:prstGeom>
+          <a:ln>
+            <a:tailEnd type="triangle"/>
+          </a:ln>
+        </p:spPr>
+        <p:style>
+          <a:lnRef idx="1">
+            <a:schemeClr val="accent1"/>
+          </a:lnRef>
+          <a:fillRef idx="0">
+            <a:schemeClr val="accent1"/>
+          </a:fillRef>
+          <a:effectRef idx="0">
+            <a:schemeClr val="accent1"/>
+          </a:effectRef>
+          <a:fontRef idx="minor">
+            <a:schemeClr val="tx1"/>
+          </a:fontRef>
+        </p:style>
+      </p:cxnSp>
+      <p:sp>
+        <p:nvSpPr>
+          <p:cNvPr id="60" name="TextBox 59">
+            <a:extLst>
+              <a:ext uri="{FF2B5EF4-FFF2-40B4-BE49-F238E27FC236}">
+                <a16:creationId xmlns:a16="http://schemas.microsoft.com/office/drawing/2014/main" id="{B64AFA5E-47BF-D140-BD58-ED1AD05EA05D}"/>
+              </a:ext>
+            </a:extLst>
+          </p:cNvPr>
+          <p:cNvSpPr txBox="1"/>
+          <p:nvPr/>
+        </p:nvSpPr>
+        <p:spPr>
+          <a:xfrm>
+            <a:off x="1405406" y="552534"/>
+            <a:ext cx="6099799" cy="646331"/>
+          </a:xfrm>
+          <a:prstGeom prst="rect">
+            <a:avLst/>
+          </a:prstGeom>
+          <a:noFill/>
+        </p:spPr>
+        <p:txBody>
+          <a:bodyPr wrap="square" rtlCol="0">
+            <a:spAutoFit/>
+          </a:bodyPr>
+          <a:lstStyle/>
+          <a:p>
+            <a:r>
+              <a:rPr lang="en-US" sz="3600" dirty="0"/>
+              <a:t>Network Architecture</a:t>
+            </a:r>
           </a:p>
         </p:txBody>
       </p:sp>
     </p:spTree>
     <p:extLst>
       <p:ext uri="{BB962C8B-B14F-4D97-AF65-F5344CB8AC3E}">
-        <p14:creationId xmlns:p14="http://schemas.microsoft.com/office/powerpoint/2010/main" val="3579038208"/>
+        <p14:creationId xmlns:p14="http://schemas.microsoft.com/office/powerpoint/2010/main" val="1287437725"/>
       </p:ext>
     </p:extLst>
   </p:cSld>
@@ -11839,42 +13526,6 @@
       </p:grpSpPr>
       <p:sp>
         <p:nvSpPr>
-          <p:cNvPr id="2" name="Title 1">
-            <a:extLst>
-              <a:ext uri="{FF2B5EF4-FFF2-40B4-BE49-F238E27FC236}">
-                <a16:creationId xmlns:a16="http://schemas.microsoft.com/office/drawing/2014/main" id="{52F9B936-B7D4-4276-96D6-C208AB37AE49}"/>
-              </a:ext>
-            </a:extLst>
-          </p:cNvPr>
-          <p:cNvSpPr>
-            <a:spLocks noGrp="1"/>
-          </p:cNvSpPr>
-          <p:nvPr>
-            <p:ph type="title"/>
-          </p:nvPr>
-        </p:nvSpPr>
-        <p:spPr/>
-        <p:txBody>
-          <a:bodyPr/>
-          <a:lstStyle/>
-          <a:p>
-            <a:r>
-              <a:rPr lang="en-US" i="1" dirty="0"/>
-              <a:t>Q-functions</a:t>
-            </a:r>
-            <a:r>
-              <a:rPr lang="en-US" dirty="0"/>
-              <a:t> ,</a:t>
-            </a:r>
-            <a:r>
-              <a:rPr lang="en-US" i="1" dirty="0"/>
-              <a:t>Policy Gradients</a:t>
-            </a:r>
-          </a:p>
-        </p:txBody>
-      </p:sp>
-      <p:sp>
-        <p:nvSpPr>
           <p:cNvPr id="3" name="Content Placeholder 2">
             <a:extLst>
               <a:ext uri="{FF2B5EF4-FFF2-40B4-BE49-F238E27FC236}">
@@ -11891,477 +13542,226 @@
         </p:nvSpPr>
         <p:spPr>
           <a:xfrm>
-            <a:off x="838200" y="1825625"/>
-            <a:ext cx="10515600" cy="4351338"/>
+            <a:off x="771896" y="649967"/>
+            <a:ext cx="10581904" cy="5976463"/>
           </a:xfrm>
         </p:spPr>
         <p:txBody>
-          <a:bodyPr/>
+          <a:bodyPr>
+            <a:normAutofit/>
+          </a:bodyPr>
           <a:lstStyle/>
           <a:p>
-            <a:pPr marL="0" indent="0">
+            <a:pPr marL="457200" lvl="1" indent="0">
               <a:buNone/>
             </a:pPr>
             <a:r>
-              <a:rPr lang="en-US" b="1" i="1" dirty="0"/>
-              <a:t>(Q-tables</a:t>
+              <a:rPr lang="en-US" sz="4400" dirty="0"/>
+              <a:t>The problem</a:t>
             </a:r>
-            <a:r>
-              <a:rPr lang="en-US" dirty="0"/>
-              <a:t> are non-scalable..) Use NN instead:</a:t>
-            </a:r>
-          </a:p>
-          <a:p>
-            <a:pPr marL="0" indent="0">
+          </a:p>
+          <a:p>
+            <a:pPr marL="457200" lvl="1" indent="0">
               <a:buNone/>
             </a:pPr>
             <a:endParaRPr lang="en-US" dirty="0"/>
           </a:p>
           <a:p>
+            <a:pPr marL="457200" lvl="1" indent="0">
+              <a:buNone/>
+            </a:pPr>
+            <a:endParaRPr lang="en-US" dirty="0">
+              <a:solidFill>
+                <a:srgbClr val="FF0000"/>
+              </a:solidFill>
+            </a:endParaRPr>
+          </a:p>
+          <a:p>
+            <a:pPr marL="457200" lvl="1" indent="0">
+              <a:buNone/>
+            </a:pPr>
+            <a:endParaRPr lang="en-US" dirty="0">
+              <a:solidFill>
+                <a:srgbClr val="FF0000"/>
+              </a:solidFill>
+            </a:endParaRPr>
+          </a:p>
+          <a:p>
+            <a:pPr marL="457200" lvl="1" indent="0">
+              <a:buNone/>
+            </a:pPr>
+            <a:endParaRPr lang="en-US" dirty="0">
+              <a:solidFill>
+                <a:srgbClr val="FF0000"/>
+              </a:solidFill>
+            </a:endParaRPr>
+          </a:p>
+          <a:p>
+            <a:pPr marL="457200" lvl="1" indent="0">
+              <a:buNone/>
+            </a:pPr>
+            <a:endParaRPr lang="en-US" dirty="0">
+              <a:solidFill>
+                <a:srgbClr val="FF0000"/>
+              </a:solidFill>
+            </a:endParaRPr>
+          </a:p>
+          <a:p>
+            <a:pPr marL="457200" lvl="1" indent="0">
+              <a:buNone/>
+            </a:pPr>
+            <a:endParaRPr lang="en-US" dirty="0">
+              <a:solidFill>
+                <a:srgbClr val="FF0000"/>
+              </a:solidFill>
+            </a:endParaRPr>
+          </a:p>
+          <a:p>
+            <a:pPr marL="457200" lvl="1" indent="0">
+              <a:buNone/>
+            </a:pPr>
+            <a:endParaRPr lang="en-US" dirty="0">
+              <a:solidFill>
+                <a:srgbClr val="FF0000"/>
+              </a:solidFill>
+            </a:endParaRPr>
+          </a:p>
+          <a:p>
+            <a:pPr marL="457200" lvl="1" indent="0">
+              <a:buNone/>
+            </a:pPr>
+            <a:endParaRPr lang="en-US" dirty="0">
+              <a:solidFill>
+                <a:srgbClr val="FF0000"/>
+              </a:solidFill>
+            </a:endParaRPr>
+          </a:p>
+          <a:p>
+            <a:pPr marL="457200" lvl="1" indent="0">
+              <a:buNone/>
+            </a:pPr>
+            <a:endParaRPr lang="en-US" dirty="0">
+              <a:solidFill>
+                <a:srgbClr val="FF0000"/>
+              </a:solidFill>
+            </a:endParaRPr>
+          </a:p>
+          <a:p>
+            <a:pPr marL="457200" lvl="1" indent="0">
+              <a:buNone/>
+            </a:pPr>
+            <a:endParaRPr lang="en-US" dirty="0">
+              <a:solidFill>
+                <a:srgbClr val="FF0000"/>
+              </a:solidFill>
+            </a:endParaRPr>
+          </a:p>
+          <a:p>
+            <a:pPr marL="457200" lvl="1" indent="0">
+              <a:buNone/>
+            </a:pPr>
+            <a:endParaRPr lang="en-US" dirty="0">
+              <a:solidFill>
+                <a:srgbClr val="FF0000"/>
+              </a:solidFill>
+            </a:endParaRPr>
+          </a:p>
+          <a:p>
+            <a:pPr marL="457200" lvl="1" indent="0">
+              <a:buNone/>
+            </a:pPr>
+            <a:r>
+              <a:rPr lang="en-US" b="1" u="sng" dirty="0"/>
+              <a:t>Conclusion:</a:t>
+            </a:r>
+          </a:p>
+          <a:p>
+            <a:pPr marL="457200" lvl="1" indent="0">
+              <a:buNone/>
+            </a:pPr>
             <a:r>
               <a:rPr lang="en-US" dirty="0"/>
-              <a:t>Method1: </a:t>
-            </a:r>
-            <a:r>
-              <a:rPr lang="en-US" i="1" dirty="0"/>
-              <a:t>Q-functions(DQN)</a:t>
-            </a:r>
-            <a:r>
-              <a:rPr lang="en-US" dirty="0"/>
-              <a:t> (Train to predict action state values):</a:t>
-            </a:r>
-          </a:p>
-          <a:p>
-            <a:endParaRPr lang="en-US" dirty="0"/>
-          </a:p>
-          <a:p>
-            <a:endParaRPr lang="en-US" dirty="0"/>
-          </a:p>
-          <a:p>
-            <a:r>
-              <a:rPr lang="en-US" dirty="0"/>
-              <a:t>Method2: </a:t>
-            </a:r>
-            <a:r>
-              <a:rPr lang="en-US" i="1" dirty="0"/>
-              <a:t>Policy Gradients</a:t>
-            </a:r>
-            <a:r>
-              <a:rPr lang="en-US" dirty="0"/>
-              <a:t> (Train to predict a good </a:t>
-            </a:r>
-            <a:r>
-              <a:rPr lang="en-US" i="1" dirty="0"/>
-              <a:t>Policy</a:t>
-            </a:r>
-            <a:r>
-              <a:rPr lang="en-US" dirty="0"/>
-              <a:t>)</a:t>
+              <a:t>the problem is the d-a-t-a and not the network !!</a:t>
             </a:r>
           </a:p>
         </p:txBody>
       </p:sp>
-      <mc:AlternateContent xmlns:mc="http://schemas.openxmlformats.org/markup-compatibility/2006">
-        <mc:Choice xmlns:a14="http://schemas.microsoft.com/office/drawing/2010/main" Requires="a14">
-          <p:sp>
-            <p:nvSpPr>
-              <p:cNvPr id="18" name="TextBox 17">
-                <a:extLst>
-                  <a:ext uri="{FF2B5EF4-FFF2-40B4-BE49-F238E27FC236}">
-                    <a16:creationId xmlns:a16="http://schemas.microsoft.com/office/drawing/2014/main" id="{95A28D65-2EDD-48A0-9F3B-55411B2D5874}"/>
-                  </a:ext>
-                </a:extLst>
-              </p:cNvPr>
-              <p:cNvSpPr txBox="1"/>
-              <p:nvPr/>
-            </p:nvSpPr>
-            <p:spPr>
-              <a:xfrm>
-                <a:off x="1118597" y="5211747"/>
-                <a:ext cx="8588508" cy="523220"/>
-              </a:xfrm>
-              <a:prstGeom prst="rect">
-                <a:avLst/>
-              </a:prstGeom>
-              <a:noFill/>
-            </p:spPr>
-            <p:txBody>
-              <a:bodyPr wrap="square" rtlCol="0">
-                <a:spAutoFit/>
-              </a:bodyPr>
-              <a:lstStyle/>
-              <a:p>
-                <a14:m>
-                  <m:oMathPara xmlns:m="http://schemas.openxmlformats.org/officeDocument/2006/math">
-                    <m:oMathParaPr>
-                      <m:jc m:val="centerGroup"/>
-                    </m:oMathParaPr>
-                    <m:oMath xmlns:m="http://schemas.openxmlformats.org/officeDocument/2006/math">
-                      <m:r>
-                        <a:rPr lang="en-US" sz="2800" b="0" i="1" smtClean="0">
-                          <a:latin typeface="Cambria Math" panose="02040503050406030204" pitchFamily="18" charset="0"/>
-                        </a:rPr>
-                        <m:t>𝑃𝑜𝑙𝑖𝑐𝑦</m:t>
-                      </m:r>
-                      <m:r>
-                        <a:rPr lang="en-US" sz="2800" b="0" i="1" smtClean="0">
-                          <a:latin typeface="Cambria Math" panose="02040503050406030204" pitchFamily="18" charset="0"/>
-                        </a:rPr>
-                        <m:t>={</m:t>
-                      </m:r>
-                      <m:r>
-                        <a:rPr lang="en-US" sz="2800" i="1">
-                          <a:latin typeface="Cambria Math" panose="02040503050406030204" pitchFamily="18" charset="0"/>
-                        </a:rPr>
-                        <m:t>𝑎𝑐𝑡𝑖𝑜</m:t>
-                      </m:r>
-                      <m:sSub>
-                        <m:sSubPr>
-                          <m:ctrlPr>
-                            <a:rPr lang="en-US" sz="2800" b="0" i="1" smtClean="0">
-                              <a:latin typeface="Cambria Math" panose="02040503050406030204" pitchFamily="18" charset="0"/>
-                            </a:rPr>
-                          </m:ctrlPr>
-                        </m:sSubPr>
-                        <m:e>
-                          <m:r>
-                            <a:rPr lang="en-US" sz="2800" i="1">
-                              <a:latin typeface="Cambria Math" panose="02040503050406030204" pitchFamily="18" charset="0"/>
-                            </a:rPr>
-                            <m:t>𝑛</m:t>
-                          </m:r>
-                        </m:e>
-                        <m:sub>
-                          <m:r>
-                            <a:rPr lang="en-US" sz="2800" b="0" i="1" smtClean="0">
-                              <a:latin typeface="Cambria Math" panose="02040503050406030204" pitchFamily="18" charset="0"/>
-                            </a:rPr>
-                            <m:t>1</m:t>
-                          </m:r>
-                        </m:sub>
-                      </m:sSub>
-                      <m:r>
-                        <a:rPr lang="en-US" sz="2800" b="0" i="1" smtClean="0">
-                          <a:latin typeface="Cambria Math" panose="02040503050406030204" pitchFamily="18" charset="0"/>
-                        </a:rPr>
-                        <m:t>,</m:t>
-                      </m:r>
-                      <m:r>
-                        <a:rPr lang="en-US" sz="2800" i="1">
-                          <a:latin typeface="Cambria Math" panose="02040503050406030204" pitchFamily="18" charset="0"/>
-                        </a:rPr>
-                        <m:t>𝑎𝑐𝑡𝑖𝑜</m:t>
-                      </m:r>
-                      <m:sSub>
-                        <m:sSubPr>
-                          <m:ctrlPr>
-                            <a:rPr lang="en-US" sz="2800" b="0" i="1" smtClean="0">
-                              <a:latin typeface="Cambria Math" panose="02040503050406030204" pitchFamily="18" charset="0"/>
-                            </a:rPr>
-                          </m:ctrlPr>
-                        </m:sSubPr>
-                        <m:e>
-                          <m:r>
-                            <a:rPr lang="en-US" sz="2800" i="1">
-                              <a:latin typeface="Cambria Math" panose="02040503050406030204" pitchFamily="18" charset="0"/>
-                            </a:rPr>
-                            <m:t>𝑛</m:t>
-                          </m:r>
-                        </m:e>
-                        <m:sub>
-                          <m:r>
-                            <a:rPr lang="en-US" sz="2800" b="0" i="1" smtClean="0">
-                              <a:latin typeface="Cambria Math" panose="02040503050406030204" pitchFamily="18" charset="0"/>
-                            </a:rPr>
-                            <m:t>2</m:t>
-                          </m:r>
-                        </m:sub>
-                      </m:sSub>
-                      <m:r>
-                        <a:rPr lang="en-US" sz="2800" b="0" i="1" smtClean="0">
-                          <a:latin typeface="Cambria Math" panose="02040503050406030204" pitchFamily="18" charset="0"/>
-                        </a:rPr>
-                        <m:t>,…</m:t>
-                      </m:r>
-                      <m:r>
-                        <a:rPr lang="en-US" sz="2800" i="1">
-                          <a:latin typeface="Cambria Math" panose="02040503050406030204" pitchFamily="18" charset="0"/>
-                        </a:rPr>
-                        <m:t>𝑎𝑐𝑡𝑖𝑜</m:t>
-                      </m:r>
-                      <m:sSub>
-                        <m:sSubPr>
-                          <m:ctrlPr>
-                            <a:rPr lang="en-US" sz="2800" b="0" i="1" smtClean="0">
-                              <a:latin typeface="Cambria Math" panose="02040503050406030204" pitchFamily="18" charset="0"/>
-                            </a:rPr>
-                          </m:ctrlPr>
-                        </m:sSubPr>
-                        <m:e>
-                          <m:r>
-                            <a:rPr lang="en-US" sz="2800" i="1">
-                              <a:latin typeface="Cambria Math" panose="02040503050406030204" pitchFamily="18" charset="0"/>
-                            </a:rPr>
-                            <m:t>𝑛</m:t>
-                          </m:r>
-                        </m:e>
-                        <m:sub>
-                          <m:r>
-                            <a:rPr lang="en-US" sz="2800" b="0" i="1" smtClean="0">
-                              <a:latin typeface="Cambria Math" panose="02040503050406030204" pitchFamily="18" charset="0"/>
-                            </a:rPr>
-                            <m:t>𝑇</m:t>
-                          </m:r>
-                        </m:sub>
-                      </m:sSub>
-                      <m:r>
-                        <a:rPr lang="en-US" sz="2800" b="0" i="1" smtClean="0">
-                          <a:latin typeface="Cambria Math" panose="02040503050406030204" pitchFamily="18" charset="0"/>
-                        </a:rPr>
-                        <m:t>}=</m:t>
-                      </m:r>
-                      <m:r>
-                        <a:rPr lang="en-US" sz="2800" i="1" smtClean="0">
-                          <a:latin typeface="Cambria Math" panose="02040503050406030204" pitchFamily="18" charset="0"/>
-                        </a:rPr>
-                        <m:t>𝐴</m:t>
-                      </m:r>
-                      <m:r>
-                        <a:rPr lang="en-US" sz="2800" b="0" i="1" smtClean="0">
-                          <a:latin typeface="Cambria Math" panose="02040503050406030204" pitchFamily="18" charset="0"/>
-                        </a:rPr>
-                        <m:t>𝑐𝑡𝑜𝑟</m:t>
-                      </m:r>
-                      <m:r>
-                        <a:rPr lang="en-US" sz="2800" i="1">
-                          <a:latin typeface="Cambria Math" panose="02040503050406030204" pitchFamily="18" charset="0"/>
-                        </a:rPr>
-                        <m:t>(</m:t>
-                      </m:r>
-                      <m:r>
-                        <a:rPr lang="en-US" sz="2800" i="1">
-                          <a:latin typeface="Cambria Math" panose="02040503050406030204" pitchFamily="18" charset="0"/>
-                        </a:rPr>
-                        <m:t>𝑠𝑡</m:t>
-                      </m:r>
-                      <m:r>
-                        <a:rPr lang="en-US" sz="2800" b="0" i="1" smtClean="0">
-                          <a:latin typeface="Cambria Math" panose="02040503050406030204" pitchFamily="18" charset="0"/>
-                        </a:rPr>
-                        <m:t>𝑎𝑡𝑒</m:t>
-                      </m:r>
-                      <m:r>
-                        <a:rPr lang="en-US" sz="2800" i="1">
-                          <a:latin typeface="Cambria Math" panose="02040503050406030204" pitchFamily="18" charset="0"/>
-                        </a:rPr>
-                        <m:t>)</m:t>
-                      </m:r>
-                    </m:oMath>
-                  </m:oMathPara>
-                </a14:m>
-                <a:endParaRPr lang="en-US" sz="2800" dirty="0"/>
-              </a:p>
-            </p:txBody>
-          </p:sp>
-        </mc:Choice>
-        <mc:Fallback>
-          <p:sp>
-            <p:nvSpPr>
-              <p:cNvPr id="18" name="TextBox 17">
-                <a:extLst>
-                  <a:ext uri="{FF2B5EF4-FFF2-40B4-BE49-F238E27FC236}">
-                    <a16:creationId xmlns:a16="http://schemas.microsoft.com/office/drawing/2014/main" id="{95A28D65-2EDD-48A0-9F3B-55411B2D5874}"/>
-                  </a:ext>
-                </a:extLst>
-              </p:cNvPr>
-              <p:cNvSpPr txBox="1">
-                <a:spLocks noRot="1" noChangeAspect="1" noMove="1" noResize="1" noEditPoints="1" noAdjustHandles="1" noChangeArrowheads="1" noChangeShapeType="1" noTextEdit="1"/>
-              </p:cNvSpPr>
-              <p:nvPr/>
-            </p:nvSpPr>
-            <p:spPr>
-              <a:xfrm>
-                <a:off x="1118597" y="5211747"/>
-                <a:ext cx="8588508" cy="523220"/>
-              </a:xfrm>
-              <a:prstGeom prst="rect">
-                <a:avLst/>
-              </a:prstGeom>
-              <a:blipFill>
-                <a:blip r:embed="rId2"/>
-                <a:stretch>
-                  <a:fillRect/>
-                </a:stretch>
-              </a:blipFill>
-            </p:spPr>
-            <p:txBody>
-              <a:bodyPr/>
-              <a:lstStyle/>
-              <a:p>
-                <a:r>
-                  <a:rPr lang="en-US">
-                    <a:noFill/>
-                  </a:rPr>
-                  <a:t> </a:t>
-                </a:r>
-              </a:p>
-            </p:txBody>
-          </p:sp>
-        </mc:Fallback>
-      </mc:AlternateContent>
-      <mc:AlternateContent xmlns:mc="http://schemas.openxmlformats.org/markup-compatibility/2006">
-        <mc:Choice xmlns:a14="http://schemas.microsoft.com/office/drawing/2010/main" Requires="a14">
-          <p:sp>
-            <p:nvSpPr>
-              <p:cNvPr id="21" name="TextBox 20">
-                <a:extLst>
-                  <a:ext uri="{FF2B5EF4-FFF2-40B4-BE49-F238E27FC236}">
-                    <a16:creationId xmlns:a16="http://schemas.microsoft.com/office/drawing/2014/main" id="{FE4F1D67-7787-40B4-BE4C-5195C62E29C1}"/>
-                  </a:ext>
-                </a:extLst>
-              </p:cNvPr>
-              <p:cNvSpPr txBox="1"/>
-              <p:nvPr/>
-            </p:nvSpPr>
-            <p:spPr>
-              <a:xfrm>
-                <a:off x="3035219" y="3518686"/>
-                <a:ext cx="4998069" cy="523220"/>
-              </a:xfrm>
-              <a:prstGeom prst="rect">
-                <a:avLst/>
-              </a:prstGeom>
-              <a:noFill/>
-            </p:spPr>
-            <p:txBody>
-              <a:bodyPr wrap="square" rtlCol="0">
-                <a:spAutoFit/>
-              </a:bodyPr>
-              <a:lstStyle/>
-              <a:p>
-                <a14:m>
-                  <m:oMathPara xmlns:m="http://schemas.openxmlformats.org/officeDocument/2006/math">
-                    <m:oMathParaPr>
-                      <m:jc m:val="centerGroup"/>
-                    </m:oMathParaPr>
-                    <m:oMath xmlns:m="http://schemas.openxmlformats.org/officeDocument/2006/math">
-                      <m:r>
-                        <a:rPr lang="en-US" sz="2800" b="0" i="1" smtClean="0">
-                          <a:latin typeface="Cambria Math" panose="02040503050406030204" pitchFamily="18" charset="0"/>
-                        </a:rPr>
-                        <m:t>𝑉𝑎𝑙𝑢𝑒</m:t>
-                      </m:r>
-                      <m:r>
-                        <a:rPr lang="en-US" sz="2800" b="0" i="1" smtClean="0">
-                          <a:latin typeface="Cambria Math" panose="02040503050406030204" pitchFamily="18" charset="0"/>
-                        </a:rPr>
-                        <m:t>=</m:t>
-                      </m:r>
-                      <m:r>
-                        <a:rPr lang="en-US" sz="2800" b="0" i="1" smtClean="0">
-                          <a:latin typeface="Cambria Math" panose="02040503050406030204" pitchFamily="18" charset="0"/>
-                        </a:rPr>
-                        <m:t>𝐶𝑟𝑖𝑡𝑖𝑐</m:t>
-                      </m:r>
-                      <m:r>
-                        <a:rPr lang="en-US" sz="2800" i="1">
-                          <a:latin typeface="Cambria Math" panose="02040503050406030204" pitchFamily="18" charset="0"/>
-                        </a:rPr>
-                        <m:t>(</m:t>
-                      </m:r>
-                      <m:r>
-                        <a:rPr lang="en-US" sz="2800" i="1">
-                          <a:latin typeface="Cambria Math" panose="02040503050406030204" pitchFamily="18" charset="0"/>
-                        </a:rPr>
-                        <m:t>𝑠𝑡</m:t>
-                      </m:r>
-                      <m:r>
-                        <a:rPr lang="en-US" sz="2800" b="0" i="1" smtClean="0">
-                          <a:latin typeface="Cambria Math" panose="02040503050406030204" pitchFamily="18" charset="0"/>
-                        </a:rPr>
-                        <m:t>𝑎𝑡𝑒</m:t>
-                      </m:r>
-                      <m:r>
-                        <a:rPr lang="en-US" sz="2800" i="1">
-                          <a:latin typeface="Cambria Math" panose="02040503050406030204" pitchFamily="18" charset="0"/>
-                        </a:rPr>
-                        <m:t>,</m:t>
-                      </m:r>
-                      <m:r>
-                        <a:rPr lang="en-US" sz="2800" i="1">
-                          <a:latin typeface="Cambria Math" panose="02040503050406030204" pitchFamily="18" charset="0"/>
-                        </a:rPr>
-                        <m:t>𝑎𝑐</m:t>
-                      </m:r>
-                      <m:r>
-                        <a:rPr lang="en-US" sz="2800" b="0" i="1" smtClean="0">
-                          <a:latin typeface="Cambria Math" panose="02040503050406030204" pitchFamily="18" charset="0"/>
-                        </a:rPr>
-                        <m:t>𝑡𝑖𝑜𝑛</m:t>
-                      </m:r>
-                      <m:r>
-                        <a:rPr lang="en-US" sz="2800" i="1">
-                          <a:latin typeface="Cambria Math" panose="02040503050406030204" pitchFamily="18" charset="0"/>
-                        </a:rPr>
-                        <m:t>)</m:t>
-                      </m:r>
-                    </m:oMath>
-                  </m:oMathPara>
-                </a14:m>
-                <a:endParaRPr lang="en-US" sz="2800" dirty="0"/>
-              </a:p>
-            </p:txBody>
-          </p:sp>
-        </mc:Choice>
-        <mc:Fallback>
-          <p:sp>
-            <p:nvSpPr>
-              <p:cNvPr id="21" name="TextBox 20">
-                <a:extLst>
-                  <a:ext uri="{FF2B5EF4-FFF2-40B4-BE49-F238E27FC236}">
-                    <a16:creationId xmlns:a16="http://schemas.microsoft.com/office/drawing/2014/main" id="{FE4F1D67-7787-40B4-BE4C-5195C62E29C1}"/>
-                  </a:ext>
-                </a:extLst>
-              </p:cNvPr>
-              <p:cNvSpPr txBox="1">
-                <a:spLocks noRot="1" noChangeAspect="1" noMove="1" noResize="1" noEditPoints="1" noAdjustHandles="1" noChangeArrowheads="1" noChangeShapeType="1" noTextEdit="1"/>
-              </p:cNvSpPr>
-              <p:nvPr/>
-            </p:nvSpPr>
-            <p:spPr>
-              <a:xfrm>
-                <a:off x="3035219" y="3518686"/>
-                <a:ext cx="4998069" cy="523220"/>
-              </a:xfrm>
-              <a:prstGeom prst="rect">
-                <a:avLst/>
-              </a:prstGeom>
-              <a:blipFill>
-                <a:blip r:embed="rId3"/>
-                <a:stretch>
-                  <a:fillRect/>
-                </a:stretch>
-              </a:blipFill>
-            </p:spPr>
-            <p:txBody>
-              <a:bodyPr/>
-              <a:lstStyle/>
-              <a:p>
-                <a:r>
-                  <a:rPr lang="en-US">
-                    <a:noFill/>
-                  </a:rPr>
-                  <a:t> </a:t>
-                </a:r>
-              </a:p>
-            </p:txBody>
-          </p:sp>
-        </mc:Fallback>
-      </mc:AlternateContent>
+      <p:pic>
+        <p:nvPicPr>
+          <p:cNvPr id="6" name="Picture 5">
+            <a:extLst>
+              <a:ext uri="{FF2B5EF4-FFF2-40B4-BE49-F238E27FC236}">
+                <a16:creationId xmlns:a16="http://schemas.microsoft.com/office/drawing/2014/main" id="{5CF32989-883C-4F46-A601-76D9841EF213}"/>
+              </a:ext>
+            </a:extLst>
+          </p:cNvPr>
+          <p:cNvPicPr>
+            <a:picLocks noChangeAspect="1"/>
+          </p:cNvPicPr>
+          <p:nvPr/>
+        </p:nvPicPr>
+        <p:blipFill>
+          <a:blip r:embed="rId2">
+            <a:extLst>
+              <a:ext uri="{28A0092B-C50C-407E-A947-70E740481C1C}">
+                <a14:useLocalDpi xmlns:a14="http://schemas.microsoft.com/office/drawing/2010/main" val="0"/>
+              </a:ext>
+            </a:extLst>
+          </a:blip>
+          <a:stretch>
+            <a:fillRect/>
+          </a:stretch>
+        </p:blipFill>
+        <p:spPr>
+          <a:xfrm>
+            <a:off x="607963" y="1476663"/>
+            <a:ext cx="5213093" cy="3819732"/>
+          </a:xfrm>
+          <a:prstGeom prst="rect">
+            <a:avLst/>
+          </a:prstGeom>
+        </p:spPr>
+      </p:pic>
+      <p:pic>
+        <p:nvPicPr>
+          <p:cNvPr id="12" name="Picture 11">
+            <a:extLst>
+              <a:ext uri="{FF2B5EF4-FFF2-40B4-BE49-F238E27FC236}">
+                <a16:creationId xmlns:a16="http://schemas.microsoft.com/office/drawing/2014/main" id="{B49E5D35-E9CA-E647-8542-2A828508B451}"/>
+              </a:ext>
+            </a:extLst>
+          </p:cNvPr>
+          <p:cNvPicPr>
+            <a:picLocks noChangeAspect="1"/>
+          </p:cNvPicPr>
+          <p:nvPr/>
+        </p:nvPicPr>
+        <p:blipFill>
+          <a:blip r:embed="rId3">
+            <a:extLst>
+              <a:ext uri="{28A0092B-C50C-407E-A947-70E740481C1C}">
+                <a14:useLocalDpi xmlns:a14="http://schemas.microsoft.com/office/drawing/2010/main" val="0"/>
+              </a:ext>
+            </a:extLst>
+          </a:blip>
+          <a:stretch>
+            <a:fillRect/>
+          </a:stretch>
+        </p:blipFill>
+        <p:spPr>
+          <a:xfrm>
+            <a:off x="6096000" y="1428222"/>
+            <a:ext cx="4999375" cy="3932362"/>
+          </a:xfrm>
+          <a:prstGeom prst="rect">
+            <a:avLst/>
+          </a:prstGeom>
+        </p:spPr>
+      </p:pic>
     </p:spTree>
     <p:extLst>
       <p:ext uri="{BB962C8B-B14F-4D97-AF65-F5344CB8AC3E}">
-        <p14:creationId xmlns:p14="http://schemas.microsoft.com/office/powerpoint/2010/main" val="1587503316"/>
+        <p14:creationId xmlns:p14="http://schemas.microsoft.com/office/powerpoint/2010/main" val="1041461282"/>
       </p:ext>
     </p:extLst>
   </p:cSld>
@@ -12410,8 +13810,12 @@
           <a:lstStyle/>
           <a:p>
             <a:r>
+              <a:rPr lang="en-US" i="1" dirty="0"/>
+              <a:t>Step 4: </a:t>
+            </a:r>
+            <a:r>
               <a:rPr lang="en-US" dirty="0"/>
-              <a:t>Drawbacks</a:t>
+              <a:t>Use an environment with existing data</a:t>
             </a:r>
           </a:p>
         </p:txBody>
@@ -12442,59 +13846,122 @@
           <a:bodyPr/>
           <a:lstStyle/>
           <a:p>
-            <a:pPr marL="0" indent="0">
-              <a:buNone/>
+            <a:pPr>
+              <a:lnSpc>
+                <a:spcPct val="150000"/>
+              </a:lnSpc>
             </a:pPr>
             <a:r>
               <a:rPr lang="en-US" dirty="0"/>
-              <a:t>What is a drawback of Q-function?</a:t>
+              <a:t>The swerve part is the important part</a:t>
             </a:r>
           </a:p>
           <a:p>
-            <a:pPr marL="0" indent="0">
+            <a:pPr lvl="1">
+              <a:lnSpc>
+                <a:spcPct val="150000"/>
+              </a:lnSpc>
+              <a:buFont typeface="Courier New" panose="02070309020205020404" pitchFamily="49" charset="0"/>
+              <a:buChar char="o"/>
+            </a:pPr>
+            <a:r>
+              <a:rPr lang="en-US" dirty="0">
+                <a:solidFill>
+                  <a:srgbClr val="00B050"/>
+                </a:solidFill>
+              </a:rPr>
+              <a:t>It teaches the AI to TURN correctly</a:t>
+            </a:r>
+          </a:p>
+          <a:p>
+            <a:pPr lvl="2">
+              <a:lnSpc>
+                <a:spcPct val="150000"/>
+              </a:lnSpc>
+              <a:buFont typeface="Wingdings" pitchFamily="2" charset="2"/>
+              <a:buChar char="§"/>
+            </a:pPr>
+            <a:r>
+              <a:rPr lang="en-US" dirty="0"/>
+              <a:t>That was the missing part</a:t>
+            </a:r>
+          </a:p>
+          <a:p>
+            <a:pPr marL="457200" lvl="1" indent="0">
               <a:buNone/>
             </a:pPr>
             <a:endParaRPr lang="en-US" dirty="0"/>
           </a:p>
           <a:p>
-            <a:pPr marL="0" indent="0">
+            <a:pPr marL="457200" lvl="1" indent="0">
               <a:buNone/>
             </a:pPr>
             <a:endParaRPr lang="en-US" dirty="0"/>
           </a:p>
-          <a:p>
-            <a:pPr marL="0" indent="0">
-              <a:buNone/>
-            </a:pPr>
-            <a:endParaRPr lang="en-US" dirty="0"/>
-          </a:p>
-          <a:p>
-            <a:pPr marL="0" indent="0">
-              <a:buNone/>
-            </a:pPr>
-            <a:endParaRPr lang="en-US" dirty="0"/>
-          </a:p>
-          <a:p>
-            <a:pPr marL="0" indent="0">
-              <a:buNone/>
-            </a:pPr>
-            <a:r>
-              <a:rPr lang="en-US" dirty="0"/>
-              <a:t>What is a drawback of Policy-Gradients?</a:t>
-            </a:r>
-          </a:p>
-          <a:p>
-            <a:pPr marL="0" indent="0">
-              <a:buNone/>
-            </a:pPr>
-            <a:endParaRPr lang="en-US" dirty="0"/>
-          </a:p>
         </p:txBody>
       </p:sp>
+      <p:pic>
+        <p:nvPicPr>
+          <p:cNvPr id="4" name="Picture 3">
+            <a:extLst>
+              <a:ext uri="{FF2B5EF4-FFF2-40B4-BE49-F238E27FC236}">
+                <a16:creationId xmlns:a16="http://schemas.microsoft.com/office/drawing/2014/main" id="{DFFC59A5-BFA4-974E-87A3-012288AD76B2}"/>
+              </a:ext>
+            </a:extLst>
+          </p:cNvPr>
+          <p:cNvPicPr>
+            <a:picLocks noChangeAspect="1"/>
+          </p:cNvPicPr>
+          <p:nvPr/>
+        </p:nvPicPr>
+        <p:blipFill>
+          <a:blip r:embed="rId2"/>
+          <a:stretch>
+            <a:fillRect/>
+          </a:stretch>
+        </p:blipFill>
+        <p:spPr>
+          <a:xfrm>
+            <a:off x="6888270" y="1825625"/>
+            <a:ext cx="5010806" cy="4770671"/>
+          </a:xfrm>
+          <a:prstGeom prst="rect">
+            <a:avLst/>
+          </a:prstGeom>
+        </p:spPr>
+      </p:pic>
+      <p:graphicFrame>
+        <p:nvGraphicFramePr>
+          <p:cNvPr id="7" name="Chart 6">
+            <a:extLst>
+              <a:ext uri="{FF2B5EF4-FFF2-40B4-BE49-F238E27FC236}">
+                <a16:creationId xmlns:a16="http://schemas.microsoft.com/office/drawing/2014/main" id="{3579799C-3455-7E4B-BFA6-043BCAD68183}"/>
+              </a:ext>
+            </a:extLst>
+          </p:cNvPr>
+          <p:cNvGraphicFramePr/>
+          <p:nvPr>
+            <p:extLst>
+              <p:ext uri="{D42A27DB-BD31-4B8C-83A1-F6EECF244321}">
+                <p14:modId xmlns:p14="http://schemas.microsoft.com/office/powerpoint/2010/main" val="1630559963"/>
+              </p:ext>
+            </p:extLst>
+          </p:nvPr>
+        </p:nvGraphicFramePr>
+        <p:xfrm>
+          <a:off x="1428008" y="3283802"/>
+          <a:ext cx="4169637" cy="3835455"/>
+        </p:xfrm>
+        <a:graphic>
+          <a:graphicData uri="http://schemas.openxmlformats.org/drawingml/2006/chart">
+            <c:chart xmlns:c="http://schemas.openxmlformats.org/drawingml/2006/chart" xmlns:r="http://schemas.openxmlformats.org/officeDocument/2006/relationships" r:id="rId3"/>
+          </a:graphicData>
+        </a:graphic>
+      </p:graphicFrame>
     </p:spTree>
     <p:extLst>
       <p:ext uri="{BB962C8B-B14F-4D97-AF65-F5344CB8AC3E}">
-        <p14:creationId xmlns:p14="http://schemas.microsoft.com/office/powerpoint/2010/main" val="4084827522"/>
+        <p14:creationId xmlns:p14="http://schemas.microsoft.com/office/powerpoint/2010/main" val="4281345797"/>
       </p:ext>
     </p:extLst>
   </p:cSld>
@@ -12523,10 +13990,464 @@
       </p:grpSpPr>
       <p:sp>
         <p:nvSpPr>
+          <p:cNvPr id="3" name="Content Placeholder 2">
+            <a:extLst>
+              <a:ext uri="{FF2B5EF4-FFF2-40B4-BE49-F238E27FC236}">
+                <a16:creationId xmlns:a16="http://schemas.microsoft.com/office/drawing/2014/main" id="{CDB637C4-5358-4E44-B83C-FCC8D918AF0B}"/>
+              </a:ext>
+            </a:extLst>
+          </p:cNvPr>
+          <p:cNvSpPr>
+            <a:spLocks noGrp="1"/>
+          </p:cNvSpPr>
+          <p:nvPr>
+            <p:ph idx="1"/>
+          </p:nvPr>
+        </p:nvSpPr>
+        <p:spPr>
+          <a:xfrm>
+            <a:off x="448665" y="269956"/>
+            <a:ext cx="10515600" cy="6344599"/>
+          </a:xfrm>
+        </p:spPr>
+        <p:txBody>
+          <a:bodyPr/>
+          <a:lstStyle/>
+          <a:p>
+            <a:pPr marL="457200" lvl="1" indent="0">
+              <a:buNone/>
+            </a:pPr>
+            <a:r>
+              <a:rPr lang="en-US" sz="4400" dirty="0"/>
+              <a:t>Microsoft architecture</a:t>
+            </a:r>
+          </a:p>
+          <a:p>
+            <a:pPr marL="457200" lvl="1" indent="0">
+              <a:buNone/>
+            </a:pPr>
+            <a:endParaRPr lang="en-US" dirty="0"/>
+          </a:p>
+          <a:p>
+            <a:pPr marL="457200" lvl="1" indent="0">
+              <a:buNone/>
+            </a:pPr>
+            <a:endParaRPr lang="en-US" dirty="0">
+              <a:solidFill>
+                <a:srgbClr val="FF0000"/>
+              </a:solidFill>
+            </a:endParaRPr>
+          </a:p>
+          <a:p>
+            <a:pPr marL="457200" lvl="1" indent="0">
+              <a:buNone/>
+            </a:pPr>
+            <a:endParaRPr lang="en-US" dirty="0">
+              <a:solidFill>
+                <a:srgbClr val="FF0000"/>
+              </a:solidFill>
+            </a:endParaRPr>
+          </a:p>
+          <a:p>
+            <a:pPr marL="457200" lvl="1" indent="0">
+              <a:buNone/>
+            </a:pPr>
+            <a:endParaRPr lang="en-US" dirty="0">
+              <a:solidFill>
+                <a:srgbClr val="FF0000"/>
+              </a:solidFill>
+            </a:endParaRPr>
+          </a:p>
+          <a:p>
+            <a:pPr marL="457200" lvl="1" indent="0">
+              <a:buNone/>
+            </a:pPr>
+            <a:endParaRPr lang="en-US" dirty="0">
+              <a:solidFill>
+                <a:srgbClr val="FF0000"/>
+              </a:solidFill>
+            </a:endParaRPr>
+          </a:p>
+          <a:p>
+            <a:pPr marL="457200" lvl="1" indent="0">
+              <a:buNone/>
+            </a:pPr>
+            <a:endParaRPr lang="en-US" dirty="0">
+              <a:solidFill>
+                <a:srgbClr val="FF0000"/>
+              </a:solidFill>
+            </a:endParaRPr>
+          </a:p>
+          <a:p>
+            <a:pPr marL="457200" lvl="1" indent="0">
+              <a:buNone/>
+            </a:pPr>
+            <a:endParaRPr lang="en-US" dirty="0">
+              <a:solidFill>
+                <a:srgbClr val="FF0000"/>
+              </a:solidFill>
+            </a:endParaRPr>
+          </a:p>
+        </p:txBody>
+      </p:sp>
+      <p:pic>
+        <p:nvPicPr>
+          <p:cNvPr id="4" name="Picture 3">
+            <a:extLst>
+              <a:ext uri="{FF2B5EF4-FFF2-40B4-BE49-F238E27FC236}">
+                <a16:creationId xmlns:a16="http://schemas.microsoft.com/office/drawing/2014/main" id="{521D5F25-B881-AF4D-9A65-6470EE89E7C5}"/>
+              </a:ext>
+            </a:extLst>
+          </p:cNvPr>
+          <p:cNvPicPr>
+            <a:picLocks noChangeAspect="1"/>
+          </p:cNvPicPr>
+          <p:nvPr/>
+        </p:nvPicPr>
+        <p:blipFill>
+          <a:blip r:embed="rId2">
+            <a:extLst>
+              <a:ext uri="{28A0092B-C50C-407E-A947-70E740481C1C}">
+                <a14:useLocalDpi xmlns:a14="http://schemas.microsoft.com/office/drawing/2010/main" val="0"/>
+              </a:ext>
+            </a:extLst>
+          </a:blip>
+          <a:stretch>
+            <a:fillRect/>
+          </a:stretch>
+        </p:blipFill>
+        <p:spPr>
+          <a:xfrm>
+            <a:off x="2779569" y="1055600"/>
+            <a:ext cx="5853792" cy="4692057"/>
+          </a:xfrm>
+          <a:prstGeom prst="rect">
+            <a:avLst/>
+          </a:prstGeom>
+        </p:spPr>
+      </p:pic>
+      <p:sp>
+        <p:nvSpPr>
+          <p:cNvPr id="5" name="Rectangle 4">
+            <a:extLst>
+              <a:ext uri="{FF2B5EF4-FFF2-40B4-BE49-F238E27FC236}">
+                <a16:creationId xmlns:a16="http://schemas.microsoft.com/office/drawing/2014/main" id="{0F76EC27-3B39-5240-88D8-8A4DF7BD3012}"/>
+              </a:ext>
+            </a:extLst>
+          </p:cNvPr>
+          <p:cNvSpPr/>
+          <p:nvPr/>
+        </p:nvSpPr>
+        <p:spPr>
+          <a:xfrm>
+            <a:off x="788348" y="5996440"/>
+            <a:ext cx="6547433" cy="369332"/>
+          </a:xfrm>
+          <a:prstGeom prst="rect">
+            <a:avLst/>
+          </a:prstGeom>
+        </p:spPr>
+        <p:txBody>
+          <a:bodyPr wrap="none">
+            <a:spAutoFit/>
+          </a:bodyPr>
+          <a:lstStyle/>
+          <a:p>
+            <a:r>
+              <a:rPr lang="en-US" dirty="0"/>
+              <a:t>Michael Nielsen’s book: </a:t>
+            </a:r>
+            <a:r>
+              <a:rPr lang="en-US" dirty="0">
+                <a:hlinkClick r:id="rId3"/>
+              </a:rPr>
+              <a:t>http://neuralnetworksanddeeplearning.com</a:t>
+            </a:r>
+            <a:endParaRPr lang="en-US" dirty="0"/>
+          </a:p>
+        </p:txBody>
+      </p:sp>
+    </p:spTree>
+    <p:extLst>
+      <p:ext uri="{BB962C8B-B14F-4D97-AF65-F5344CB8AC3E}">
+        <p14:creationId xmlns:p14="http://schemas.microsoft.com/office/powerpoint/2010/main" val="1954375085"/>
+      </p:ext>
+    </p:extLst>
+  </p:cSld>
+  <p:clrMapOvr>
+    <a:masterClrMapping/>
+  </p:clrMapOvr>
+</p:sld>
+</file>
+
+<file path=ppt/slides/slide15.xml><?xml version="1.0" encoding="utf-8"?>
+<p:sld xmlns:a="http://schemas.openxmlformats.org/drawingml/2006/main" xmlns:r="http://schemas.openxmlformats.org/officeDocument/2006/relationships" xmlns:p="http://schemas.openxmlformats.org/presentationml/2006/main">
+  <p:cSld>
+    <p:spTree>
+      <p:nvGrpSpPr>
+        <p:cNvPr id="1" name=""/>
+        <p:cNvGrpSpPr/>
+        <p:nvPr/>
+      </p:nvGrpSpPr>
+      <p:grpSpPr>
+        <a:xfrm>
+          <a:off x="0" y="0"/>
+          <a:ext cx="0" cy="0"/>
+          <a:chOff x="0" y="0"/>
+          <a:chExt cx="0" cy="0"/>
+        </a:xfrm>
+      </p:grpSpPr>
+      <p:sp>
+        <p:nvSpPr>
+          <p:cNvPr id="3" name="Content Placeholder 2">
+            <a:extLst>
+              <a:ext uri="{FF2B5EF4-FFF2-40B4-BE49-F238E27FC236}">
+                <a16:creationId xmlns:a16="http://schemas.microsoft.com/office/drawing/2014/main" id="{CDB637C4-5358-4E44-B83C-FCC8D918AF0B}"/>
+              </a:ext>
+            </a:extLst>
+          </p:cNvPr>
+          <p:cNvSpPr>
+            <a:spLocks noGrp="1"/>
+          </p:cNvSpPr>
+          <p:nvPr>
+            <p:ph idx="1"/>
+          </p:nvPr>
+        </p:nvSpPr>
+        <p:spPr>
+          <a:xfrm>
+            <a:off x="816923" y="317458"/>
+            <a:ext cx="10558153" cy="6439602"/>
+          </a:xfrm>
+        </p:spPr>
+        <p:txBody>
+          <a:bodyPr>
+            <a:normAutofit/>
+          </a:bodyPr>
+          <a:lstStyle/>
+          <a:p>
+            <a:pPr marL="457200" lvl="1" indent="0">
+              <a:buNone/>
+            </a:pPr>
+            <a:r>
+              <a:rPr lang="en-US" sz="4400" dirty="0"/>
+              <a:t>Training</a:t>
+            </a:r>
+            <a:r>
+              <a:rPr lang="he-IL" sz="4400" dirty="0"/>
+              <a:t> </a:t>
+            </a:r>
+            <a:r>
+              <a:rPr lang="en-US" sz="4400" dirty="0"/>
+              <a:t> the model</a:t>
+            </a:r>
+            <a:endParaRPr lang="en-US" dirty="0"/>
+          </a:p>
+          <a:p>
+            <a:pPr lvl="1">
+              <a:lnSpc>
+                <a:spcPct val="150000"/>
+              </a:lnSpc>
+            </a:pPr>
+            <a:r>
+              <a:rPr lang="en-US" dirty="0"/>
+              <a:t>Drop 90% of image with steering=0 for a balanced dataset</a:t>
+            </a:r>
+          </a:p>
+          <a:p>
+            <a:pPr lvl="1">
+              <a:lnSpc>
+                <a:spcPct val="150000"/>
+              </a:lnSpc>
+            </a:pPr>
+            <a:r>
+              <a:rPr lang="en-US" dirty="0"/>
+              <a:t>Change image brightness randomly up to 40% for invariance of lightning</a:t>
+            </a:r>
+          </a:p>
+          <a:p>
+            <a:pPr lvl="1">
+              <a:lnSpc>
+                <a:spcPct val="150000"/>
+              </a:lnSpc>
+            </a:pPr>
+            <a:r>
+              <a:rPr lang="en-US" dirty="0"/>
+              <a:t>Cut the images to include only the ROI (Range Of Interest)</a:t>
+            </a:r>
+          </a:p>
+          <a:p>
+            <a:pPr lvl="1">
+              <a:lnSpc>
+                <a:spcPct val="150000"/>
+              </a:lnSpc>
+            </a:pPr>
+            <a:endParaRPr lang="en-US" dirty="0"/>
+          </a:p>
+          <a:p>
+            <a:pPr lvl="1">
+              <a:lnSpc>
+                <a:spcPct val="150000"/>
+              </a:lnSpc>
+            </a:pPr>
+            <a:endParaRPr lang="en-US" dirty="0"/>
+          </a:p>
+          <a:p>
+            <a:pPr lvl="1">
+              <a:lnSpc>
+                <a:spcPct val="150000"/>
+              </a:lnSpc>
+            </a:pPr>
+            <a:endParaRPr lang="en-US" dirty="0"/>
+          </a:p>
+          <a:p>
+            <a:pPr marL="457200" lvl="1" indent="0">
+              <a:lnSpc>
+                <a:spcPct val="150000"/>
+              </a:lnSpc>
+              <a:buNone/>
+            </a:pPr>
+            <a:endParaRPr lang="en-US" dirty="0"/>
+          </a:p>
+          <a:p>
+            <a:pPr lvl="1">
+              <a:lnSpc>
+                <a:spcPct val="150000"/>
+              </a:lnSpc>
+            </a:pPr>
+            <a:r>
+              <a:rPr lang="en-US" dirty="0"/>
+              <a:t>Reduce learning rate on plateau to converge to minimum</a:t>
+            </a:r>
+          </a:p>
+          <a:p>
+            <a:pPr lvl="1">
+              <a:lnSpc>
+                <a:spcPct val="150000"/>
+              </a:lnSpc>
+            </a:pPr>
+            <a:r>
+              <a:rPr lang="en-US" dirty="0"/>
+              <a:t>Stop early if not improving to prevent overfitting</a:t>
+            </a:r>
+          </a:p>
+          <a:p>
+            <a:pPr marL="457200" lvl="1" indent="0">
+              <a:buNone/>
+            </a:pPr>
+            <a:endParaRPr lang="en-US" dirty="0">
+              <a:solidFill>
+                <a:srgbClr val="FF0000"/>
+              </a:solidFill>
+            </a:endParaRPr>
+          </a:p>
+          <a:p>
+            <a:pPr marL="457200" lvl="1" indent="0">
+              <a:buNone/>
+            </a:pPr>
+            <a:endParaRPr lang="en-US" dirty="0">
+              <a:solidFill>
+                <a:srgbClr val="FF0000"/>
+              </a:solidFill>
+            </a:endParaRPr>
+          </a:p>
+          <a:p>
+            <a:pPr marL="457200" lvl="1" indent="0">
+              <a:buNone/>
+            </a:pPr>
+            <a:endParaRPr lang="en-US" dirty="0">
+              <a:solidFill>
+                <a:srgbClr val="FF0000"/>
+              </a:solidFill>
+            </a:endParaRPr>
+          </a:p>
+          <a:p>
+            <a:pPr marL="457200" lvl="1" indent="0">
+              <a:buNone/>
+            </a:pPr>
+            <a:endParaRPr lang="en-US" dirty="0">
+              <a:solidFill>
+                <a:srgbClr val="FF0000"/>
+              </a:solidFill>
+            </a:endParaRPr>
+          </a:p>
+          <a:p>
+            <a:pPr marL="457200" lvl="1" indent="0">
+              <a:buNone/>
+            </a:pPr>
+            <a:endParaRPr lang="en-US" dirty="0">
+              <a:solidFill>
+                <a:srgbClr val="FF0000"/>
+              </a:solidFill>
+            </a:endParaRPr>
+          </a:p>
+        </p:txBody>
+      </p:sp>
+      <p:pic>
+        <p:nvPicPr>
+          <p:cNvPr id="2" name="Picture 1">
+            <a:extLst>
+              <a:ext uri="{FF2B5EF4-FFF2-40B4-BE49-F238E27FC236}">
+                <a16:creationId xmlns:a16="http://schemas.microsoft.com/office/drawing/2014/main" id="{337CE47E-C7D8-6D4A-9414-FE73B4BD6AB4}"/>
+              </a:ext>
+            </a:extLst>
+          </p:cNvPr>
+          <p:cNvPicPr>
+            <a:picLocks noChangeAspect="1"/>
+          </p:cNvPicPr>
+          <p:nvPr/>
+        </p:nvPicPr>
+        <p:blipFill>
+          <a:blip r:embed="rId2"/>
+          <a:stretch>
+            <a:fillRect/>
+          </a:stretch>
+        </p:blipFill>
+        <p:spPr>
+          <a:xfrm>
+            <a:off x="3110759" y="2994129"/>
+            <a:ext cx="3955061" cy="2451924"/>
+          </a:xfrm>
+          <a:prstGeom prst="rect">
+            <a:avLst/>
+          </a:prstGeom>
+        </p:spPr>
+      </p:pic>
+    </p:spTree>
+    <p:extLst>
+      <p:ext uri="{BB962C8B-B14F-4D97-AF65-F5344CB8AC3E}">
+        <p14:creationId xmlns:p14="http://schemas.microsoft.com/office/powerpoint/2010/main" val="1352572711"/>
+      </p:ext>
+    </p:extLst>
+  </p:cSld>
+  <p:clrMapOvr>
+    <a:masterClrMapping/>
+  </p:clrMapOvr>
+</p:sld>
+</file>
+
+<file path=ppt/slides/slide16.xml><?xml version="1.0" encoding="utf-8"?>
+<p:sld xmlns:a="http://schemas.openxmlformats.org/drawingml/2006/main" xmlns:r="http://schemas.openxmlformats.org/officeDocument/2006/relationships" xmlns:p="http://schemas.openxmlformats.org/presentationml/2006/main">
+  <p:cSld>
+    <p:spTree>
+      <p:nvGrpSpPr>
+        <p:cNvPr id="1" name=""/>
+        <p:cNvGrpSpPr/>
+        <p:nvPr/>
+      </p:nvGrpSpPr>
+      <p:grpSpPr>
+        <a:xfrm>
+          <a:off x="0" y="0"/>
+          <a:ext cx="0" cy="0"/>
+          <a:chOff x="0" y="0"/>
+          <a:chExt cx="0" cy="0"/>
+        </a:xfrm>
+      </p:grpSpPr>
+      <p:sp>
+        <p:nvSpPr>
           <p:cNvPr id="2" name="Title 1">
             <a:extLst>
               <a:ext uri="{FF2B5EF4-FFF2-40B4-BE49-F238E27FC236}">
-                <a16:creationId xmlns:a16="http://schemas.microsoft.com/office/drawing/2014/main" id="{52F9B936-B7D4-4276-96D6-C208AB37AE49}"/>
+                <a16:creationId xmlns:a16="http://schemas.microsoft.com/office/drawing/2014/main" id="{2A52EAAB-8894-43F9-B0B6-9B4D3922C1F5}"/>
               </a:ext>
             </a:extLst>
           </p:cNvPr>
@@ -12539,7 +14460,7 @@
         </p:nvSpPr>
         <p:spPr>
           <a:xfrm>
-            <a:off x="838200" y="365125"/>
+            <a:off x="541317" y="153192"/>
             <a:ext cx="10515600" cy="1325563"/>
           </a:xfrm>
         </p:spPr>
@@ -12549,811 +14470,100 @@
           <a:p>
             <a:r>
               <a:rPr lang="en-US" dirty="0"/>
-              <a:t>Combining Q-functions and Policy-Gradients</a:t>
+              <a:t>Performance</a:t>
             </a:r>
           </a:p>
         </p:txBody>
       </p:sp>
       <p:sp>
         <p:nvSpPr>
-          <p:cNvPr id="4" name="Rectangle 3">
+          <p:cNvPr id="3" name="Content Placeholder 2">
             <a:extLst>
               <a:ext uri="{FF2B5EF4-FFF2-40B4-BE49-F238E27FC236}">
-                <a16:creationId xmlns:a16="http://schemas.microsoft.com/office/drawing/2014/main" id="{03775FDB-C7D7-40FC-9A82-A6037B940E52}"/>
+                <a16:creationId xmlns:a16="http://schemas.microsoft.com/office/drawing/2014/main" id="{F61908CC-FE7F-4FF0-97DE-E782291BE5EF}"/>
               </a:ext>
             </a:extLst>
           </p:cNvPr>
-          <p:cNvSpPr/>
-          <p:nvPr/>
+          <p:cNvSpPr>
+            <a:spLocks noGrp="1"/>
+          </p:cNvSpPr>
+          <p:nvPr>
+            <p:ph idx="1"/>
+          </p:nvPr>
         </p:nvSpPr>
         <p:spPr>
           <a:xfrm>
-            <a:off x="1521168" y="3283745"/>
-            <a:ext cx="1249671" cy="1545698"/>
+            <a:off x="838200" y="1585840"/>
+            <a:ext cx="10515600" cy="4351338"/>
           </a:xfrm>
-          <a:prstGeom prst="rect">
-            <a:avLst/>
-          </a:prstGeom>
-          <a:noFill/>
-        </p:spPr>
-        <p:style>
-          <a:lnRef idx="2">
-            <a:schemeClr val="accent1">
-              <a:shade val="50000"/>
-            </a:schemeClr>
-          </a:lnRef>
-          <a:fillRef idx="1">
-            <a:schemeClr val="accent1"/>
-          </a:fillRef>
-          <a:effectRef idx="0">
-            <a:schemeClr val="accent1"/>
-          </a:effectRef>
-          <a:fontRef idx="minor">
-            <a:schemeClr val="lt1"/>
-          </a:fontRef>
-        </p:style>
-        <p:txBody>
-          <a:bodyPr rtlCol="0" anchor="ctr"/>
-          <a:lstStyle/>
-          <a:p>
-            <a:pPr algn="ctr"/>
-            <a:endParaRPr lang="en-US"/>
-          </a:p>
-        </p:txBody>
-      </p:sp>
-      <p:sp>
-        <p:nvSpPr>
-          <p:cNvPr id="6" name="TextBox 5">
-            <a:extLst>
-              <a:ext uri="{FF2B5EF4-FFF2-40B4-BE49-F238E27FC236}">
-                <a16:creationId xmlns:a16="http://schemas.microsoft.com/office/drawing/2014/main" id="{AF80253B-C30C-41C4-AF4C-49E0B5C744B1}"/>
-              </a:ext>
-            </a:extLst>
-          </p:cNvPr>
-          <p:cNvSpPr txBox="1"/>
-          <p:nvPr/>
-        </p:nvSpPr>
-        <p:spPr>
-          <a:xfrm>
-            <a:off x="3833387" y="3880084"/>
-            <a:ext cx="3010169" cy="369332"/>
-          </a:xfrm>
-          <a:prstGeom prst="rect">
-            <a:avLst/>
-          </a:prstGeom>
-          <a:noFill/>
         </p:spPr>
         <p:txBody>
-          <a:bodyPr wrap="square" rtlCol="0">
-            <a:spAutoFit/>
-          </a:bodyPr>
+          <a:bodyPr/>
           <a:lstStyle/>
           <a:p>
+            <a:pPr>
+              <a:lnSpc>
+                <a:spcPct val="200000"/>
+              </a:lnSpc>
+            </a:pPr>
             <a:r>
               <a:rPr lang="en-US" dirty="0"/>
-              <a:t>Policy = {Action1, Action2,….}</a:t>
+              <a:t>Final loss = 0.0013 after 38 epochs</a:t>
             </a:r>
           </a:p>
-        </p:txBody>
-      </p:sp>
-      <p:sp>
-        <p:nvSpPr>
-          <p:cNvPr id="8" name="Rectangle 7">
-            <a:extLst>
-              <a:ext uri="{FF2B5EF4-FFF2-40B4-BE49-F238E27FC236}">
-                <a16:creationId xmlns:a16="http://schemas.microsoft.com/office/drawing/2014/main" id="{27563DE0-3147-43CA-8B87-BA49F5B31C6E}"/>
-              </a:ext>
-            </a:extLst>
-          </p:cNvPr>
-          <p:cNvSpPr/>
-          <p:nvPr/>
-        </p:nvSpPr>
-        <p:spPr>
-          <a:xfrm>
-            <a:off x="2864066" y="3283745"/>
-            <a:ext cx="842236" cy="1562010"/>
-          </a:xfrm>
-          <a:prstGeom prst="rect">
-            <a:avLst/>
-          </a:prstGeom>
-          <a:noFill/>
-        </p:spPr>
-        <p:style>
-          <a:lnRef idx="2">
-            <a:schemeClr val="accent1">
-              <a:shade val="50000"/>
-            </a:schemeClr>
-          </a:lnRef>
-          <a:fillRef idx="1">
-            <a:schemeClr val="accent1"/>
-          </a:fillRef>
-          <a:effectRef idx="0">
-            <a:schemeClr val="accent1"/>
-          </a:effectRef>
-          <a:fontRef idx="minor">
-            <a:schemeClr val="lt1"/>
-          </a:fontRef>
-        </p:style>
-        <p:txBody>
-          <a:bodyPr rtlCol="0" anchor="ctr"/>
-          <a:lstStyle/>
-          <a:p>
-            <a:pPr algn="ctr"/>
-            <a:endParaRPr lang="en-US"/>
-          </a:p>
-        </p:txBody>
-      </p:sp>
-      <p:sp>
-        <p:nvSpPr>
-          <p:cNvPr id="10" name="TextBox 9">
-            <a:extLst>
-              <a:ext uri="{FF2B5EF4-FFF2-40B4-BE49-F238E27FC236}">
-                <a16:creationId xmlns:a16="http://schemas.microsoft.com/office/drawing/2014/main" id="{F3E8553A-8D20-4BA4-BD15-3B4DF5A44A05}"/>
-              </a:ext>
-            </a:extLst>
-          </p:cNvPr>
-          <p:cNvSpPr txBox="1"/>
-          <p:nvPr/>
-        </p:nvSpPr>
-        <p:spPr>
-          <a:xfrm>
-            <a:off x="1540613" y="3686697"/>
-            <a:ext cx="1292218" cy="646331"/>
-          </a:xfrm>
-          <a:prstGeom prst="rect">
-            <a:avLst/>
-          </a:prstGeom>
-          <a:noFill/>
-        </p:spPr>
-        <p:txBody>
-          <a:bodyPr wrap="square" rtlCol="0">
-            <a:spAutoFit/>
-          </a:bodyPr>
-          <a:lstStyle/>
-          <a:p>
+          <a:p>
+            <a:pPr lvl="1">
+              <a:lnSpc>
+                <a:spcPct val="200000"/>
+              </a:lnSpc>
+              <a:buFont typeface="Courier New" panose="02070309020205020404" pitchFamily="49" charset="0"/>
+              <a:buChar char="o"/>
+            </a:pPr>
             <a:r>
               <a:rPr lang="en-US" dirty="0"/>
-              <a:t>Deep State recover</a:t>
+              <a:t>We believe better can be done, didn’t reached the global minimum</a:t>
             </a:r>
           </a:p>
-        </p:txBody>
-      </p:sp>
-      <p:sp>
-        <p:nvSpPr>
-          <p:cNvPr id="11" name="TextBox 10">
-            <a:extLst>
-              <a:ext uri="{FF2B5EF4-FFF2-40B4-BE49-F238E27FC236}">
-                <a16:creationId xmlns:a16="http://schemas.microsoft.com/office/drawing/2014/main" id="{31E43A7D-6093-4E1D-BD78-CF2B2D4EBAA8}"/>
-              </a:ext>
-            </a:extLst>
-          </p:cNvPr>
-          <p:cNvSpPr txBox="1"/>
-          <p:nvPr/>
-        </p:nvSpPr>
-        <p:spPr>
-          <a:xfrm>
-            <a:off x="2917004" y="3697211"/>
-            <a:ext cx="1228992" cy="646331"/>
-          </a:xfrm>
-          <a:prstGeom prst="rect">
-            <a:avLst/>
-          </a:prstGeom>
-          <a:noFill/>
-        </p:spPr>
-        <p:txBody>
-          <a:bodyPr wrap="square" rtlCol="0">
-            <a:spAutoFit/>
-          </a:bodyPr>
-          <a:lstStyle/>
-          <a:p>
+          <a:p>
+            <a:pPr lvl="2">
+              <a:lnSpc>
+                <a:spcPct val="200000"/>
+              </a:lnSpc>
+              <a:buFont typeface="Wingdings" pitchFamily="2" charset="2"/>
+              <a:buChar char="q"/>
+            </a:pPr>
             <a:r>
               <a:rPr lang="en-US" dirty="0"/>
-              <a:t>Policy </a:t>
+              <a:t>Some package conflict occur when forcing </a:t>
             </a:r>
-          </a:p>
-          <a:p>
             <a:r>
-              <a:rPr lang="en-US" dirty="0"/>
-              <a:t>Grad.</a:t>
+              <a:rPr lang="en-US" dirty="0" err="1"/>
+              <a:t>tensorflow-gpu</a:t>
             </a:r>
-          </a:p>
-        </p:txBody>
-      </p:sp>
-      <p:sp>
-        <p:nvSpPr>
-          <p:cNvPr id="13" name="Arrow: Right 12">
-            <a:extLst>
-              <a:ext uri="{FF2B5EF4-FFF2-40B4-BE49-F238E27FC236}">
-                <a16:creationId xmlns:a16="http://schemas.microsoft.com/office/drawing/2014/main" id="{BC01C048-3CB9-411C-B164-FAF6CD9C8E79}"/>
-              </a:ext>
-            </a:extLst>
-          </p:cNvPr>
-          <p:cNvSpPr/>
-          <p:nvPr/>
-        </p:nvSpPr>
-        <p:spPr>
-          <a:xfrm>
-            <a:off x="3808693" y="3473166"/>
-            <a:ext cx="3375055" cy="1186095"/>
-          </a:xfrm>
-          <a:prstGeom prst="rightArrow">
-            <a:avLst/>
-          </a:prstGeom>
-          <a:noFill/>
-        </p:spPr>
-        <p:style>
-          <a:lnRef idx="2">
-            <a:schemeClr val="accent1">
-              <a:shade val="50000"/>
-            </a:schemeClr>
-          </a:lnRef>
-          <a:fillRef idx="1">
-            <a:schemeClr val="accent1"/>
-          </a:fillRef>
-          <a:effectRef idx="0">
-            <a:schemeClr val="accent1"/>
-          </a:effectRef>
-          <a:fontRef idx="minor">
-            <a:schemeClr val="lt1"/>
-          </a:fontRef>
-        </p:style>
-        <p:txBody>
-          <a:bodyPr rtlCol="0" anchor="ctr"/>
-          <a:lstStyle/>
-          <a:p>
-            <a:pPr algn="ctr"/>
-            <a:endParaRPr lang="en-US"/>
-          </a:p>
-        </p:txBody>
-      </p:sp>
-      <p:sp>
-        <p:nvSpPr>
-          <p:cNvPr id="17" name="Arrow: Right 16">
-            <a:extLst>
-              <a:ext uri="{FF2B5EF4-FFF2-40B4-BE49-F238E27FC236}">
-                <a16:creationId xmlns:a16="http://schemas.microsoft.com/office/drawing/2014/main" id="{08545CFC-A630-4002-84E3-DF0E76AD8013}"/>
-              </a:ext>
-            </a:extLst>
-          </p:cNvPr>
-          <p:cNvSpPr/>
-          <p:nvPr/>
-        </p:nvSpPr>
-        <p:spPr>
-          <a:xfrm>
-            <a:off x="9487719" y="3421344"/>
-            <a:ext cx="2652620" cy="1269753"/>
-          </a:xfrm>
-          <a:prstGeom prst="rightArrow">
-            <a:avLst/>
-          </a:prstGeom>
-          <a:noFill/>
-        </p:spPr>
-        <p:style>
-          <a:lnRef idx="2">
-            <a:schemeClr val="accent1">
-              <a:shade val="50000"/>
-            </a:schemeClr>
-          </a:lnRef>
-          <a:fillRef idx="1">
-            <a:schemeClr val="accent1"/>
-          </a:fillRef>
-          <a:effectRef idx="0">
-            <a:schemeClr val="accent1"/>
-          </a:effectRef>
-          <a:fontRef idx="minor">
-            <a:schemeClr val="lt1"/>
-          </a:fontRef>
-        </p:style>
-        <p:txBody>
-          <a:bodyPr rtlCol="0" anchor="ctr"/>
-          <a:lstStyle/>
-          <a:p>
-            <a:pPr algn="ctr"/>
+            <a:endParaRPr lang="en-US" dirty="0"/>
+          </a:p>
+          <a:p>
+            <a:pPr marL="0" indent="0">
+              <a:lnSpc>
+                <a:spcPct val="200000"/>
+              </a:lnSpc>
+              <a:buNone/>
+            </a:pPr>
+            <a:endParaRPr lang="en-US" dirty="0"/>
+          </a:p>
+          <a:p>
+            <a:pPr>
+              <a:lnSpc>
+                <a:spcPct val="200000"/>
+              </a:lnSpc>
+            </a:pPr>
             <a:r>
               <a:rPr lang="en-US" dirty="0">
                 <a:solidFill>
-                  <a:schemeClr val="tx1"/>
+                  <a:srgbClr val="FF0000"/>
                 </a:solidFill>
               </a:rPr>
-              <a:t>{Vaule1, Value2,….}</a:t>
-            </a:r>
-          </a:p>
-        </p:txBody>
-      </p:sp>
-      <p:sp>
-        <p:nvSpPr>
-          <p:cNvPr id="19" name="Rectangle 18">
-            <a:extLst>
-              <a:ext uri="{FF2B5EF4-FFF2-40B4-BE49-F238E27FC236}">
-                <a16:creationId xmlns:a16="http://schemas.microsoft.com/office/drawing/2014/main" id="{28ED424D-FB86-4D0B-9A87-7CA6066DAF7E}"/>
-              </a:ext>
-            </a:extLst>
-          </p:cNvPr>
-          <p:cNvSpPr/>
-          <p:nvPr/>
-        </p:nvSpPr>
-        <p:spPr>
-          <a:xfrm>
-            <a:off x="8642427" y="3245547"/>
-            <a:ext cx="766627" cy="1545698"/>
-          </a:xfrm>
-          <a:prstGeom prst="rect">
-            <a:avLst/>
-          </a:prstGeom>
-          <a:noFill/>
-        </p:spPr>
-        <p:style>
-          <a:lnRef idx="2">
-            <a:schemeClr val="accent1">
-              <a:shade val="50000"/>
-            </a:schemeClr>
-          </a:lnRef>
-          <a:fillRef idx="1">
-            <a:schemeClr val="accent1"/>
-          </a:fillRef>
-          <a:effectRef idx="0">
-            <a:schemeClr val="accent1"/>
-          </a:effectRef>
-          <a:fontRef idx="minor">
-            <a:schemeClr val="lt1"/>
-          </a:fontRef>
-        </p:style>
-        <p:txBody>
-          <a:bodyPr rtlCol="0" anchor="ctr"/>
-          <a:lstStyle/>
-          <a:p>
-            <a:pPr algn="ctr"/>
-            <a:endParaRPr lang="en-US"/>
-          </a:p>
-        </p:txBody>
-      </p:sp>
-      <p:sp>
-        <p:nvSpPr>
-          <p:cNvPr id="20" name="TextBox 19">
-            <a:extLst>
-              <a:ext uri="{FF2B5EF4-FFF2-40B4-BE49-F238E27FC236}">
-                <a16:creationId xmlns:a16="http://schemas.microsoft.com/office/drawing/2014/main" id="{629A2015-B895-471B-B7F6-6980437E92D9}"/>
-              </a:ext>
-            </a:extLst>
-          </p:cNvPr>
-          <p:cNvSpPr txBox="1"/>
-          <p:nvPr/>
-        </p:nvSpPr>
-        <p:spPr>
-          <a:xfrm>
-            <a:off x="8838109" y="3833730"/>
-            <a:ext cx="892713" cy="369332"/>
-          </a:xfrm>
-          <a:prstGeom prst="rect">
-            <a:avLst/>
-          </a:prstGeom>
-          <a:noFill/>
-        </p:spPr>
-        <p:txBody>
-          <a:bodyPr wrap="square" rtlCol="0">
-            <a:spAutoFit/>
-          </a:bodyPr>
-          <a:lstStyle/>
-          <a:p>
-            <a:r>
-              <a:rPr lang="en-US" dirty="0"/>
-              <a:t>Q</a:t>
-            </a:r>
-          </a:p>
-        </p:txBody>
-      </p:sp>
-      <p:sp>
-        <p:nvSpPr>
-          <p:cNvPr id="23" name="Rectangle 22">
-            <a:extLst>
-              <a:ext uri="{FF2B5EF4-FFF2-40B4-BE49-F238E27FC236}">
-                <a16:creationId xmlns:a16="http://schemas.microsoft.com/office/drawing/2014/main" id="{9DD8DAEF-34F5-4B80-A775-A8D951BFF140}"/>
-              </a:ext>
-            </a:extLst>
-          </p:cNvPr>
-          <p:cNvSpPr/>
-          <p:nvPr/>
-        </p:nvSpPr>
-        <p:spPr>
-          <a:xfrm>
-            <a:off x="1473151" y="2474564"/>
-            <a:ext cx="2282605" cy="3140990"/>
-          </a:xfrm>
-          <a:prstGeom prst="rect">
-            <a:avLst/>
-          </a:prstGeom>
-          <a:noFill/>
-          <a:ln w="19050">
-            <a:prstDash val="dash"/>
-          </a:ln>
-        </p:spPr>
-        <p:style>
-          <a:lnRef idx="2">
-            <a:schemeClr val="accent1">
-              <a:shade val="50000"/>
-            </a:schemeClr>
-          </a:lnRef>
-          <a:fillRef idx="1">
-            <a:schemeClr val="accent1"/>
-          </a:fillRef>
-          <a:effectRef idx="0">
-            <a:schemeClr val="accent1"/>
-          </a:effectRef>
-          <a:fontRef idx="minor">
-            <a:schemeClr val="lt1"/>
-          </a:fontRef>
-        </p:style>
-        <p:txBody>
-          <a:bodyPr rtlCol="0" anchor="ctr"/>
-          <a:lstStyle/>
-          <a:p>
-            <a:pPr algn="ctr"/>
-            <a:endParaRPr lang="en-US"/>
-          </a:p>
-        </p:txBody>
-      </p:sp>
-      <p:sp>
-        <p:nvSpPr>
-          <p:cNvPr id="24" name="Rectangle 23">
-            <a:extLst>
-              <a:ext uri="{FF2B5EF4-FFF2-40B4-BE49-F238E27FC236}">
-                <a16:creationId xmlns:a16="http://schemas.microsoft.com/office/drawing/2014/main" id="{BFF1FE4B-FD1F-4D71-8F38-5CDC3DF228B0}"/>
-              </a:ext>
-            </a:extLst>
-          </p:cNvPr>
-          <p:cNvSpPr/>
-          <p:nvPr/>
-        </p:nvSpPr>
-        <p:spPr>
-          <a:xfrm>
-            <a:off x="7279036" y="2554596"/>
-            <a:ext cx="2162837" cy="3060958"/>
-          </a:xfrm>
-          <a:prstGeom prst="rect">
-            <a:avLst/>
-          </a:prstGeom>
-          <a:noFill/>
-          <a:ln w="19050">
-            <a:prstDash val="dash"/>
-          </a:ln>
-        </p:spPr>
-        <p:style>
-          <a:lnRef idx="2">
-            <a:schemeClr val="accent1">
-              <a:shade val="50000"/>
-            </a:schemeClr>
-          </a:lnRef>
-          <a:fillRef idx="1">
-            <a:schemeClr val="accent1"/>
-          </a:fillRef>
-          <a:effectRef idx="0">
-            <a:schemeClr val="accent1"/>
-          </a:effectRef>
-          <a:fontRef idx="minor">
-            <a:schemeClr val="lt1"/>
-          </a:fontRef>
-        </p:style>
-        <p:txBody>
-          <a:bodyPr rtlCol="0" anchor="ctr"/>
-          <a:lstStyle/>
-          <a:p>
-            <a:pPr algn="ctr"/>
-            <a:endParaRPr lang="en-US"/>
-          </a:p>
-        </p:txBody>
-      </p:sp>
-      <p:sp>
-        <p:nvSpPr>
-          <p:cNvPr id="25" name="TextBox 24">
-            <a:extLst>
-              <a:ext uri="{FF2B5EF4-FFF2-40B4-BE49-F238E27FC236}">
-                <a16:creationId xmlns:a16="http://schemas.microsoft.com/office/drawing/2014/main" id="{4E00139E-92BC-42A7-9782-5984DECA5119}"/>
-              </a:ext>
-            </a:extLst>
-          </p:cNvPr>
-          <p:cNvSpPr txBox="1"/>
-          <p:nvPr/>
-        </p:nvSpPr>
-        <p:spPr>
-          <a:xfrm>
-            <a:off x="1603005" y="1985181"/>
-            <a:ext cx="2788595" cy="461665"/>
-          </a:xfrm>
-          <a:prstGeom prst="rect">
-            <a:avLst/>
-          </a:prstGeom>
-          <a:noFill/>
-        </p:spPr>
-        <p:txBody>
-          <a:bodyPr wrap="square" rtlCol="0">
-            <a:spAutoFit/>
-          </a:bodyPr>
-          <a:lstStyle/>
-          <a:p>
-            <a:r>
-              <a:rPr lang="en-US" sz="2400" dirty="0"/>
-              <a:t>Policy Gradient</a:t>
-            </a:r>
-          </a:p>
-        </p:txBody>
-      </p:sp>
-      <p:sp>
-        <p:nvSpPr>
-          <p:cNvPr id="26" name="TextBox 25">
-            <a:extLst>
-              <a:ext uri="{FF2B5EF4-FFF2-40B4-BE49-F238E27FC236}">
-                <a16:creationId xmlns:a16="http://schemas.microsoft.com/office/drawing/2014/main" id="{4DD15DA7-74E3-4406-B9D1-A59472F09B60}"/>
-              </a:ext>
-            </a:extLst>
-          </p:cNvPr>
-          <p:cNvSpPr txBox="1"/>
-          <p:nvPr/>
-        </p:nvSpPr>
-        <p:spPr>
-          <a:xfrm>
-            <a:off x="7403497" y="2090069"/>
-            <a:ext cx="2788595" cy="461665"/>
-          </a:xfrm>
-          <a:prstGeom prst="rect">
-            <a:avLst/>
-          </a:prstGeom>
-          <a:noFill/>
-        </p:spPr>
-        <p:txBody>
-          <a:bodyPr wrap="square" rtlCol="0">
-            <a:spAutoFit/>
-          </a:bodyPr>
-          <a:lstStyle/>
-          <a:p>
-            <a:r>
-              <a:rPr lang="en-US" sz="2400" dirty="0"/>
-              <a:t>Q-function</a:t>
-            </a:r>
-          </a:p>
-        </p:txBody>
-      </p:sp>
-      <p:sp>
-        <p:nvSpPr>
-          <p:cNvPr id="32" name="TextBox 31">
-            <a:extLst>
-              <a:ext uri="{FF2B5EF4-FFF2-40B4-BE49-F238E27FC236}">
-                <a16:creationId xmlns:a16="http://schemas.microsoft.com/office/drawing/2014/main" id="{30F7F688-030A-4985-BD58-FE748F733B55}"/>
-              </a:ext>
-            </a:extLst>
-          </p:cNvPr>
-          <p:cNvSpPr txBox="1"/>
-          <p:nvPr/>
-        </p:nvSpPr>
-        <p:spPr>
-          <a:xfrm rot="16200000">
-            <a:off x="6555449" y="4981911"/>
-            <a:ext cx="2706223" cy="369332"/>
-          </a:xfrm>
-          <a:prstGeom prst="rect">
-            <a:avLst/>
-          </a:prstGeom>
-          <a:noFill/>
-        </p:spPr>
-        <p:txBody>
-          <a:bodyPr wrap="square" rtlCol="0">
-            <a:spAutoFit/>
-          </a:bodyPr>
-          <a:lstStyle/>
-          <a:p>
-            <a:r>
-              <a:rPr lang="en-US" dirty="0"/>
-              <a:t>Input Data</a:t>
-            </a:r>
-          </a:p>
-        </p:txBody>
-      </p:sp>
-      <p:sp>
-        <p:nvSpPr>
-          <p:cNvPr id="33" name="Arrow: Right 32">
-            <a:extLst>
-              <a:ext uri="{FF2B5EF4-FFF2-40B4-BE49-F238E27FC236}">
-                <a16:creationId xmlns:a16="http://schemas.microsoft.com/office/drawing/2014/main" id="{4E74F719-4884-4218-994C-9868BA7B5B43}"/>
-              </a:ext>
-            </a:extLst>
-          </p:cNvPr>
-          <p:cNvSpPr/>
-          <p:nvPr/>
-        </p:nvSpPr>
-        <p:spPr>
-          <a:xfrm rot="16200000">
-            <a:off x="7119306" y="5398754"/>
-            <a:ext cx="1637384" cy="604486"/>
-          </a:xfrm>
-          <a:prstGeom prst="rightArrow">
-            <a:avLst/>
-          </a:prstGeom>
-          <a:noFill/>
-        </p:spPr>
-        <p:style>
-          <a:lnRef idx="2">
-            <a:schemeClr val="accent1">
-              <a:shade val="50000"/>
-            </a:schemeClr>
-          </a:lnRef>
-          <a:fillRef idx="1">
-            <a:schemeClr val="accent1"/>
-          </a:fillRef>
-          <a:effectRef idx="0">
-            <a:schemeClr val="accent1"/>
-          </a:effectRef>
-          <a:fontRef idx="minor">
-            <a:schemeClr val="lt1"/>
-          </a:fontRef>
-        </p:style>
-        <p:txBody>
-          <a:bodyPr rtlCol="0" anchor="ctr"/>
-          <a:lstStyle/>
-          <a:p>
-            <a:pPr algn="ctr"/>
-            <a:endParaRPr lang="en-US"/>
-          </a:p>
-        </p:txBody>
-      </p:sp>
-      <p:sp>
-        <p:nvSpPr>
-          <p:cNvPr id="34" name="TextBox 33">
-            <a:extLst>
-              <a:ext uri="{FF2B5EF4-FFF2-40B4-BE49-F238E27FC236}">
-                <a16:creationId xmlns:a16="http://schemas.microsoft.com/office/drawing/2014/main" id="{225B3948-8462-4D6B-B823-71FE057DB3C1}"/>
-              </a:ext>
-            </a:extLst>
-          </p:cNvPr>
-          <p:cNvSpPr txBox="1"/>
-          <p:nvPr/>
-        </p:nvSpPr>
-        <p:spPr>
-          <a:xfrm rot="16200000">
-            <a:off x="727374" y="4967176"/>
-            <a:ext cx="2706223" cy="369332"/>
-          </a:xfrm>
-          <a:prstGeom prst="rect">
-            <a:avLst/>
-          </a:prstGeom>
-          <a:noFill/>
-        </p:spPr>
-        <p:txBody>
-          <a:bodyPr wrap="square" rtlCol="0">
-            <a:spAutoFit/>
-          </a:bodyPr>
-          <a:lstStyle/>
-          <a:p>
-            <a:r>
-              <a:rPr lang="en-US" dirty="0"/>
-              <a:t>Input Data</a:t>
-            </a:r>
-          </a:p>
-        </p:txBody>
-      </p:sp>
-      <p:sp>
-        <p:nvSpPr>
-          <p:cNvPr id="35" name="Arrow: Right 34">
-            <a:extLst>
-              <a:ext uri="{FF2B5EF4-FFF2-40B4-BE49-F238E27FC236}">
-                <a16:creationId xmlns:a16="http://schemas.microsoft.com/office/drawing/2014/main" id="{7C7EB409-BF9D-4342-9371-DDD049DA7D6F}"/>
-              </a:ext>
-            </a:extLst>
-          </p:cNvPr>
-          <p:cNvSpPr/>
-          <p:nvPr/>
-        </p:nvSpPr>
-        <p:spPr>
-          <a:xfrm rot="16200000">
-            <a:off x="1291231" y="5384019"/>
-            <a:ext cx="1637384" cy="604486"/>
-          </a:xfrm>
-          <a:prstGeom prst="rightArrow">
-            <a:avLst/>
-          </a:prstGeom>
-          <a:noFill/>
-        </p:spPr>
-        <p:style>
-          <a:lnRef idx="2">
-            <a:schemeClr val="accent1">
-              <a:shade val="50000"/>
-            </a:schemeClr>
-          </a:lnRef>
-          <a:fillRef idx="1">
-            <a:schemeClr val="accent1"/>
-          </a:fillRef>
-          <a:effectRef idx="0">
-            <a:schemeClr val="accent1"/>
-          </a:effectRef>
-          <a:fontRef idx="minor">
-            <a:schemeClr val="lt1"/>
-          </a:fontRef>
-        </p:style>
-        <p:txBody>
-          <a:bodyPr rtlCol="0" anchor="ctr"/>
-          <a:lstStyle/>
-          <a:p>
-            <a:pPr algn="ctr"/>
-            <a:endParaRPr lang="en-US"/>
-          </a:p>
-        </p:txBody>
-      </p:sp>
-      <p:sp>
-        <p:nvSpPr>
-          <p:cNvPr id="36" name="Rectangle 35">
-            <a:extLst>
-              <a:ext uri="{FF2B5EF4-FFF2-40B4-BE49-F238E27FC236}">
-                <a16:creationId xmlns:a16="http://schemas.microsoft.com/office/drawing/2014/main" id="{524A9954-242A-4708-9393-34447AF10B6E}"/>
-              </a:ext>
-            </a:extLst>
-          </p:cNvPr>
-          <p:cNvSpPr/>
-          <p:nvPr/>
-        </p:nvSpPr>
-        <p:spPr>
-          <a:xfrm>
-            <a:off x="7330764" y="3245547"/>
-            <a:ext cx="1249671" cy="1545698"/>
-          </a:xfrm>
-          <a:prstGeom prst="rect">
-            <a:avLst/>
-          </a:prstGeom>
-          <a:noFill/>
-        </p:spPr>
-        <p:style>
-          <a:lnRef idx="2">
-            <a:schemeClr val="accent1">
-              <a:shade val="50000"/>
-            </a:schemeClr>
-          </a:lnRef>
-          <a:fillRef idx="1">
-            <a:schemeClr val="accent1"/>
-          </a:fillRef>
-          <a:effectRef idx="0">
-            <a:schemeClr val="accent1"/>
-          </a:effectRef>
-          <a:fontRef idx="minor">
-            <a:schemeClr val="lt1"/>
-          </a:fontRef>
-        </p:style>
-        <p:txBody>
-          <a:bodyPr rtlCol="0" anchor="ctr"/>
-          <a:lstStyle/>
-          <a:p>
-            <a:pPr algn="ctr"/>
-            <a:endParaRPr lang="en-US"/>
-          </a:p>
-        </p:txBody>
-      </p:sp>
-      <p:sp>
-        <p:nvSpPr>
-          <p:cNvPr id="37" name="TextBox 36">
-            <a:extLst>
-              <a:ext uri="{FF2B5EF4-FFF2-40B4-BE49-F238E27FC236}">
-                <a16:creationId xmlns:a16="http://schemas.microsoft.com/office/drawing/2014/main" id="{D3980F84-EF9B-4A8F-AB01-87ED80B3BDDA}"/>
-              </a:ext>
-            </a:extLst>
-          </p:cNvPr>
-          <p:cNvSpPr txBox="1"/>
-          <p:nvPr/>
-        </p:nvSpPr>
-        <p:spPr>
-          <a:xfrm>
-            <a:off x="7350209" y="3648499"/>
-            <a:ext cx="1292218" cy="646331"/>
-          </a:xfrm>
-          <a:prstGeom prst="rect">
-            <a:avLst/>
-          </a:prstGeom>
-          <a:noFill/>
-        </p:spPr>
-        <p:txBody>
-          <a:bodyPr wrap="square" rtlCol="0">
-            <a:spAutoFit/>
-          </a:bodyPr>
-          <a:lstStyle/>
-          <a:p>
-            <a:r>
-              <a:rPr lang="en-US" dirty="0"/>
-              <a:t>Deep State recover</a:t>
+              <a:t>Show loss improvement picture (to small for slideshow)</a:t>
             </a:r>
           </a:p>
         </p:txBody>
@@ -13361,7 +14571,7 @@
     </p:spTree>
     <p:extLst>
       <p:ext uri="{BB962C8B-B14F-4D97-AF65-F5344CB8AC3E}">
-        <p14:creationId xmlns:p14="http://schemas.microsoft.com/office/powerpoint/2010/main" val="2422213474"/>
+        <p14:creationId xmlns:p14="http://schemas.microsoft.com/office/powerpoint/2010/main" val="1446393106"/>
       </p:ext>
     </p:extLst>
   </p:cSld>
@@ -13371,7 +14581,162 @@
 </p:sld>
 </file>
 
-<file path=ppt/slides/slide15.xml><?xml version="1.0" encoding="utf-8"?>
+<file path=ppt/slides/slide17.xml><?xml version="1.0" encoding="utf-8"?>
+<p:sld xmlns:a="http://schemas.openxmlformats.org/drawingml/2006/main" xmlns:r="http://schemas.openxmlformats.org/officeDocument/2006/relationships" xmlns:p="http://schemas.openxmlformats.org/presentationml/2006/main">
+  <p:cSld>
+    <p:spTree>
+      <p:nvGrpSpPr>
+        <p:cNvPr id="1" name=""/>
+        <p:cNvGrpSpPr/>
+        <p:nvPr/>
+      </p:nvGrpSpPr>
+      <p:grpSpPr>
+        <a:xfrm>
+          <a:off x="0" y="0"/>
+          <a:ext cx="0" cy="0"/>
+          <a:chOff x="0" y="0"/>
+          <a:chExt cx="0" cy="0"/>
+        </a:xfrm>
+      </p:grpSpPr>
+      <p:sp>
+        <p:nvSpPr>
+          <p:cNvPr id="3" name="Content Placeholder 2">
+            <a:extLst>
+              <a:ext uri="{FF2B5EF4-FFF2-40B4-BE49-F238E27FC236}">
+                <a16:creationId xmlns:a16="http://schemas.microsoft.com/office/drawing/2014/main" id="{CDB637C4-5358-4E44-B83C-FCC8D918AF0B}"/>
+              </a:ext>
+            </a:extLst>
+          </p:cNvPr>
+          <p:cNvSpPr>
+            <a:spLocks noGrp="1"/>
+          </p:cNvSpPr>
+          <p:nvPr>
+            <p:ph idx="1"/>
+          </p:nvPr>
+        </p:nvSpPr>
+        <p:spPr>
+          <a:xfrm>
+            <a:off x="838200" y="649968"/>
+            <a:ext cx="10515600" cy="5477700"/>
+          </a:xfrm>
+        </p:spPr>
+        <p:txBody>
+          <a:bodyPr/>
+          <a:lstStyle/>
+          <a:p>
+            <a:pPr marL="457200" lvl="1" indent="0">
+              <a:buNone/>
+            </a:pPr>
+            <a:endParaRPr lang="en-US" dirty="0"/>
+          </a:p>
+          <a:p>
+            <a:pPr marL="457200" lvl="1" indent="0">
+              <a:buNone/>
+            </a:pPr>
+            <a:r>
+              <a:rPr lang="en-US" sz="4400" dirty="0"/>
+              <a:t>Testing the model</a:t>
+            </a:r>
+          </a:p>
+          <a:p>
+            <a:pPr marL="457200" lvl="1" indent="0">
+              <a:buNone/>
+            </a:pPr>
+            <a:endParaRPr lang="en-US" dirty="0">
+              <a:solidFill>
+                <a:srgbClr val="FF0000"/>
+              </a:solidFill>
+            </a:endParaRPr>
+          </a:p>
+          <a:p>
+            <a:pPr marL="457200" lvl="1" indent="0">
+              <a:buNone/>
+            </a:pPr>
+            <a:r>
+              <a:rPr lang="en-US" dirty="0">
+                <a:solidFill>
+                  <a:srgbClr val="FF0000"/>
+                </a:solidFill>
+              </a:rPr>
+              <a:t>Video of the car AFTER learning (to large for slideshow)</a:t>
+            </a:r>
+          </a:p>
+          <a:p>
+            <a:pPr marL="457200" lvl="1" indent="0">
+              <a:buNone/>
+            </a:pPr>
+            <a:endParaRPr lang="en-US" dirty="0">
+              <a:solidFill>
+                <a:srgbClr val="FF0000"/>
+              </a:solidFill>
+            </a:endParaRPr>
+          </a:p>
+          <a:p>
+            <a:pPr marL="457200" lvl="1" indent="0">
+              <a:buNone/>
+            </a:pPr>
+            <a:endParaRPr lang="en-US" dirty="0">
+              <a:solidFill>
+                <a:srgbClr val="FF0000"/>
+              </a:solidFill>
+            </a:endParaRPr>
+          </a:p>
+          <a:p>
+            <a:pPr marL="457200" lvl="1" indent="0">
+              <a:buNone/>
+            </a:pPr>
+            <a:endParaRPr lang="en-US" dirty="0">
+              <a:solidFill>
+                <a:srgbClr val="FF0000"/>
+              </a:solidFill>
+            </a:endParaRPr>
+          </a:p>
+          <a:p>
+            <a:pPr marL="457200" lvl="1" indent="0">
+              <a:buNone/>
+            </a:pPr>
+            <a:endParaRPr lang="en-US" dirty="0">
+              <a:solidFill>
+                <a:srgbClr val="FF0000"/>
+              </a:solidFill>
+            </a:endParaRPr>
+          </a:p>
+          <a:p>
+            <a:pPr marL="457200" lvl="1" indent="0">
+              <a:buNone/>
+            </a:pPr>
+            <a:endParaRPr lang="en-US" dirty="0">
+              <a:solidFill>
+                <a:srgbClr val="FF0000"/>
+              </a:solidFill>
+            </a:endParaRPr>
+          </a:p>
+          <a:p>
+            <a:pPr marL="457200" lvl="1" indent="0">
+              <a:buNone/>
+            </a:pPr>
+            <a:endParaRPr lang="en-US" dirty="0">
+              <a:solidFill>
+                <a:srgbClr val="FF0000"/>
+              </a:solidFill>
+            </a:endParaRPr>
+          </a:p>
+        </p:txBody>
+      </p:sp>
+    </p:spTree>
+    <p:extLst>
+      <p:ext uri="{BB962C8B-B14F-4D97-AF65-F5344CB8AC3E}">
+        <p14:creationId xmlns:p14="http://schemas.microsoft.com/office/powerpoint/2010/main" val="3274228890"/>
+      </p:ext>
+    </p:extLst>
+  </p:cSld>
+  <p:clrMapOvr>
+    <a:masterClrMapping/>
+  </p:clrMapOvr>
+</p:sld>
+</file>
+
+<file path=ppt/slides/slide18.xml><?xml version="1.0" encoding="utf-8"?>
 <p:sld xmlns:a="http://schemas.openxmlformats.org/drawingml/2006/main" xmlns:r="http://schemas.openxmlformats.org/officeDocument/2006/relationships" xmlns:p="http://schemas.openxmlformats.org/presentationml/2006/main">
   <p:cSld>
     <p:spTree>
@@ -13411,467 +14776,9 @@
           <a:p>
             <a:r>
               <a:rPr lang="en-US" i="1" dirty="0"/>
-              <a:t>Actor-Critic </a:t>
+              <a:t>Step 5: recommended future project</a:t>
             </a:r>
-            <a:r>
-              <a:rPr lang="en-US" dirty="0"/>
-              <a:t>(AC)</a:t>
-            </a:r>
-          </a:p>
-        </p:txBody>
-      </p:sp>
-      <mc:AlternateContent xmlns:mc="http://schemas.openxmlformats.org/markup-compatibility/2006">
-        <mc:Choice xmlns:a14="http://schemas.microsoft.com/office/drawing/2010/main" Requires="a14">
-          <p:sp>
-            <p:nvSpPr>
-              <p:cNvPr id="4" name="TextBox 3">
-                <a:extLst>
-                  <a:ext uri="{FF2B5EF4-FFF2-40B4-BE49-F238E27FC236}">
-                    <a16:creationId xmlns:a16="http://schemas.microsoft.com/office/drawing/2014/main" id="{BE2EA906-1F44-46FF-9697-B788A86A26EB}"/>
-                  </a:ext>
-                </a:extLst>
-              </p:cNvPr>
-              <p:cNvSpPr txBox="1"/>
-              <p:nvPr/>
-            </p:nvSpPr>
-            <p:spPr>
-              <a:xfrm>
-                <a:off x="796940" y="2003598"/>
-                <a:ext cx="8588508" cy="523220"/>
-              </a:xfrm>
-              <a:prstGeom prst="rect">
-                <a:avLst/>
-              </a:prstGeom>
-              <a:noFill/>
-            </p:spPr>
-            <p:txBody>
-              <a:bodyPr wrap="square" rtlCol="0">
-                <a:spAutoFit/>
-              </a:bodyPr>
-              <a:lstStyle/>
-              <a:p>
-                <a14:m>
-                  <m:oMathPara xmlns:m="http://schemas.openxmlformats.org/officeDocument/2006/math">
-                    <m:oMathParaPr>
-                      <m:jc m:val="centerGroup"/>
-                    </m:oMathParaPr>
-                    <m:oMath xmlns:m="http://schemas.openxmlformats.org/officeDocument/2006/math">
-                      <m:r>
-                        <a:rPr lang="en-US" sz="2800" b="0" i="1" smtClean="0">
-                          <a:latin typeface="Cambria Math" panose="02040503050406030204" pitchFamily="18" charset="0"/>
-                        </a:rPr>
-                        <m:t>𝑃𝑜𝑙𝑖𝑐𝑦</m:t>
-                      </m:r>
-                      <m:r>
-                        <a:rPr lang="en-US" sz="2800" b="0" i="1" smtClean="0">
-                          <a:latin typeface="Cambria Math" panose="02040503050406030204" pitchFamily="18" charset="0"/>
-                        </a:rPr>
-                        <m:t>={</m:t>
-                      </m:r>
-                      <m:r>
-                        <a:rPr lang="en-US" sz="2800" i="1">
-                          <a:latin typeface="Cambria Math" panose="02040503050406030204" pitchFamily="18" charset="0"/>
-                        </a:rPr>
-                        <m:t>𝑎𝑐𝑡𝑖𝑜</m:t>
-                      </m:r>
-                      <m:sSub>
-                        <m:sSubPr>
-                          <m:ctrlPr>
-                            <a:rPr lang="en-US" sz="2800" b="0" i="1" smtClean="0">
-                              <a:latin typeface="Cambria Math" panose="02040503050406030204" pitchFamily="18" charset="0"/>
-                            </a:rPr>
-                          </m:ctrlPr>
-                        </m:sSubPr>
-                        <m:e>
-                          <m:r>
-                            <a:rPr lang="en-US" sz="2800" i="1">
-                              <a:latin typeface="Cambria Math" panose="02040503050406030204" pitchFamily="18" charset="0"/>
-                            </a:rPr>
-                            <m:t>𝑛</m:t>
-                          </m:r>
-                        </m:e>
-                        <m:sub>
-                          <m:r>
-                            <a:rPr lang="en-US" sz="2800" b="0" i="1" smtClean="0">
-                              <a:latin typeface="Cambria Math" panose="02040503050406030204" pitchFamily="18" charset="0"/>
-                            </a:rPr>
-                            <m:t>1</m:t>
-                          </m:r>
-                        </m:sub>
-                      </m:sSub>
-                      <m:r>
-                        <a:rPr lang="en-US" sz="2800" b="0" i="1" smtClean="0">
-                          <a:latin typeface="Cambria Math" panose="02040503050406030204" pitchFamily="18" charset="0"/>
-                        </a:rPr>
-                        <m:t>,</m:t>
-                      </m:r>
-                      <m:r>
-                        <a:rPr lang="en-US" sz="2800" i="1">
-                          <a:latin typeface="Cambria Math" panose="02040503050406030204" pitchFamily="18" charset="0"/>
-                        </a:rPr>
-                        <m:t>𝑎𝑐𝑡𝑖𝑜</m:t>
-                      </m:r>
-                      <m:sSub>
-                        <m:sSubPr>
-                          <m:ctrlPr>
-                            <a:rPr lang="en-US" sz="2800" b="0" i="1" smtClean="0">
-                              <a:latin typeface="Cambria Math" panose="02040503050406030204" pitchFamily="18" charset="0"/>
-                            </a:rPr>
-                          </m:ctrlPr>
-                        </m:sSubPr>
-                        <m:e>
-                          <m:r>
-                            <a:rPr lang="en-US" sz="2800" i="1">
-                              <a:latin typeface="Cambria Math" panose="02040503050406030204" pitchFamily="18" charset="0"/>
-                            </a:rPr>
-                            <m:t>𝑛</m:t>
-                          </m:r>
-                        </m:e>
-                        <m:sub>
-                          <m:r>
-                            <a:rPr lang="en-US" sz="2800" b="0" i="1" smtClean="0">
-                              <a:latin typeface="Cambria Math" panose="02040503050406030204" pitchFamily="18" charset="0"/>
-                            </a:rPr>
-                            <m:t>2</m:t>
-                          </m:r>
-                        </m:sub>
-                      </m:sSub>
-                      <m:r>
-                        <a:rPr lang="en-US" sz="2800" b="0" i="1" smtClean="0">
-                          <a:latin typeface="Cambria Math" panose="02040503050406030204" pitchFamily="18" charset="0"/>
-                        </a:rPr>
-                        <m:t>,…</m:t>
-                      </m:r>
-                      <m:r>
-                        <a:rPr lang="en-US" sz="2800" i="1">
-                          <a:latin typeface="Cambria Math" panose="02040503050406030204" pitchFamily="18" charset="0"/>
-                        </a:rPr>
-                        <m:t>𝑎𝑐𝑡𝑖𝑜</m:t>
-                      </m:r>
-                      <m:sSub>
-                        <m:sSubPr>
-                          <m:ctrlPr>
-                            <a:rPr lang="en-US" sz="2800" b="0" i="1" smtClean="0">
-                              <a:latin typeface="Cambria Math" panose="02040503050406030204" pitchFamily="18" charset="0"/>
-                            </a:rPr>
-                          </m:ctrlPr>
-                        </m:sSubPr>
-                        <m:e>
-                          <m:r>
-                            <a:rPr lang="en-US" sz="2800" i="1">
-                              <a:latin typeface="Cambria Math" panose="02040503050406030204" pitchFamily="18" charset="0"/>
-                            </a:rPr>
-                            <m:t>𝑛</m:t>
-                          </m:r>
-                        </m:e>
-                        <m:sub>
-                          <m:r>
-                            <a:rPr lang="en-US" sz="2800" b="0" i="1" smtClean="0">
-                              <a:latin typeface="Cambria Math" panose="02040503050406030204" pitchFamily="18" charset="0"/>
-                            </a:rPr>
-                            <m:t>𝑇</m:t>
-                          </m:r>
-                        </m:sub>
-                      </m:sSub>
-                      <m:r>
-                        <a:rPr lang="en-US" sz="2800" b="0" i="1" smtClean="0">
-                          <a:latin typeface="Cambria Math" panose="02040503050406030204" pitchFamily="18" charset="0"/>
-                        </a:rPr>
-                        <m:t>}=</m:t>
-                      </m:r>
-                      <m:r>
-                        <a:rPr lang="en-US" sz="2800" i="1" smtClean="0">
-                          <a:latin typeface="Cambria Math" panose="02040503050406030204" pitchFamily="18" charset="0"/>
-                        </a:rPr>
-                        <m:t>𝐴</m:t>
-                      </m:r>
-                      <m:r>
-                        <a:rPr lang="en-US" sz="2800" b="0" i="1" smtClean="0">
-                          <a:latin typeface="Cambria Math" panose="02040503050406030204" pitchFamily="18" charset="0"/>
-                        </a:rPr>
-                        <m:t>𝑐𝑡𝑜𝑟</m:t>
-                      </m:r>
-                      <m:r>
-                        <a:rPr lang="en-US" sz="2800" i="1">
-                          <a:latin typeface="Cambria Math" panose="02040503050406030204" pitchFamily="18" charset="0"/>
-                        </a:rPr>
-                        <m:t>(</m:t>
-                      </m:r>
-                      <m:r>
-                        <a:rPr lang="en-US" sz="2800" i="1">
-                          <a:latin typeface="Cambria Math" panose="02040503050406030204" pitchFamily="18" charset="0"/>
-                        </a:rPr>
-                        <m:t>𝑠𝑡</m:t>
-                      </m:r>
-                      <m:r>
-                        <a:rPr lang="en-US" sz="2800" b="0" i="1" smtClean="0">
-                          <a:latin typeface="Cambria Math" panose="02040503050406030204" pitchFamily="18" charset="0"/>
-                        </a:rPr>
-                        <m:t>𝑎𝑡𝑒</m:t>
-                      </m:r>
-                      <m:r>
-                        <a:rPr lang="en-US" sz="2800" i="1">
-                          <a:latin typeface="Cambria Math" panose="02040503050406030204" pitchFamily="18" charset="0"/>
-                        </a:rPr>
-                        <m:t>)</m:t>
-                      </m:r>
-                    </m:oMath>
-                  </m:oMathPara>
-                </a14:m>
-                <a:endParaRPr lang="en-US" sz="2800" dirty="0"/>
-              </a:p>
-            </p:txBody>
-          </p:sp>
-        </mc:Choice>
-        <mc:Fallback>
-          <p:sp>
-            <p:nvSpPr>
-              <p:cNvPr id="4" name="TextBox 3">
-                <a:extLst>
-                  <a:ext uri="{FF2B5EF4-FFF2-40B4-BE49-F238E27FC236}">
-                    <a16:creationId xmlns:a16="http://schemas.microsoft.com/office/drawing/2014/main" id="{BE2EA906-1F44-46FF-9697-B788A86A26EB}"/>
-                  </a:ext>
-                </a:extLst>
-              </p:cNvPr>
-              <p:cNvSpPr txBox="1">
-                <a:spLocks noRot="1" noChangeAspect="1" noMove="1" noResize="1" noEditPoints="1" noAdjustHandles="1" noChangeArrowheads="1" noChangeShapeType="1" noTextEdit="1"/>
-              </p:cNvSpPr>
-              <p:nvPr/>
-            </p:nvSpPr>
-            <p:spPr>
-              <a:xfrm>
-                <a:off x="796940" y="2003598"/>
-                <a:ext cx="8588508" cy="523220"/>
-              </a:xfrm>
-              <a:prstGeom prst="rect">
-                <a:avLst/>
-              </a:prstGeom>
-              <a:blipFill>
-                <a:blip r:embed="rId2"/>
-                <a:stretch>
-                  <a:fillRect/>
-                </a:stretch>
-              </a:blipFill>
-            </p:spPr>
-            <p:txBody>
-              <a:bodyPr/>
-              <a:lstStyle/>
-              <a:p>
-                <a:r>
-                  <a:rPr lang="en-US">
-                    <a:noFill/>
-                  </a:rPr>
-                  <a:t> </a:t>
-                </a:r>
-              </a:p>
-            </p:txBody>
-          </p:sp>
-        </mc:Fallback>
-      </mc:AlternateContent>
-      <mc:AlternateContent xmlns:mc="http://schemas.openxmlformats.org/markup-compatibility/2006">
-        <mc:Choice xmlns:a14="http://schemas.microsoft.com/office/drawing/2010/main" Requires="a14">
-          <p:sp>
-            <p:nvSpPr>
-              <p:cNvPr id="5" name="TextBox 4">
-                <a:extLst>
-                  <a:ext uri="{FF2B5EF4-FFF2-40B4-BE49-F238E27FC236}">
-                    <a16:creationId xmlns:a16="http://schemas.microsoft.com/office/drawing/2014/main" id="{E66B57EA-6DCF-4A5F-BBE6-A970AC8ABFEB}"/>
-                  </a:ext>
-                </a:extLst>
-              </p:cNvPr>
-              <p:cNvSpPr txBox="1"/>
-              <p:nvPr/>
-            </p:nvSpPr>
-            <p:spPr>
-              <a:xfrm>
-                <a:off x="678117" y="2723214"/>
-                <a:ext cx="4998069" cy="523220"/>
-              </a:xfrm>
-              <a:prstGeom prst="rect">
-                <a:avLst/>
-              </a:prstGeom>
-              <a:noFill/>
-            </p:spPr>
-            <p:txBody>
-              <a:bodyPr wrap="square" rtlCol="0">
-                <a:spAutoFit/>
-              </a:bodyPr>
-              <a:lstStyle/>
-              <a:p>
-                <a14:m>
-                  <m:oMathPara xmlns:m="http://schemas.openxmlformats.org/officeDocument/2006/math">
-                    <m:oMathParaPr>
-                      <m:jc m:val="centerGroup"/>
-                    </m:oMathParaPr>
-                    <m:oMath xmlns:m="http://schemas.openxmlformats.org/officeDocument/2006/math">
-                      <m:r>
-                        <a:rPr lang="en-US" sz="2800" b="0" i="1" smtClean="0">
-                          <a:latin typeface="Cambria Math" panose="02040503050406030204" pitchFamily="18" charset="0"/>
-                        </a:rPr>
-                        <m:t>𝑉𝑎𝑙𝑢𝑒</m:t>
-                      </m:r>
-                      <m:r>
-                        <a:rPr lang="en-US" sz="2800" b="0" i="1" smtClean="0">
-                          <a:latin typeface="Cambria Math" panose="02040503050406030204" pitchFamily="18" charset="0"/>
-                        </a:rPr>
-                        <m:t>=</m:t>
-                      </m:r>
-                      <m:r>
-                        <a:rPr lang="en-US" sz="2800" b="0" i="1" smtClean="0">
-                          <a:latin typeface="Cambria Math" panose="02040503050406030204" pitchFamily="18" charset="0"/>
-                        </a:rPr>
-                        <m:t>𝐶𝑟𝑖𝑡𝑖𝑐</m:t>
-                      </m:r>
-                      <m:r>
-                        <a:rPr lang="en-US" sz="2800" i="1">
-                          <a:latin typeface="Cambria Math" panose="02040503050406030204" pitchFamily="18" charset="0"/>
-                        </a:rPr>
-                        <m:t>(</m:t>
-                      </m:r>
-                      <m:r>
-                        <a:rPr lang="en-US" sz="2800" i="1">
-                          <a:latin typeface="Cambria Math" panose="02040503050406030204" pitchFamily="18" charset="0"/>
-                        </a:rPr>
-                        <m:t>𝑠𝑡</m:t>
-                      </m:r>
-                      <m:r>
-                        <a:rPr lang="en-US" sz="2800" b="0" i="1" smtClean="0">
-                          <a:latin typeface="Cambria Math" panose="02040503050406030204" pitchFamily="18" charset="0"/>
-                        </a:rPr>
-                        <m:t>𝑎𝑡𝑒</m:t>
-                      </m:r>
-                      <m:r>
-                        <a:rPr lang="en-US" sz="2800" i="1">
-                          <a:latin typeface="Cambria Math" panose="02040503050406030204" pitchFamily="18" charset="0"/>
-                        </a:rPr>
-                        <m:t>,</m:t>
-                      </m:r>
-                      <m:r>
-                        <a:rPr lang="en-US" sz="2800" i="1">
-                          <a:latin typeface="Cambria Math" panose="02040503050406030204" pitchFamily="18" charset="0"/>
-                        </a:rPr>
-                        <m:t>𝑎𝑐</m:t>
-                      </m:r>
-                      <m:r>
-                        <a:rPr lang="en-US" sz="2800" b="0" i="1" smtClean="0">
-                          <a:latin typeface="Cambria Math" panose="02040503050406030204" pitchFamily="18" charset="0"/>
-                        </a:rPr>
-                        <m:t>𝑡𝑖𝑜𝑛</m:t>
-                      </m:r>
-                      <m:r>
-                        <a:rPr lang="en-US" sz="2800" i="1">
-                          <a:latin typeface="Cambria Math" panose="02040503050406030204" pitchFamily="18" charset="0"/>
-                        </a:rPr>
-                        <m:t>)</m:t>
-                      </m:r>
-                    </m:oMath>
-                  </m:oMathPara>
-                </a14:m>
-                <a:endParaRPr lang="en-US" sz="2800" dirty="0"/>
-              </a:p>
-            </p:txBody>
-          </p:sp>
-        </mc:Choice>
-        <mc:Fallback>
-          <p:sp>
-            <p:nvSpPr>
-              <p:cNvPr id="5" name="TextBox 4">
-                <a:extLst>
-                  <a:ext uri="{FF2B5EF4-FFF2-40B4-BE49-F238E27FC236}">
-                    <a16:creationId xmlns:a16="http://schemas.microsoft.com/office/drawing/2014/main" id="{E66B57EA-6DCF-4A5F-BBE6-A970AC8ABFEB}"/>
-                  </a:ext>
-                </a:extLst>
-              </p:cNvPr>
-              <p:cNvSpPr txBox="1">
-                <a:spLocks noRot="1" noChangeAspect="1" noMove="1" noResize="1" noEditPoints="1" noAdjustHandles="1" noChangeArrowheads="1" noChangeShapeType="1" noTextEdit="1"/>
-              </p:cNvSpPr>
-              <p:nvPr/>
-            </p:nvSpPr>
-            <p:spPr>
-              <a:xfrm>
-                <a:off x="678117" y="2723214"/>
-                <a:ext cx="4998069" cy="523220"/>
-              </a:xfrm>
-              <a:prstGeom prst="rect">
-                <a:avLst/>
-              </a:prstGeom>
-              <a:blipFill>
-                <a:blip r:embed="rId3"/>
-                <a:stretch>
-                  <a:fillRect/>
-                </a:stretch>
-              </a:blipFill>
-            </p:spPr>
-            <p:txBody>
-              <a:bodyPr/>
-              <a:lstStyle/>
-              <a:p>
-                <a:r>
-                  <a:rPr lang="en-US">
-                    <a:noFill/>
-                  </a:rPr>
-                  <a:t> </a:t>
-                </a:r>
-              </a:p>
-            </p:txBody>
-          </p:sp>
-        </mc:Fallback>
-      </mc:AlternateContent>
-    </p:spTree>
-    <p:extLst>
-      <p:ext uri="{BB962C8B-B14F-4D97-AF65-F5344CB8AC3E}">
-        <p14:creationId xmlns:p14="http://schemas.microsoft.com/office/powerpoint/2010/main" val="3687715761"/>
-      </p:ext>
-    </p:extLst>
-  </p:cSld>
-  <p:clrMapOvr>
-    <a:masterClrMapping/>
-  </p:clrMapOvr>
-</p:sld>
-</file>
-
-<file path=ppt/slides/slide16.xml><?xml version="1.0" encoding="utf-8"?>
-<p:sld xmlns:a="http://schemas.openxmlformats.org/drawingml/2006/main" xmlns:r="http://schemas.openxmlformats.org/officeDocument/2006/relationships" xmlns:p="http://schemas.openxmlformats.org/presentationml/2006/main">
-  <p:cSld>
-    <p:spTree>
-      <p:nvGrpSpPr>
-        <p:cNvPr id="1" name=""/>
-        <p:cNvGrpSpPr/>
-        <p:nvPr/>
-      </p:nvGrpSpPr>
-      <p:grpSpPr>
-        <a:xfrm>
-          <a:off x="0" y="0"/>
-          <a:ext cx="0" cy="0"/>
-          <a:chOff x="0" y="0"/>
-          <a:chExt cx="0" cy="0"/>
-        </a:xfrm>
-      </p:grpSpPr>
-      <p:sp>
-        <p:nvSpPr>
-          <p:cNvPr id="2" name="Title 1">
-            <a:extLst>
-              <a:ext uri="{FF2B5EF4-FFF2-40B4-BE49-F238E27FC236}">
-                <a16:creationId xmlns:a16="http://schemas.microsoft.com/office/drawing/2014/main" id="{52F9B936-B7D4-4276-96D6-C208AB37AE49}"/>
-              </a:ext>
-            </a:extLst>
-          </p:cNvPr>
-          <p:cNvSpPr>
-            <a:spLocks noGrp="1"/>
-          </p:cNvSpPr>
-          <p:nvPr>
-            <p:ph type="title"/>
-          </p:nvPr>
-        </p:nvSpPr>
-        <p:spPr/>
-        <p:txBody>
-          <a:bodyPr/>
-          <a:lstStyle/>
-          <a:p>
-            <a:r>
-              <a:rPr lang="en-US" dirty="0"/>
-              <a:t>Drawbacks</a:t>
-            </a:r>
+            <a:endParaRPr lang="en-US" dirty="0"/>
           </a:p>
         </p:txBody>
       </p:sp>
@@ -13901,305 +14808,76 @@
           <a:bodyPr/>
           <a:lstStyle/>
           <a:p>
-            <a:pPr marL="0" indent="0">
-              <a:buNone/>
+            <a:pPr marL="914400" lvl="1" indent="-457200">
+              <a:lnSpc>
+                <a:spcPct val="200000"/>
+              </a:lnSpc>
+              <a:buFont typeface="+mj-lt"/>
+              <a:buAutoNum type="arabicPeriod"/>
             </a:pPr>
             <a:r>
               <a:rPr lang="en-US" dirty="0"/>
-              <a:t>Give a drawback about AC</a:t>
+              <a:t>Take this network</a:t>
             </a:r>
+          </a:p>
+          <a:p>
+            <a:pPr marL="914400" lvl="1" indent="-457200">
+              <a:lnSpc>
+                <a:spcPct val="200000"/>
+              </a:lnSpc>
+              <a:buFont typeface="+mj-lt"/>
+              <a:buAutoNum type="arabicPeriod"/>
+            </a:pPr>
+            <a:r>
+              <a:rPr lang="en-US" dirty="0"/>
+              <a:t>Gather data with the same distribution of our data in the FST environment</a:t>
+            </a:r>
+          </a:p>
+          <a:p>
+            <a:pPr marL="914400" lvl="1" indent="-457200">
+              <a:lnSpc>
+                <a:spcPct val="200000"/>
+              </a:lnSpc>
+              <a:buFont typeface="+mj-lt"/>
+              <a:buAutoNum type="arabicPeriod"/>
+            </a:pPr>
+            <a:r>
+              <a:rPr lang="en-US" dirty="0"/>
+              <a:t>Train this network</a:t>
+            </a:r>
+          </a:p>
+          <a:p>
+            <a:pPr marL="914400" lvl="1" indent="-457200">
+              <a:lnSpc>
+                <a:spcPct val="200000"/>
+              </a:lnSpc>
+              <a:buFont typeface="+mj-lt"/>
+              <a:buAutoNum type="arabicPeriod"/>
+            </a:pPr>
+            <a:r>
+              <a:rPr lang="en-US" dirty="0"/>
+              <a:t>CROSS YOUR FINGER FOR IT TO WORK</a:t>
+            </a:r>
+          </a:p>
+          <a:p>
+            <a:pPr marL="914400" lvl="1" indent="-457200">
+              <a:buFont typeface="+mj-lt"/>
+              <a:buAutoNum type="arabicPeriod"/>
+            </a:pPr>
+            <a:endParaRPr lang="en-US" dirty="0"/>
+          </a:p>
+          <a:p>
+            <a:pPr marL="457200" lvl="1" indent="0">
+              <a:buNone/>
+            </a:pPr>
+            <a:endParaRPr lang="en-US" dirty="0"/>
           </a:p>
         </p:txBody>
       </p:sp>
     </p:spTree>
     <p:extLst>
       <p:ext uri="{BB962C8B-B14F-4D97-AF65-F5344CB8AC3E}">
-        <p14:creationId xmlns:p14="http://schemas.microsoft.com/office/powerpoint/2010/main" val="2048157448"/>
-      </p:ext>
-    </p:extLst>
-  </p:cSld>
-  <p:clrMapOvr>
-    <a:masterClrMapping/>
-  </p:clrMapOvr>
-</p:sld>
-</file>
-
-<file path=ppt/slides/slide17.xml><?xml version="1.0" encoding="utf-8"?>
-<p:sld xmlns:a="http://schemas.openxmlformats.org/drawingml/2006/main" xmlns:r="http://schemas.openxmlformats.org/officeDocument/2006/relationships" xmlns:p="http://schemas.openxmlformats.org/presentationml/2006/main">
-  <p:cSld>
-    <p:spTree>
-      <p:nvGrpSpPr>
-        <p:cNvPr id="1" name=""/>
-        <p:cNvGrpSpPr/>
-        <p:nvPr/>
-      </p:nvGrpSpPr>
-      <p:grpSpPr>
-        <a:xfrm>
-          <a:off x="0" y="0"/>
-          <a:ext cx="0" cy="0"/>
-          <a:chOff x="0" y="0"/>
-          <a:chExt cx="0" cy="0"/>
-        </a:xfrm>
-      </p:grpSpPr>
-      <p:sp>
-        <p:nvSpPr>
-          <p:cNvPr id="2" name="Title 1">
-            <a:extLst>
-              <a:ext uri="{FF2B5EF4-FFF2-40B4-BE49-F238E27FC236}">
-                <a16:creationId xmlns:a16="http://schemas.microsoft.com/office/drawing/2014/main" id="{52F9B936-B7D4-4276-96D6-C208AB37AE49}"/>
-              </a:ext>
-            </a:extLst>
-          </p:cNvPr>
-          <p:cNvSpPr>
-            <a:spLocks noGrp="1"/>
-          </p:cNvSpPr>
-          <p:nvPr>
-            <p:ph type="title"/>
-          </p:nvPr>
-        </p:nvSpPr>
-        <p:spPr/>
-        <p:txBody>
-          <a:bodyPr/>
-          <a:lstStyle/>
-          <a:p>
-            <a:r>
-              <a:rPr lang="en-US" i="1" dirty="0"/>
-              <a:t>Deep Deterministic Policy Gradient </a:t>
-            </a:r>
-            <a:r>
-              <a:rPr lang="en-US" dirty="0"/>
-              <a:t>(DDPG)</a:t>
-            </a:r>
-          </a:p>
-        </p:txBody>
-      </p:sp>
-      <p:sp>
-        <p:nvSpPr>
-          <p:cNvPr id="3" name="Content Placeholder 2">
-            <a:extLst>
-              <a:ext uri="{FF2B5EF4-FFF2-40B4-BE49-F238E27FC236}">
-                <a16:creationId xmlns:a16="http://schemas.microsoft.com/office/drawing/2014/main" id="{CDB637C4-5358-4E44-B83C-FCC8D918AF0B}"/>
-              </a:ext>
-            </a:extLst>
-          </p:cNvPr>
-          <p:cNvSpPr>
-            <a:spLocks noGrp="1"/>
-          </p:cNvSpPr>
-          <p:nvPr>
-            <p:ph idx="1"/>
-          </p:nvPr>
-        </p:nvSpPr>
-        <p:spPr>
-          <a:xfrm>
-            <a:off x="838200" y="1825625"/>
-            <a:ext cx="10515600" cy="4351338"/>
-          </a:xfrm>
-        </p:spPr>
-        <p:txBody>
-          <a:bodyPr/>
-          <a:lstStyle/>
-          <a:p>
-            <a:pPr marL="0" indent="0">
-              <a:buNone/>
-            </a:pPr>
-            <a:r>
-              <a:rPr lang="en-US" dirty="0"/>
-              <a:t>Paper by David Silver</a:t>
-            </a:r>
-          </a:p>
-          <a:p>
-            <a:pPr marL="0" indent="0">
-              <a:buNone/>
-            </a:pPr>
-            <a:r>
-              <a:rPr lang="en-US" dirty="0"/>
-              <a:t>	</a:t>
-            </a:r>
-            <a:r>
-              <a:rPr lang="en-US" dirty="0">
-                <a:hlinkClick r:id="rId2"/>
-              </a:rPr>
-              <a:t>http://proceedings.mlr.press/v32/silver14.pdf</a:t>
-            </a:r>
-            <a:endParaRPr lang="en-US" dirty="0"/>
-          </a:p>
-          <a:p>
-            <a:endParaRPr lang="en-US" dirty="0"/>
-          </a:p>
-          <a:p>
-            <a:pPr marL="0" indent="0">
-              <a:buNone/>
-            </a:pPr>
-            <a:r>
-              <a:rPr lang="en-US" dirty="0"/>
-              <a:t>TF implementation:</a:t>
-            </a:r>
-          </a:p>
-          <a:p>
-            <a:pPr marL="0" indent="0">
-              <a:buNone/>
-            </a:pPr>
-            <a:r>
-              <a:rPr lang="en-US" dirty="0"/>
-              <a:t>	</a:t>
-            </a:r>
-            <a:r>
-              <a:rPr lang="en-US" dirty="0">
-                <a:hlinkClick r:id="rId2"/>
-              </a:rPr>
-              <a:t>https://github.com/slowbull/DDPG</a:t>
-            </a:r>
-            <a:endParaRPr lang="en-US" dirty="0"/>
-          </a:p>
-          <a:p>
-            <a:pPr marL="0" indent="0">
-              <a:buNone/>
-            </a:pPr>
-            <a:endParaRPr lang="en-US" dirty="0"/>
-          </a:p>
-        </p:txBody>
-      </p:sp>
-    </p:spTree>
-    <p:extLst>
-      <p:ext uri="{BB962C8B-B14F-4D97-AF65-F5344CB8AC3E}">
-        <p14:creationId xmlns:p14="http://schemas.microsoft.com/office/powerpoint/2010/main" val="1793588468"/>
-      </p:ext>
-    </p:extLst>
-  </p:cSld>
-  <p:clrMapOvr>
-    <a:masterClrMapping/>
-  </p:clrMapOvr>
-</p:sld>
-</file>
-
-<file path=ppt/slides/slide18.xml><?xml version="1.0" encoding="utf-8"?>
-<p:sld xmlns:a="http://schemas.openxmlformats.org/drawingml/2006/main" xmlns:r="http://schemas.openxmlformats.org/officeDocument/2006/relationships" xmlns:p="http://schemas.openxmlformats.org/presentationml/2006/main">
-  <p:cSld>
-    <p:spTree>
-      <p:nvGrpSpPr>
-        <p:cNvPr id="1" name=""/>
-        <p:cNvGrpSpPr/>
-        <p:nvPr/>
-      </p:nvGrpSpPr>
-      <p:grpSpPr>
-        <a:xfrm>
-          <a:off x="0" y="0"/>
-          <a:ext cx="0" cy="0"/>
-          <a:chOff x="0" y="0"/>
-          <a:chExt cx="0" cy="0"/>
-        </a:xfrm>
-      </p:grpSpPr>
-      <p:sp>
-        <p:nvSpPr>
-          <p:cNvPr id="2" name="Title 1">
-            <a:extLst>
-              <a:ext uri="{FF2B5EF4-FFF2-40B4-BE49-F238E27FC236}">
-                <a16:creationId xmlns:a16="http://schemas.microsoft.com/office/drawing/2014/main" id="{2A52EAAB-8894-43F9-B0B6-9B4D3922C1F5}"/>
-              </a:ext>
-            </a:extLst>
-          </p:cNvPr>
-          <p:cNvSpPr>
-            <a:spLocks noGrp="1"/>
-          </p:cNvSpPr>
-          <p:nvPr>
-            <p:ph type="title"/>
-          </p:nvPr>
-        </p:nvSpPr>
-        <p:spPr/>
-        <p:txBody>
-          <a:bodyPr/>
-          <a:lstStyle/>
-          <a:p>
-            <a:r>
-              <a:rPr lang="en-US" dirty="0"/>
-              <a:t>Our implementation</a:t>
-            </a:r>
-          </a:p>
-        </p:txBody>
-      </p:sp>
-      <p:sp>
-        <p:nvSpPr>
-          <p:cNvPr id="3" name="Content Placeholder 2">
-            <a:extLst>
-              <a:ext uri="{FF2B5EF4-FFF2-40B4-BE49-F238E27FC236}">
-                <a16:creationId xmlns:a16="http://schemas.microsoft.com/office/drawing/2014/main" id="{F61908CC-FE7F-4FF0-97DE-E782291BE5EF}"/>
-              </a:ext>
-            </a:extLst>
-          </p:cNvPr>
-          <p:cNvSpPr>
-            <a:spLocks noGrp="1"/>
-          </p:cNvSpPr>
-          <p:nvPr>
-            <p:ph idx="1"/>
-          </p:nvPr>
-        </p:nvSpPr>
-        <p:spPr/>
-        <p:txBody>
-          <a:bodyPr/>
-          <a:lstStyle/>
-          <a:p>
-            <a:r>
-              <a:rPr lang="en-US" dirty="0"/>
-              <a:t>Architecture</a:t>
-            </a:r>
-          </a:p>
-          <a:p>
-            <a:pPr lvl="1"/>
-            <a:r>
-              <a:rPr lang="en-US" dirty="0"/>
-              <a:t>Explain each component</a:t>
-            </a:r>
-          </a:p>
-          <a:p>
-            <a:pPr lvl="1"/>
-            <a:r>
-              <a:rPr lang="en-US" dirty="0"/>
-              <a:t>Why we think this is better (Using previous work)</a:t>
-            </a:r>
-          </a:p>
-          <a:p>
-            <a:pPr lvl="1"/>
-            <a:r>
-              <a:rPr lang="en-US" dirty="0"/>
-              <a:t>Figure of the NN</a:t>
-            </a:r>
-          </a:p>
-          <a:p>
-            <a:pPr lvl="1"/>
-            <a:r>
-              <a:rPr lang="en-US" dirty="0"/>
-              <a:t>Overfitting datasets</a:t>
-            </a:r>
-          </a:p>
-          <a:p>
-            <a:r>
-              <a:rPr lang="en-US" dirty="0"/>
-              <a:t>Performance </a:t>
-            </a:r>
-          </a:p>
-          <a:p>
-            <a:pPr lvl="1"/>
-            <a:r>
-              <a:rPr lang="en-US" dirty="0"/>
-              <a:t>Training rates (Loss over #epochs) </a:t>
-            </a:r>
-          </a:p>
-          <a:p>
-            <a:pPr lvl="1"/>
-            <a:r>
-              <a:rPr lang="en-US" dirty="0"/>
-              <a:t>Evaluation rates (Loss over #epochs)</a:t>
-            </a:r>
-          </a:p>
-          <a:p>
-            <a:endParaRPr lang="en-US" dirty="0"/>
-          </a:p>
-        </p:txBody>
-      </p:sp>
-    </p:spTree>
-    <p:extLst>
-      <p:ext uri="{BB962C8B-B14F-4D97-AF65-F5344CB8AC3E}">
-        <p14:creationId xmlns:p14="http://schemas.microsoft.com/office/powerpoint/2010/main" val="1446393106"/>
+        <p14:creationId xmlns:p14="http://schemas.microsoft.com/office/powerpoint/2010/main" val="4126311987"/>
       </p:ext>
     </p:extLst>
   </p:cSld>
@@ -14231,7 +14909,7 @@
           <p:cNvPr id="2" name="Title 1">
             <a:extLst>
               <a:ext uri="{FF2B5EF4-FFF2-40B4-BE49-F238E27FC236}">
-                <a16:creationId xmlns:a16="http://schemas.microsoft.com/office/drawing/2014/main" id="{B06172DF-ABE9-4AD2-960A-321441660CB3}"/>
+                <a16:creationId xmlns:a16="http://schemas.microsoft.com/office/drawing/2014/main" id="{6E11813A-F172-42BF-A12C-60D0E9D03A48}"/>
               </a:ext>
             </a:extLst>
           </p:cNvPr>
@@ -14249,7 +14927,7 @@
           <a:p>
             <a:r>
               <a:rPr lang="en-US" dirty="0"/>
-              <a:t>Results</a:t>
+              <a:t>Conclusions</a:t>
             </a:r>
           </a:p>
         </p:txBody>
@@ -14259,7 +14937,7 @@
           <p:cNvPr id="3" name="Content Placeholder 2">
             <a:extLst>
               <a:ext uri="{FF2B5EF4-FFF2-40B4-BE49-F238E27FC236}">
-                <a16:creationId xmlns:a16="http://schemas.microsoft.com/office/drawing/2014/main" id="{10B67262-F402-4333-80EA-D691336F837A}"/>
+                <a16:creationId xmlns:a16="http://schemas.microsoft.com/office/drawing/2014/main" id="{2CEF849D-8832-41AA-A6E7-BBBB3CB46D6E}"/>
               </a:ext>
             </a:extLst>
           </p:cNvPr>
@@ -14272,39 +14950,104 @@
         </p:nvSpPr>
         <p:spPr/>
         <p:txBody>
-          <a:bodyPr/>
+          <a:bodyPr>
+            <a:normAutofit fontScale="85000" lnSpcReduction="20000"/>
+          </a:bodyPr>
           <a:lstStyle/>
           <a:p>
-            <a:r>
-              <a:rPr lang="en-US" dirty="0"/>
-              <a:t>Video of an autonomous drive (Show input signals in the background)</a:t>
-            </a:r>
-          </a:p>
-          <a:p>
-            <a:endParaRPr lang="en-US" dirty="0"/>
-          </a:p>
-          <a:p>
-            <a:endParaRPr lang="en-US" dirty="0"/>
-          </a:p>
-          <a:p>
-            <a:endParaRPr lang="en-US" dirty="0"/>
-          </a:p>
-          <a:p>
-            <a:endParaRPr lang="en-US" dirty="0"/>
-          </a:p>
-          <a:p>
-            <a:endParaRPr lang="en-US" dirty="0"/>
-          </a:p>
-          <a:p>
-            <a:endParaRPr lang="en-US" dirty="0"/>
-          </a:p>
-          <a:p>
-            <a:pPr marL="0" indent="0">
-              <a:buNone/>
+            <a:pPr>
+              <a:lnSpc>
+                <a:spcPct val="150000"/>
+              </a:lnSpc>
             </a:pPr>
             <a:r>
               <a:rPr lang="en-US" dirty="0"/>
-              <a:t>Short description of the video (What do we see?)</a:t>
+              <a:t>Learning to drive is not an easy task</a:t>
+            </a:r>
+          </a:p>
+          <a:p>
+            <a:pPr>
+              <a:lnSpc>
+                <a:spcPct val="150000"/>
+              </a:lnSpc>
+            </a:pPr>
+            <a:r>
+              <a:rPr lang="en-US" dirty="0"/>
+              <a:t>Data preprocessing is crucial </a:t>
+            </a:r>
+          </a:p>
+          <a:p>
+            <a:pPr>
+              <a:lnSpc>
+                <a:spcPct val="150000"/>
+              </a:lnSpc>
+            </a:pPr>
+            <a:r>
+              <a:rPr lang="en-US" dirty="0"/>
+              <a:t>A lot of parameters to take into consideration</a:t>
+            </a:r>
+          </a:p>
+          <a:p>
+            <a:pPr lvl="1">
+              <a:lnSpc>
+                <a:spcPct val="150000"/>
+              </a:lnSpc>
+              <a:buFont typeface="Courier New" panose="02070309020205020404" pitchFamily="49" charset="0"/>
+              <a:buChar char="o"/>
+            </a:pPr>
+            <a:r>
+              <a:rPr lang="en-US" dirty="0"/>
+              <a:t>Inputs</a:t>
+            </a:r>
+          </a:p>
+          <a:p>
+            <a:pPr lvl="1">
+              <a:lnSpc>
+                <a:spcPct val="150000"/>
+              </a:lnSpc>
+              <a:buFont typeface="Courier New" panose="02070309020205020404" pitchFamily="49" charset="0"/>
+              <a:buChar char="o"/>
+            </a:pPr>
+            <a:r>
+              <a:rPr lang="en-US" dirty="0"/>
+              <a:t>Architecture</a:t>
+            </a:r>
+          </a:p>
+          <a:p>
+            <a:pPr lvl="1">
+              <a:lnSpc>
+                <a:spcPct val="150000"/>
+              </a:lnSpc>
+              <a:buFont typeface="Courier New" panose="02070309020205020404" pitchFamily="49" charset="0"/>
+              <a:buChar char="o"/>
+            </a:pPr>
+            <a:r>
+              <a:rPr lang="en-US" dirty="0"/>
+              <a:t>Scalability	</a:t>
+            </a:r>
+          </a:p>
+          <a:p>
+            <a:pPr lvl="1">
+              <a:lnSpc>
+                <a:spcPct val="150000"/>
+              </a:lnSpc>
+              <a:buFont typeface="Courier New" panose="02070309020205020404" pitchFamily="49" charset="0"/>
+              <a:buChar char="o"/>
+            </a:pPr>
+            <a:r>
+              <a:rPr lang="en-US" dirty="0"/>
+              <a:t>Etc.</a:t>
+            </a:r>
+          </a:p>
+          <a:p>
+            <a:pPr>
+              <a:lnSpc>
+                <a:spcPct val="150000"/>
+              </a:lnSpc>
+            </a:pPr>
+            <a:r>
+              <a:rPr lang="en-US" dirty="0"/>
+              <a:t>Questions ?</a:t>
             </a:r>
           </a:p>
         </p:txBody>
@@ -14312,7 +15055,7 @@
     </p:spTree>
     <p:extLst>
       <p:ext uri="{BB962C8B-B14F-4D97-AF65-F5344CB8AC3E}">
-        <p14:creationId xmlns:p14="http://schemas.microsoft.com/office/powerpoint/2010/main" val="1379415073"/>
+        <p14:creationId xmlns:p14="http://schemas.microsoft.com/office/powerpoint/2010/main" val="3270289665"/>
       </p:ext>
     </p:extLst>
   </p:cSld>
@@ -18190,110 +18933,6 @@
           <p:cNvPr id="2" name="Title 1">
             <a:extLst>
               <a:ext uri="{FF2B5EF4-FFF2-40B4-BE49-F238E27FC236}">
-                <a16:creationId xmlns:a16="http://schemas.microsoft.com/office/drawing/2014/main" id="{6E11813A-F172-42BF-A12C-60D0E9D03A48}"/>
-              </a:ext>
-            </a:extLst>
-          </p:cNvPr>
-          <p:cNvSpPr>
-            <a:spLocks noGrp="1"/>
-          </p:cNvSpPr>
-          <p:nvPr>
-            <p:ph type="title"/>
-          </p:nvPr>
-        </p:nvSpPr>
-        <p:spPr/>
-        <p:txBody>
-          <a:bodyPr/>
-          <a:lstStyle/>
-          <a:p>
-            <a:r>
-              <a:rPr lang="en-US" dirty="0"/>
-              <a:t>Conclusions</a:t>
-            </a:r>
-          </a:p>
-        </p:txBody>
-      </p:sp>
-      <p:sp>
-        <p:nvSpPr>
-          <p:cNvPr id="3" name="Content Placeholder 2">
-            <a:extLst>
-              <a:ext uri="{FF2B5EF4-FFF2-40B4-BE49-F238E27FC236}">
-                <a16:creationId xmlns:a16="http://schemas.microsoft.com/office/drawing/2014/main" id="{2CEF849D-8832-41AA-A6E7-BBBB3CB46D6E}"/>
-              </a:ext>
-            </a:extLst>
-          </p:cNvPr>
-          <p:cNvSpPr>
-            <a:spLocks noGrp="1"/>
-          </p:cNvSpPr>
-          <p:nvPr>
-            <p:ph idx="1"/>
-          </p:nvPr>
-        </p:nvSpPr>
-        <p:spPr/>
-        <p:txBody>
-          <a:bodyPr/>
-          <a:lstStyle/>
-          <a:p>
-            <a:r>
-              <a:rPr lang="en-US" dirty="0"/>
-              <a:t>This is the final slide to show. </a:t>
-            </a:r>
-          </a:p>
-          <a:p>
-            <a:r>
-              <a:rPr lang="en-US" dirty="0"/>
-              <a:t>Discuss the conclusion</a:t>
-            </a:r>
-          </a:p>
-          <a:p>
-            <a:r>
-              <a:rPr lang="en-US" dirty="0"/>
-              <a:t>Answer questions</a:t>
-            </a:r>
-          </a:p>
-          <a:p>
-            <a:r>
-              <a:rPr lang="en-US" dirty="0"/>
-              <a:t>All done</a:t>
-            </a:r>
-          </a:p>
-        </p:txBody>
-      </p:sp>
-    </p:spTree>
-    <p:extLst>
-      <p:ext uri="{BB962C8B-B14F-4D97-AF65-F5344CB8AC3E}">
-        <p14:creationId xmlns:p14="http://schemas.microsoft.com/office/powerpoint/2010/main" val="3270289665"/>
-      </p:ext>
-    </p:extLst>
-  </p:cSld>
-  <p:clrMapOvr>
-    <a:masterClrMapping/>
-  </p:clrMapOvr>
-</p:sld>
-</file>
-
-<file path=ppt/slides/slide21.xml><?xml version="1.0" encoding="utf-8"?>
-<p:sld xmlns:a="http://schemas.openxmlformats.org/drawingml/2006/main" xmlns:r="http://schemas.openxmlformats.org/officeDocument/2006/relationships" xmlns:p="http://schemas.openxmlformats.org/presentationml/2006/main">
-  <p:cSld>
-    <p:spTree>
-      <p:nvGrpSpPr>
-        <p:cNvPr id="1" name=""/>
-        <p:cNvGrpSpPr/>
-        <p:nvPr/>
-      </p:nvGrpSpPr>
-      <p:grpSpPr>
-        <a:xfrm>
-          <a:off x="0" y="0"/>
-          <a:ext cx="0" cy="0"/>
-          <a:chOff x="0" y="0"/>
-          <a:chExt cx="0" cy="0"/>
-        </a:xfrm>
-      </p:grpSpPr>
-      <p:sp>
-        <p:nvSpPr>
-          <p:cNvPr id="2" name="Title 1">
-            <a:extLst>
-              <a:ext uri="{FF2B5EF4-FFF2-40B4-BE49-F238E27FC236}">
                 <a16:creationId xmlns:a16="http://schemas.microsoft.com/office/drawing/2014/main" id="{518385AD-FF88-4C84-8AD4-B7C3F352FD83}"/>
               </a:ext>
             </a:extLst>
@@ -18338,10 +18977,49 @@
           <a:bodyPr/>
           <a:lstStyle/>
           <a:p>
+            <a:pPr>
+              <a:lnSpc>
+                <a:spcPct val="200000"/>
+              </a:lnSpc>
+            </a:pPr>
             <a:r>
-              <a:rPr lang="en-US" dirty="0"/>
-              <a:t>Don’t show this (Only if somebody asks)</a:t>
+              <a:rPr lang="en-US" dirty="0">
+                <a:hlinkClick r:id="rId2"/>
+              </a:rPr>
+              <a:t>https://github.com/Microsoft/AirSim</a:t>
             </a:r>
+            <a:endParaRPr lang="en-US" dirty="0"/>
+          </a:p>
+          <a:p>
+            <a:pPr>
+              <a:lnSpc>
+                <a:spcPct val="200000"/>
+              </a:lnSpc>
+            </a:pPr>
+            <a:r>
+              <a:rPr lang="en-US" dirty="0">
+                <a:hlinkClick r:id="rId3"/>
+              </a:rPr>
+              <a:t>https://github.com/FSTDriverless/AirSim</a:t>
+            </a:r>
+            <a:endParaRPr lang="en-US" dirty="0"/>
+          </a:p>
+          <a:p>
+            <a:pPr>
+              <a:lnSpc>
+                <a:spcPct val="200000"/>
+              </a:lnSpc>
+            </a:pPr>
+            <a:r>
+              <a:rPr lang="en-US" dirty="0">
+                <a:hlinkClick r:id="rId4"/>
+              </a:rPr>
+              <a:t>https://www.analyticsvidhya.com/blog/2016/12/21-deep-learning-videos-tutorials-courses-on-youtube-from-2016/</a:t>
+            </a:r>
+            <a:endParaRPr lang="en-US" dirty="0"/>
+          </a:p>
+          <a:p>
+            <a:endParaRPr lang="en-US" dirty="0"/>
           </a:p>
         </p:txBody>
       </p:sp>
@@ -20045,260 +20723,6 @@
           </a:prstGeom>
         </p:spPr>
       </p:pic>
-      <mc:AlternateContent xmlns:mc="http://schemas.openxmlformats.org/markup-compatibility/2006">
-        <mc:Choice xmlns:a14="http://schemas.microsoft.com/office/drawing/2010/main" Requires="a14">
-          <p:sp>
-            <p:nvSpPr>
-              <p:cNvPr id="35" name="TextBox 34">
-                <a:extLst>
-                  <a:ext uri="{FF2B5EF4-FFF2-40B4-BE49-F238E27FC236}">
-                    <a16:creationId xmlns:a16="http://schemas.microsoft.com/office/drawing/2014/main" id="{66F09434-5356-4E86-B75C-14BD39C97624}"/>
-                  </a:ext>
-                </a:extLst>
-              </p:cNvPr>
-              <p:cNvSpPr txBox="1"/>
-              <p:nvPr/>
-            </p:nvSpPr>
-            <p:spPr>
-              <a:xfrm>
-                <a:off x="3294227" y="4785343"/>
-                <a:ext cx="7161032" cy="1379608"/>
-              </a:xfrm>
-              <a:prstGeom prst="rect">
-                <a:avLst/>
-              </a:prstGeom>
-              <a:noFill/>
-            </p:spPr>
-            <p:txBody>
-              <a:bodyPr wrap="square" lIns="0" tIns="0" rIns="0" bIns="0" rtlCol="0">
-                <a:spAutoFit/>
-              </a:bodyPr>
-              <a:lstStyle/>
-              <a:p>
-                <a:pPr/>
-                <a14:m>
-                  <m:oMathPara xmlns:m="http://schemas.openxmlformats.org/officeDocument/2006/math">
-                    <m:oMathParaPr>
-                      <m:jc m:val="centerGroup"/>
-                    </m:oMathParaPr>
-                    <m:oMath xmlns:m="http://schemas.openxmlformats.org/officeDocument/2006/math">
-                      <m:r>
-                        <m:rPr>
-                          <m:nor/>
-                        </m:rPr>
-                        <a:rPr lang="en-US" sz="2400" b="0" i="0" dirty="0" smtClean="0"/>
-                        <m:t>?</m:t>
-                      </m:r>
-                      <m:r>
-                        <a:rPr lang="en-US" sz="2400" b="0" i="1" dirty="0" smtClean="0">
-                          <a:latin typeface="Cambria Math" panose="02040503050406030204" pitchFamily="18" charset="0"/>
-                        </a:rPr>
-                        <m:t>=</m:t>
-                      </m:r>
-                      <m:r>
-                        <m:rPr>
-                          <m:nor/>
-                        </m:rPr>
-                        <a:rPr lang="en-US" sz="2400" dirty="0"/>
-                        <m:t>Policy</m:t>
-                      </m:r>
-                      <m:d>
-                        <m:dPr>
-                          <m:ctrlPr>
-                            <a:rPr lang="en-US" sz="2400" i="1" smtClean="0">
-                              <a:latin typeface="Cambria Math" panose="02040503050406030204" pitchFamily="18" charset="0"/>
-                            </a:rPr>
-                          </m:ctrlPr>
-                        </m:dPr>
-                        <m:e>
-                          <m:d>
-                            <m:dPr>
-                              <m:ctrlPr>
-                                <a:rPr lang="en-US" sz="2400" i="1" smtClean="0">
-                                  <a:latin typeface="Cambria Math" panose="02040503050406030204" pitchFamily="18" charset="0"/>
-                                </a:rPr>
-                              </m:ctrlPr>
-                            </m:dPr>
-                            <m:e>
-                              <m:m>
-                                <m:mPr>
-                                  <m:mcs>
-                                    <m:mc>
-                                      <m:mcPr>
-                                        <m:count m:val="1"/>
-                                        <m:mcJc m:val="center"/>
-                                      </m:mcPr>
-                                    </m:mc>
-                                  </m:mcs>
-                                  <m:ctrlPr>
-                                    <a:rPr lang="en-US" sz="2400" i="1" smtClean="0">
-                                      <a:latin typeface="Cambria Math" panose="02040503050406030204" pitchFamily="18" charset="0"/>
-                                    </a:rPr>
-                                  </m:ctrlPr>
-                                </m:mPr>
-                                <m:mr>
-                                  <m:e>
-                                    <m:r>
-                                      <m:rPr>
-                                        <m:brk m:alnAt="7"/>
-                                      </m:rPr>
-                                      <a:rPr lang="en-US" sz="2400" b="0" i="1" smtClean="0">
-                                        <a:latin typeface="Cambria Math" panose="02040503050406030204" pitchFamily="18" charset="0"/>
-                                      </a:rPr>
-                                      <m:t>𝑠</m:t>
-                                    </m:r>
-                                    <m:r>
-                                      <a:rPr lang="en-US" sz="2400" b="0" i="1" smtClean="0">
-                                        <a:latin typeface="Cambria Math" panose="02040503050406030204" pitchFamily="18" charset="0"/>
-                                      </a:rPr>
-                                      <m:t>𝑡𝑟𝑒𝑒𝑟</m:t>
-                                    </m:r>
-                                  </m:e>
-                                </m:mr>
-                                <m:mr>
-                                  <m:e>
-                                    <m:r>
-                                      <a:rPr lang="en-US" sz="2400" b="0" i="1" smtClean="0">
-                                        <a:latin typeface="Cambria Math" panose="02040503050406030204" pitchFamily="18" charset="0"/>
-                                      </a:rPr>
-                                      <m:t>𝑔𝑎𝑠</m:t>
-                                    </m:r>
-                                    <m:r>
-                                      <a:rPr lang="en-US" sz="2400" b="0" i="1" smtClean="0">
-                                        <a:latin typeface="Cambria Math" panose="02040503050406030204" pitchFamily="18" charset="0"/>
-                                      </a:rPr>
-                                      <m:t>/</m:t>
-                                    </m:r>
-                                    <m:r>
-                                      <a:rPr lang="en-US" sz="2400" b="0" i="1" smtClean="0">
-                                        <a:latin typeface="Cambria Math" panose="02040503050406030204" pitchFamily="18" charset="0"/>
-                                      </a:rPr>
-                                      <m:t>𝑏𝑟𝑒𝑎𝑘</m:t>
-                                    </m:r>
-                                  </m:e>
-                                </m:mr>
-                              </m:m>
-                            </m:e>
-                          </m:d>
-                          <m:r>
-                            <a:rPr lang="en-US" sz="2400" b="0" i="1" smtClean="0">
-                              <a:latin typeface="Cambria Math" panose="02040503050406030204" pitchFamily="18" charset="0"/>
-                            </a:rPr>
-                            <m:t>, </m:t>
-                          </m:r>
-                          <m:d>
-                            <m:dPr>
-                              <m:ctrlPr>
-                                <a:rPr lang="en-US" sz="2400" i="1" smtClean="0">
-                                  <a:latin typeface="Cambria Math" panose="02040503050406030204" pitchFamily="18" charset="0"/>
-                                </a:rPr>
-                              </m:ctrlPr>
-                            </m:dPr>
-                            <m:e>
-                              <m:m>
-                                <m:mPr>
-                                  <m:mcs>
-                                    <m:mc>
-                                      <m:mcPr>
-                                        <m:count m:val="1"/>
-                                        <m:mcJc m:val="center"/>
-                                      </m:mcPr>
-                                    </m:mc>
-                                  </m:mcs>
-                                  <m:ctrlPr>
-                                    <a:rPr lang="en-US" sz="2400" i="1" smtClean="0">
-                                      <a:latin typeface="Cambria Math" panose="02040503050406030204" pitchFamily="18" charset="0"/>
-                                    </a:rPr>
-                                  </m:ctrlPr>
-                                </m:mPr>
-                                <m:mr>
-                                  <m:e>
-                                    <m:r>
-                                      <a:rPr lang="en-US" sz="2400" b="0" i="1" smtClean="0">
-                                        <a:latin typeface="Cambria Math" panose="02040503050406030204" pitchFamily="18" charset="0"/>
-                                      </a:rPr>
-                                      <m:t>𝑉𝑒𝑙𝑜𝑐𝑖𝑡𝑦</m:t>
-                                    </m:r>
-                                  </m:e>
-                                </m:mr>
-                                <m:mr>
-                                  <m:e>
-                                    <m:r>
-                                      <a:rPr lang="en-US" sz="2400" b="0" i="1" smtClean="0">
-                                        <a:latin typeface="Cambria Math" panose="02040503050406030204" pitchFamily="18" charset="0"/>
-                                      </a:rPr>
-                                      <m:t>𝐴𝑐𝑐𝑒𝑙𝑒𝑟𝑎𝑡𝑖𝑜𝑛</m:t>
-                                    </m:r>
-                                  </m:e>
-                                </m:mr>
-                                <m:mr>
-                                  <m:e>
-                                    <m:r>
-                                      <a:rPr lang="en-US" sz="2400" b="0" i="1" smtClean="0">
-                                        <a:latin typeface="Cambria Math" panose="02040503050406030204" pitchFamily="18" charset="0"/>
-                                      </a:rPr>
-                                      <m:t>𝐿𝑎𝑛𝑒𝑠</m:t>
-                                    </m:r>
-                                  </m:e>
-                                </m:mr>
-                              </m:m>
-                            </m:e>
-                          </m:d>
-                        </m:e>
-                      </m:d>
-                    </m:oMath>
-                  </m:oMathPara>
-                </a14:m>
-                <a:endParaRPr lang="en-US" sz="2400" dirty="0"/>
-              </a:p>
-            </p:txBody>
-          </p:sp>
-        </mc:Choice>
-        <mc:Fallback>
-          <p:sp>
-            <p:nvSpPr>
-              <p:cNvPr id="35" name="TextBox 34">
-                <a:extLst>
-                  <a:ext uri="{FF2B5EF4-FFF2-40B4-BE49-F238E27FC236}">
-                    <a16:creationId xmlns:a16="http://schemas.microsoft.com/office/drawing/2014/main" id="{66F09434-5356-4E86-B75C-14BD39C97624}"/>
-                  </a:ext>
-                </a:extLst>
-              </p:cNvPr>
-              <p:cNvSpPr txBox="1">
-                <a:spLocks noRot="1" noChangeAspect="1" noMove="1" noResize="1" noEditPoints="1" noAdjustHandles="1" noChangeArrowheads="1" noChangeShapeType="1" noTextEdit="1"/>
-              </p:cNvSpPr>
-              <p:nvPr/>
-            </p:nvSpPr>
-            <p:spPr>
-              <a:xfrm>
-                <a:off x="3294227" y="4785343"/>
-                <a:ext cx="7161032" cy="1379608"/>
-              </a:xfrm>
-              <a:prstGeom prst="rect">
-                <a:avLst/>
-              </a:prstGeom>
-              <a:blipFill>
-                <a:blip r:embed="rId3"/>
-                <a:stretch>
-                  <a:fillRect/>
-                </a:stretch>
-              </a:blipFill>
-            </p:spPr>
-            <p:txBody>
-              <a:bodyPr/>
-              <a:lstStyle/>
-              <a:p>
-                <a:r>
-                  <a:rPr lang="en-US">
-                    <a:noFill/>
-                  </a:rPr>
-                  <a:t> </a:t>
-                </a:r>
-              </a:p>
-            </p:txBody>
-          </p:sp>
-        </mc:Fallback>
-      </mc:AlternateContent>
       <p:sp>
         <p:nvSpPr>
           <p:cNvPr id="36" name="TextBox 35">
@@ -23231,8 +23655,8 @@
         </p:nvCxnSpPr>
         <p:spPr>
           <a:xfrm flipH="1" flipV="1">
-            <a:off x="9353970" y="5974191"/>
-            <a:ext cx="1584466" cy="514307"/>
+            <a:off x="9577865" y="4078458"/>
+            <a:ext cx="979299" cy="998390"/>
           </a:xfrm>
           <a:prstGeom prst="straightConnector1">
             <a:avLst/>
@@ -23277,9 +23701,9 @@
           <p:nvPr/>
         </p:nvCxnSpPr>
         <p:spPr>
-          <a:xfrm flipH="1">
-            <a:off x="9845277" y="4969396"/>
-            <a:ext cx="1220157" cy="465817"/>
+          <a:xfrm flipV="1">
+            <a:off x="6361185" y="4147272"/>
+            <a:ext cx="1550949" cy="951664"/>
           </a:xfrm>
           <a:prstGeom prst="straightConnector1">
             <a:avLst/>
@@ -23324,9 +23748,9 @@
           <p:nvPr/>
         </p:nvCxnSpPr>
         <p:spPr>
-          <a:xfrm flipH="1">
-            <a:off x="9619486" y="4977087"/>
-            <a:ext cx="1445950" cy="140621"/>
+          <a:xfrm flipV="1">
+            <a:off x="6361186" y="3884531"/>
+            <a:ext cx="1155895" cy="1222096"/>
           </a:xfrm>
           <a:prstGeom prst="straightConnector1">
             <a:avLst/>
@@ -23370,7 +23794,7 @@
         </p:nvSpPr>
         <p:spPr>
           <a:xfrm>
-            <a:off x="11184553" y="4753725"/>
+            <a:off x="5908452" y="5219769"/>
             <a:ext cx="752492" cy="430887"/>
           </a:xfrm>
           <a:prstGeom prst="rect">
@@ -23387,41 +23811,6 @@
             <a:r>
               <a:rPr lang="en-US" sz="2200" dirty="0"/>
               <a:t>IMU</a:t>
-            </a:r>
-          </a:p>
-        </p:txBody>
-      </p:sp>
-      <p:sp>
-        <p:nvSpPr>
-          <p:cNvPr id="184" name="TextBox 183">
-            <a:extLst>
-              <a:ext uri="{FF2B5EF4-FFF2-40B4-BE49-F238E27FC236}">
-                <a16:creationId xmlns:a16="http://schemas.microsoft.com/office/drawing/2014/main" id="{1E391BB8-B5FD-42EB-9B64-93D9B702BDFC}"/>
-              </a:ext>
-            </a:extLst>
-          </p:cNvPr>
-          <p:cNvSpPr txBox="1"/>
-          <p:nvPr/>
-        </p:nvSpPr>
-        <p:spPr>
-          <a:xfrm>
-            <a:off x="4640035" y="6273054"/>
-            <a:ext cx="2358307" cy="430887"/>
-          </a:xfrm>
-          <a:prstGeom prst="rect">
-            <a:avLst/>
-          </a:prstGeom>
-          <a:noFill/>
-        </p:spPr>
-        <p:txBody>
-          <a:bodyPr wrap="square" rtlCol="0">
-            <a:spAutoFit/>
-          </a:bodyPr>
-          <a:lstStyle/>
-          <a:p>
-            <a:r>
-              <a:rPr lang="en-US" sz="2200" dirty="0"/>
-              <a:t>Action</a:t>
             </a:r>
           </a:p>
         </p:txBody>
@@ -23521,53 +23910,6 @@
           </p:sp>
         </mc:Fallback>
       </mc:AlternateContent>
-      <p:cxnSp>
-        <p:nvCxnSpPr>
-          <p:cNvPr id="83" name="Straight Arrow Connector 82">
-            <a:extLst>
-              <a:ext uri="{FF2B5EF4-FFF2-40B4-BE49-F238E27FC236}">
-                <a16:creationId xmlns:a16="http://schemas.microsoft.com/office/drawing/2014/main" id="{C93A132C-A6BF-4993-8F37-AFFD5667D8C3}"/>
-              </a:ext>
-            </a:extLst>
-          </p:cNvPr>
-          <p:cNvCxnSpPr>
-            <a:cxnSpLocks/>
-          </p:cNvCxnSpPr>
-          <p:nvPr/>
-        </p:nvCxnSpPr>
-        <p:spPr>
-          <a:xfrm flipV="1">
-            <a:off x="5281446" y="6014115"/>
-            <a:ext cx="936474" cy="312611"/>
-          </a:xfrm>
-          <a:prstGeom prst="straightConnector1">
-            <a:avLst/>
-          </a:prstGeom>
-          <a:ln w="28575">
-            <a:solidFill>
-              <a:schemeClr val="accent2">
-                <a:lumMod val="75000"/>
-              </a:schemeClr>
-            </a:solidFill>
-            <a:prstDash val="dash"/>
-            <a:tailEnd type="triangle"/>
-          </a:ln>
-        </p:spPr>
-        <p:style>
-          <a:lnRef idx="1">
-            <a:schemeClr val="accent1"/>
-          </a:lnRef>
-          <a:fillRef idx="0">
-            <a:schemeClr val="accent1"/>
-          </a:fillRef>
-          <a:effectRef idx="0">
-            <a:schemeClr val="accent1"/>
-          </a:effectRef>
-          <a:fontRef idx="minor">
-            <a:schemeClr val="tx1"/>
-          </a:fontRef>
-        </p:style>
-      </p:cxnSp>
       <p:sp>
         <p:nvSpPr>
           <p:cNvPr id="90" name="TextBox 89">
@@ -23582,7 +23924,7 @@
         </p:nvSpPr>
         <p:spPr>
           <a:xfrm>
-            <a:off x="10174646" y="6349004"/>
+            <a:off x="9507149" y="5210989"/>
             <a:ext cx="2358307" cy="430887"/>
           </a:xfrm>
           <a:prstGeom prst="rect">
@@ -23660,358 +24002,14 @@
               </a:lnSpc>
             </a:pPr>
             <a:r>
-              <a:rPr lang="en-US" i="1" dirty="0"/>
-              <a:t>Markov Decision Process </a:t>
-            </a:r>
-            <a:r>
               <a:rPr lang="en-US" dirty="0"/>
-              <a:t>(</a:t>
-            </a:r>
-            <a:r>
-              <a:rPr lang="en-US" b="1" dirty="0"/>
-              <a:t>MDP</a:t>
-            </a:r>
-            <a:r>
-              <a:rPr lang="en-US" dirty="0"/>
-              <a:t>)</a:t>
+              <a:t>’Curse of Dimensionlity’</a:t>
             </a:r>
           </a:p>
         </p:txBody>
       </p:sp>
-      <p:pic>
-        <p:nvPicPr>
-          <p:cNvPr id="5" name="Picture 4">
-            <a:extLst>
-              <a:ext uri="{FF2B5EF4-FFF2-40B4-BE49-F238E27FC236}">
-                <a16:creationId xmlns:a16="http://schemas.microsoft.com/office/drawing/2014/main" id="{C4633CBC-2859-4573-964A-19937E824726}"/>
-              </a:ext>
-            </a:extLst>
-          </p:cNvPr>
-          <p:cNvPicPr>
-            <a:picLocks noChangeAspect="1"/>
-          </p:cNvPicPr>
-          <p:nvPr/>
-        </p:nvPicPr>
-        <p:blipFill>
-          <a:blip r:embed="rId2"/>
-          <a:stretch>
-            <a:fillRect/>
-          </a:stretch>
-        </p:blipFill>
-        <p:spPr>
-          <a:xfrm>
-            <a:off x="838200" y="2106068"/>
-            <a:ext cx="5394033" cy="840375"/>
-          </a:xfrm>
-          <a:prstGeom prst="rect">
-            <a:avLst/>
-          </a:prstGeom>
-        </p:spPr>
-      </p:pic>
-      <p:pic>
-        <p:nvPicPr>
-          <p:cNvPr id="6" name="Picture 5">
-            <a:extLst>
-              <a:ext uri="{FF2B5EF4-FFF2-40B4-BE49-F238E27FC236}">
-                <a16:creationId xmlns:a16="http://schemas.microsoft.com/office/drawing/2014/main" id="{E96CEFA3-2830-43D1-99C0-38FFF018C04E}"/>
-              </a:ext>
-            </a:extLst>
-          </p:cNvPr>
-          <p:cNvPicPr>
-            <a:picLocks noChangeAspect="1"/>
-          </p:cNvPicPr>
-          <p:nvPr/>
-        </p:nvPicPr>
-        <p:blipFill>
-          <a:blip r:embed="rId3"/>
-          <a:stretch>
-            <a:fillRect/>
-          </a:stretch>
-        </p:blipFill>
-        <p:spPr>
-          <a:xfrm>
-            <a:off x="879528" y="2967252"/>
-            <a:ext cx="3717883" cy="711012"/>
-          </a:xfrm>
-          <a:prstGeom prst="rect">
-            <a:avLst/>
-          </a:prstGeom>
-        </p:spPr>
-      </p:pic>
-      <p:pic>
-        <p:nvPicPr>
-          <p:cNvPr id="4" name="Picture 3">
-            <a:extLst>
-              <a:ext uri="{FF2B5EF4-FFF2-40B4-BE49-F238E27FC236}">
-                <a16:creationId xmlns:a16="http://schemas.microsoft.com/office/drawing/2014/main" id="{51AE3875-2B3C-4AF8-90FC-D452D37DE619}"/>
-              </a:ext>
-            </a:extLst>
-          </p:cNvPr>
-          <p:cNvPicPr>
-            <a:picLocks noChangeAspect="1"/>
-          </p:cNvPicPr>
-          <p:nvPr/>
-        </p:nvPicPr>
-        <p:blipFill>
-          <a:blip r:embed="rId4"/>
-          <a:stretch>
-            <a:fillRect/>
-          </a:stretch>
-        </p:blipFill>
-        <p:spPr>
-          <a:xfrm>
-            <a:off x="6232233" y="2026781"/>
-            <a:ext cx="5959767" cy="4559084"/>
-          </a:xfrm>
-          <a:prstGeom prst="rect">
-            <a:avLst/>
-          </a:prstGeom>
-        </p:spPr>
-      </p:pic>
-      <p:pic>
-        <p:nvPicPr>
-          <p:cNvPr id="9" name="Picture 8">
-            <a:extLst>
-              <a:ext uri="{FF2B5EF4-FFF2-40B4-BE49-F238E27FC236}">
-                <a16:creationId xmlns:a16="http://schemas.microsoft.com/office/drawing/2014/main" id="{B649FAA2-F6D1-4527-8871-62C8443C03F8}"/>
-              </a:ext>
-            </a:extLst>
-          </p:cNvPr>
-          <p:cNvPicPr>
-            <a:picLocks noChangeAspect="1"/>
-          </p:cNvPicPr>
-          <p:nvPr/>
-        </p:nvPicPr>
-        <p:blipFill>
-          <a:blip r:embed="rId5"/>
-          <a:stretch>
-            <a:fillRect/>
-          </a:stretch>
-        </p:blipFill>
-        <p:spPr>
-          <a:xfrm>
-            <a:off x="933414" y="4154394"/>
-            <a:ext cx="3728436" cy="497651"/>
-          </a:xfrm>
-          <a:prstGeom prst="rect">
-            <a:avLst/>
-          </a:prstGeom>
-        </p:spPr>
-      </p:pic>
-      <p:pic>
-        <p:nvPicPr>
-          <p:cNvPr id="10" name="Picture 9">
-            <a:extLst>
-              <a:ext uri="{FF2B5EF4-FFF2-40B4-BE49-F238E27FC236}">
-                <a16:creationId xmlns:a16="http://schemas.microsoft.com/office/drawing/2014/main" id="{DE1B6867-A6AB-41BD-B1EF-8ACA89578686}"/>
-              </a:ext>
-            </a:extLst>
-          </p:cNvPr>
-          <p:cNvPicPr>
-            <a:picLocks noChangeAspect="1"/>
-          </p:cNvPicPr>
-          <p:nvPr/>
-        </p:nvPicPr>
-        <p:blipFill>
-          <a:blip r:embed="rId6"/>
-          <a:stretch>
-            <a:fillRect/>
-          </a:stretch>
-        </p:blipFill>
-        <p:spPr>
-          <a:xfrm>
-            <a:off x="879528" y="4700365"/>
-            <a:ext cx="3782322" cy="674307"/>
-          </a:xfrm>
-          <a:prstGeom prst="rect">
-            <a:avLst/>
-          </a:prstGeom>
-        </p:spPr>
-      </p:pic>
-      <p:sp>
-        <p:nvSpPr>
-          <p:cNvPr id="11" name="Rectangle 10">
-            <a:extLst>
-              <a:ext uri="{FF2B5EF4-FFF2-40B4-BE49-F238E27FC236}">
-                <a16:creationId xmlns:a16="http://schemas.microsoft.com/office/drawing/2014/main" id="{34FEFE94-DEC0-496D-A04E-9659C05E17E4}"/>
-              </a:ext>
-            </a:extLst>
-          </p:cNvPr>
-          <p:cNvSpPr/>
-          <p:nvPr/>
-        </p:nvSpPr>
-        <p:spPr>
-          <a:xfrm>
-            <a:off x="545957" y="6432827"/>
-            <a:ext cx="11522056" cy="369332"/>
-          </a:xfrm>
-          <a:prstGeom prst="rect">
-            <a:avLst/>
-          </a:prstGeom>
-        </p:spPr>
-        <p:txBody>
-          <a:bodyPr wrap="square">
-            <a:spAutoFit/>
-          </a:bodyPr>
-          <a:lstStyle/>
-          <a:p>
-            <a:r>
-              <a:rPr lang="en-US" dirty="0">
-                <a:hlinkClick r:id="rId7"/>
-              </a:rPr>
-              <a:t>https://towardsdatascience.com/reinforcement-learning-demystified-markov-decision-processes-part-1-bf00dda41690</a:t>
-            </a:r>
-            <a:endParaRPr lang="en-US" dirty="0"/>
-          </a:p>
-        </p:txBody>
-      </p:sp>
-      <p:cxnSp>
-        <p:nvCxnSpPr>
-          <p:cNvPr id="18" name="Straight Arrow Connector 17">
-            <a:extLst>
-              <a:ext uri="{FF2B5EF4-FFF2-40B4-BE49-F238E27FC236}">
-                <a16:creationId xmlns:a16="http://schemas.microsoft.com/office/drawing/2014/main" id="{2E653922-B8BA-4873-9171-160D3813EC0F}"/>
-              </a:ext>
-            </a:extLst>
-          </p:cNvPr>
-          <p:cNvCxnSpPr>
-            <a:cxnSpLocks/>
-          </p:cNvCxnSpPr>
-          <p:nvPr/>
-        </p:nvCxnSpPr>
-        <p:spPr>
-          <a:xfrm flipV="1">
-            <a:off x="3645140" y="3938100"/>
-            <a:ext cx="3282602" cy="409658"/>
-          </a:xfrm>
-          <a:prstGeom prst="straightConnector1">
-            <a:avLst/>
-          </a:prstGeom>
-          <a:ln>
-            <a:tailEnd type="triangle"/>
-          </a:ln>
-        </p:spPr>
-        <p:style>
-          <a:lnRef idx="1">
-            <a:schemeClr val="accent1"/>
-          </a:lnRef>
-          <a:fillRef idx="0">
-            <a:schemeClr val="accent1"/>
-          </a:fillRef>
-          <a:effectRef idx="0">
-            <a:schemeClr val="accent1"/>
-          </a:effectRef>
-          <a:fontRef idx="minor">
-            <a:schemeClr val="tx1"/>
-          </a:fontRef>
-        </p:style>
-      </p:cxnSp>
-      <p:cxnSp>
-        <p:nvCxnSpPr>
-          <p:cNvPr id="19" name="Straight Arrow Connector 18">
-            <a:extLst>
-              <a:ext uri="{FF2B5EF4-FFF2-40B4-BE49-F238E27FC236}">
-                <a16:creationId xmlns:a16="http://schemas.microsoft.com/office/drawing/2014/main" id="{45F0C56B-E4AF-487A-B516-EE29ED6935A7}"/>
-              </a:ext>
-            </a:extLst>
-          </p:cNvPr>
-          <p:cNvCxnSpPr>
-            <a:cxnSpLocks/>
-          </p:cNvCxnSpPr>
-          <p:nvPr/>
-        </p:nvCxnSpPr>
-        <p:spPr>
-          <a:xfrm flipV="1">
-            <a:off x="3399854" y="2977277"/>
-            <a:ext cx="4130298" cy="1274155"/>
-          </a:xfrm>
-          <a:prstGeom prst="straightConnector1">
-            <a:avLst/>
-          </a:prstGeom>
-          <a:ln>
-            <a:tailEnd type="triangle"/>
-          </a:ln>
-        </p:spPr>
-        <p:style>
-          <a:lnRef idx="1">
-            <a:schemeClr val="accent1"/>
-          </a:lnRef>
-          <a:fillRef idx="0">
-            <a:schemeClr val="accent1"/>
-          </a:fillRef>
-          <a:effectRef idx="0">
-            <a:schemeClr val="accent1"/>
-          </a:effectRef>
-          <a:fontRef idx="minor">
-            <a:schemeClr val="tx1"/>
-          </a:fontRef>
-        </p:style>
-      </p:cxnSp>
-    </p:spTree>
-    <p:extLst>
-      <p:ext uri="{BB962C8B-B14F-4D97-AF65-F5344CB8AC3E}">
-        <p14:creationId xmlns:p14="http://schemas.microsoft.com/office/powerpoint/2010/main" val="3801174318"/>
-      </p:ext>
-    </p:extLst>
-  </p:cSld>
-  <p:clrMapOvr>
-    <a:masterClrMapping/>
-  </p:clrMapOvr>
-</p:sld>
-</file>
-
-<file path=ppt/slides/slide6.xml><?xml version="1.0" encoding="utf-8"?>
-<p:sld xmlns:a="http://schemas.openxmlformats.org/drawingml/2006/main" xmlns:r="http://schemas.openxmlformats.org/officeDocument/2006/relationships" xmlns:p="http://schemas.openxmlformats.org/presentationml/2006/main">
-  <p:cSld>
-    <p:spTree>
-      <p:nvGrpSpPr>
-        <p:cNvPr id="1" name=""/>
-        <p:cNvGrpSpPr/>
-        <p:nvPr/>
-      </p:nvGrpSpPr>
-      <p:grpSpPr>
-        <a:xfrm>
-          <a:off x="0" y="0"/>
-          <a:ext cx="0" cy="0"/>
-          <a:chOff x="0" y="0"/>
-          <a:chExt cx="0" cy="0"/>
-        </a:xfrm>
-      </p:grpSpPr>
-      <p:sp>
-        <p:nvSpPr>
-          <p:cNvPr id="2" name="Title 1">
-            <a:extLst>
-              <a:ext uri="{FF2B5EF4-FFF2-40B4-BE49-F238E27FC236}">
-                <a16:creationId xmlns:a16="http://schemas.microsoft.com/office/drawing/2014/main" id="{26D0324A-3E4A-4EAA-9B9A-8A08DE8CEEFE}"/>
-              </a:ext>
-            </a:extLst>
-          </p:cNvPr>
-          <p:cNvSpPr>
-            <a:spLocks noGrp="1"/>
-          </p:cNvSpPr>
-          <p:nvPr>
-            <p:ph type="title"/>
-          </p:nvPr>
-        </p:nvSpPr>
-        <p:spPr/>
-        <p:txBody>
-          <a:bodyPr/>
-          <a:lstStyle/>
-          <a:p>
-            <a:pPr>
-              <a:lnSpc>
-                <a:spcPct val="150000"/>
-              </a:lnSpc>
-            </a:pPr>
-            <a:r>
-              <a:rPr lang="en-US" dirty="0"/>
-              <a:t>‘Curse of Dimensionlity’</a:t>
-            </a:r>
-          </a:p>
-        </p:txBody>
-      </p:sp>
-      <mc:AlternateContent xmlns:mc="http://schemas.openxmlformats.org/markup-compatibility/2006">
-        <mc:Choice xmlns:a14="http://schemas.microsoft.com/office/drawing/2010/main" Requires="a14">
+      <mc:AlternateContent xmlns:mc="http://schemas.openxmlformats.org/markup-compatibility/2006" xmlns:a14="http://schemas.microsoft.com/office/drawing/2010/main">
+        <mc:Choice Requires="a14">
           <p:sp>
             <p:nvSpPr>
               <p:cNvPr id="3" name="Content Placeholder 2">
@@ -24289,7 +24287,7 @@
             </p:txBody>
           </p:sp>
         </mc:Choice>
-        <mc:Fallback>
+        <mc:Fallback xmlns="">
           <p:sp>
             <p:nvSpPr>
               <p:cNvPr id="3" name="Content Placeholder 2">
@@ -24379,6 +24377,168 @@
 </p:sld>
 </file>
 
+<file path=ppt/slides/slide6.xml><?xml version="1.0" encoding="utf-8"?>
+<p:sld xmlns:a="http://schemas.openxmlformats.org/drawingml/2006/main" xmlns:r="http://schemas.openxmlformats.org/officeDocument/2006/relationships" xmlns:p="http://schemas.openxmlformats.org/presentationml/2006/main">
+  <p:cSld>
+    <p:spTree>
+      <p:nvGrpSpPr>
+        <p:cNvPr id="1" name=""/>
+        <p:cNvGrpSpPr/>
+        <p:nvPr/>
+      </p:nvGrpSpPr>
+      <p:grpSpPr>
+        <a:xfrm>
+          <a:off x="0" y="0"/>
+          <a:ext cx="0" cy="0"/>
+          <a:chOff x="0" y="0"/>
+          <a:chExt cx="0" cy="0"/>
+        </a:xfrm>
+      </p:grpSpPr>
+      <p:sp>
+        <p:nvSpPr>
+          <p:cNvPr id="2" name="Title 1">
+            <a:extLst>
+              <a:ext uri="{FF2B5EF4-FFF2-40B4-BE49-F238E27FC236}">
+                <a16:creationId xmlns:a16="http://schemas.microsoft.com/office/drawing/2014/main" id="{52F9B936-B7D4-4276-96D6-C208AB37AE49}"/>
+              </a:ext>
+            </a:extLst>
+          </p:cNvPr>
+          <p:cNvSpPr>
+            <a:spLocks noGrp="1"/>
+          </p:cNvSpPr>
+          <p:nvPr>
+            <p:ph type="title"/>
+          </p:nvPr>
+        </p:nvSpPr>
+        <p:spPr/>
+        <p:txBody>
+          <a:bodyPr/>
+          <a:lstStyle/>
+          <a:p>
+            <a:r>
+              <a:rPr lang="en-US" i="1" dirty="0"/>
+              <a:t>Steps</a:t>
+            </a:r>
+            <a:endParaRPr lang="en-US" dirty="0"/>
+          </a:p>
+        </p:txBody>
+      </p:sp>
+      <p:sp>
+        <p:nvSpPr>
+          <p:cNvPr id="3" name="Content Placeholder 2">
+            <a:extLst>
+              <a:ext uri="{FF2B5EF4-FFF2-40B4-BE49-F238E27FC236}">
+                <a16:creationId xmlns:a16="http://schemas.microsoft.com/office/drawing/2014/main" id="{CDB637C4-5358-4E44-B83C-FCC8D918AF0B}"/>
+              </a:ext>
+            </a:extLst>
+          </p:cNvPr>
+          <p:cNvSpPr>
+            <a:spLocks noGrp="1"/>
+          </p:cNvSpPr>
+          <p:nvPr>
+            <p:ph idx="1"/>
+          </p:nvPr>
+        </p:nvSpPr>
+        <p:spPr>
+          <a:xfrm>
+            <a:off x="838200" y="1825625"/>
+            <a:ext cx="10515600" cy="4351338"/>
+          </a:xfrm>
+        </p:spPr>
+        <p:txBody>
+          <a:bodyPr>
+            <a:normAutofit lnSpcReduction="10000"/>
+          </a:bodyPr>
+          <a:lstStyle/>
+          <a:p>
+            <a:pPr>
+              <a:lnSpc>
+                <a:spcPct val="150000"/>
+              </a:lnSpc>
+            </a:pPr>
+            <a:r>
+              <a:rPr lang="en-US" dirty="0"/>
+              <a:t>Step 1: Research for best environment</a:t>
+            </a:r>
+          </a:p>
+          <a:p>
+            <a:pPr>
+              <a:lnSpc>
+                <a:spcPct val="150000"/>
+              </a:lnSpc>
+            </a:pPr>
+            <a:r>
+              <a:rPr lang="en-US" dirty="0"/>
+              <a:t>Step 2: Proof of concept – AI learn how to stop before collision</a:t>
+            </a:r>
+          </a:p>
+          <a:p>
+            <a:pPr>
+              <a:lnSpc>
+                <a:spcPct val="150000"/>
+              </a:lnSpc>
+            </a:pPr>
+            <a:r>
+              <a:rPr lang="en-US" dirty="0"/>
+              <a:t>Step 3: AI learn to drive on a road</a:t>
+            </a:r>
+          </a:p>
+          <a:p>
+            <a:pPr lvl="1">
+              <a:lnSpc>
+                <a:spcPct val="150000"/>
+              </a:lnSpc>
+              <a:buFont typeface="Courier New" panose="02070309020205020404" pitchFamily="49" charset="0"/>
+              <a:buChar char="o"/>
+            </a:pPr>
+            <a:r>
+              <a:rPr lang="en-US" dirty="0"/>
+              <a:t>Problem: data preparation is hard</a:t>
+            </a:r>
+          </a:p>
+          <a:p>
+            <a:pPr>
+              <a:lnSpc>
+                <a:spcPct val="150000"/>
+              </a:lnSpc>
+            </a:pPr>
+            <a:r>
+              <a:rPr lang="en-US" dirty="0"/>
+              <a:t>Step 4: Use an environment with existing data</a:t>
+            </a:r>
+          </a:p>
+          <a:p>
+            <a:pPr>
+              <a:lnSpc>
+                <a:spcPct val="150000"/>
+              </a:lnSpc>
+            </a:pPr>
+            <a:r>
+              <a:rPr lang="en-US" dirty="0"/>
+              <a:t>Step 5 (future): Build step 4 on the FST challenge environment</a:t>
+            </a:r>
+          </a:p>
+          <a:p>
+            <a:pPr marL="0" indent="0">
+              <a:buNone/>
+            </a:pPr>
+            <a:endParaRPr lang="en-US" dirty="0"/>
+          </a:p>
+        </p:txBody>
+      </p:sp>
+    </p:spTree>
+    <p:extLst>
+      <p:ext uri="{BB962C8B-B14F-4D97-AF65-F5344CB8AC3E}">
+        <p14:creationId xmlns:p14="http://schemas.microsoft.com/office/powerpoint/2010/main" val="2127739647"/>
+      </p:ext>
+    </p:extLst>
+  </p:cSld>
+  <p:clrMapOvr>
+    <a:masterClrMapping/>
+  </p:clrMapOvr>
+</p:sld>
+</file>
+
 <file path=ppt/slides/slide7.xml><?xml version="1.0" encoding="utf-8"?>
 <p:sld xmlns:a="http://schemas.openxmlformats.org/drawingml/2006/main" xmlns:r="http://schemas.openxmlformats.org/officeDocument/2006/relationships" xmlns:p="http://schemas.openxmlformats.org/presentationml/2006/main">
   <p:cSld>
@@ -24401,7 +24561,7 @@
           <p:cNvPr id="2" name="Title 1">
             <a:extLst>
               <a:ext uri="{FF2B5EF4-FFF2-40B4-BE49-F238E27FC236}">
-                <a16:creationId xmlns:a16="http://schemas.microsoft.com/office/drawing/2014/main" id="{26D0324A-3E4A-4EAA-9B9A-8A08DE8CEEFE}"/>
+                <a16:creationId xmlns:a16="http://schemas.microsoft.com/office/drawing/2014/main" id="{52F9B936-B7D4-4276-96D6-C208AB37AE49}"/>
               </a:ext>
             </a:extLst>
           </p:cNvPr>
@@ -24417,28 +24577,90 @@
           <a:bodyPr/>
           <a:lstStyle/>
           <a:p>
+            <a:r>
+              <a:rPr lang="en-US" i="1" dirty="0"/>
+              <a:t>Step 1: Research for best training environment</a:t>
+            </a:r>
+            <a:endParaRPr lang="en-US" dirty="0"/>
+          </a:p>
+        </p:txBody>
+      </p:sp>
+      <p:sp>
+        <p:nvSpPr>
+          <p:cNvPr id="3" name="Content Placeholder 2">
+            <a:extLst>
+              <a:ext uri="{FF2B5EF4-FFF2-40B4-BE49-F238E27FC236}">
+                <a16:creationId xmlns:a16="http://schemas.microsoft.com/office/drawing/2014/main" id="{CDB637C4-5358-4E44-B83C-FCC8D918AF0B}"/>
+              </a:ext>
+            </a:extLst>
+          </p:cNvPr>
+          <p:cNvSpPr>
+            <a:spLocks noGrp="1"/>
+          </p:cNvSpPr>
+          <p:nvPr>
+            <p:ph idx="1"/>
+          </p:nvPr>
+        </p:nvSpPr>
+        <p:spPr>
+          <a:xfrm>
+            <a:off x="838200" y="1825625"/>
+            <a:ext cx="10515600" cy="4351338"/>
+          </a:xfrm>
+        </p:spPr>
+        <p:txBody>
+          <a:bodyPr/>
+          <a:lstStyle/>
+          <a:p>
             <a:pPr>
               <a:lnSpc>
                 <a:spcPct val="150000"/>
               </a:lnSpc>
             </a:pPr>
             <a:r>
-              <a:rPr lang="en-US" i="1" dirty="0"/>
-              <a:t>Exploration Exploitation </a:t>
+              <a:rPr lang="en-US" dirty="0" err="1"/>
+              <a:t>AirSim</a:t>
             </a:r>
+            <a:endParaRPr lang="en-US" dirty="0"/>
+          </a:p>
+          <a:p>
+            <a:pPr>
+              <a:lnSpc>
+                <a:spcPct val="150000"/>
+              </a:lnSpc>
+            </a:pPr>
             <a:r>
               <a:rPr lang="en-US" dirty="0"/>
-              <a:t>trade-off</a:t>
+              <a:t>rFactor2</a:t>
             </a:r>
+          </a:p>
+          <a:p>
+            <a:pPr>
+              <a:lnSpc>
+                <a:spcPct val="150000"/>
+              </a:lnSpc>
+            </a:pPr>
+            <a:r>
+              <a:rPr lang="en-US" dirty="0"/>
+              <a:t>Carla (MIT)</a:t>
+            </a:r>
+          </a:p>
+          <a:p>
+            <a:pPr marL="0" indent="0">
+              <a:lnSpc>
+                <a:spcPct val="150000"/>
+              </a:lnSpc>
+              <a:buNone/>
+            </a:pPr>
+            <a:endParaRPr lang="en-US" dirty="0"/>
           </a:p>
         </p:txBody>
       </p:sp>
       <p:sp>
         <p:nvSpPr>
-          <p:cNvPr id="4" name="Arrow: Left-Right 3">
+          <p:cNvPr id="4" name="Rectangle 3">
             <a:extLst>
               <a:ext uri="{FF2B5EF4-FFF2-40B4-BE49-F238E27FC236}">
-                <a16:creationId xmlns:a16="http://schemas.microsoft.com/office/drawing/2014/main" id="{A47C97DE-41E2-4304-AE22-0DC297ACA7E8}"/>
+                <a16:creationId xmlns:a16="http://schemas.microsoft.com/office/drawing/2014/main" id="{69268C28-68B3-134B-9946-E9B7EDCBCA4A}"/>
               </a:ext>
             </a:extLst>
           </p:cNvPr>
@@ -24446,55 +24668,9 @@
           <p:nvPr/>
         </p:nvSpPr>
         <p:spPr>
-          <a:xfrm>
-            <a:off x="2825858" y="2918847"/>
-            <a:ext cx="6328474" cy="826577"/>
-          </a:xfrm>
-          <a:prstGeom prst="leftRightArrow">
-            <a:avLst/>
-          </a:prstGeom>
-        </p:spPr>
-        <p:style>
-          <a:lnRef idx="2">
-            <a:schemeClr val="accent1">
-              <a:shade val="50000"/>
-            </a:schemeClr>
-          </a:lnRef>
-          <a:fillRef idx="1">
-            <a:schemeClr val="accent1"/>
-          </a:fillRef>
-          <a:effectRef idx="0">
-            <a:schemeClr val="accent1"/>
-          </a:effectRef>
-          <a:fontRef idx="minor">
-            <a:schemeClr val="lt1"/>
-          </a:fontRef>
-        </p:style>
-        <p:txBody>
-          <a:bodyPr rtlCol="0" anchor="ctr"/>
-          <a:lstStyle/>
-          <a:p>
-            <a:pPr algn="ctr"/>
-            <a:endParaRPr lang="en-US"/>
-          </a:p>
-        </p:txBody>
-      </p:sp>
-      <p:sp>
-        <p:nvSpPr>
-          <p:cNvPr id="5" name="TextBox 4">
-            <a:extLst>
-              <a:ext uri="{FF2B5EF4-FFF2-40B4-BE49-F238E27FC236}">
-                <a16:creationId xmlns:a16="http://schemas.microsoft.com/office/drawing/2014/main" id="{95267A5C-9DB6-444B-891F-E72EBAA15D72}"/>
-              </a:ext>
-            </a:extLst>
-          </p:cNvPr>
-          <p:cNvSpPr txBox="1"/>
-          <p:nvPr/>
-        </p:nvSpPr>
-        <p:spPr>
-          <a:xfrm>
-            <a:off x="1384517" y="2791317"/>
-            <a:ext cx="1730644" cy="954107"/>
+          <a:xfrm rot="19474679">
+            <a:off x="2484830" y="2748747"/>
+            <a:ext cx="7636300" cy="1569660"/>
           </a:xfrm>
           <a:prstGeom prst="rect">
             <a:avLst/>
@@ -24502,138 +24678,48 @@
           <a:noFill/>
         </p:spPr>
         <p:txBody>
-          <a:bodyPr wrap="square" rtlCol="0">
+          <a:bodyPr wrap="square" lIns="91440" tIns="45720" rIns="91440" bIns="45720">
             <a:spAutoFit/>
           </a:bodyPr>
           <a:lstStyle/>
           <a:p>
+            <a:pPr algn="ctr"/>
             <a:r>
-              <a:rPr lang="en-US" sz="2800" dirty="0"/>
-              <a:t>Random policy</a:t>
+              <a:rPr lang="en-US" sz="9600" b="1" dirty="0">
+                <a:ln w="0"/>
+                <a:solidFill>
+                  <a:schemeClr val="accent1"/>
+                </a:solidFill>
+                <a:effectLst>
+                  <a:outerShdw blurRad="38100" dist="25400" dir="5400000" algn="ctr" rotWithShape="0">
+                    <a:srgbClr val="6E747A">
+                      <a:alpha val="43000"/>
+                    </a:srgbClr>
+                  </a:outerShdw>
+                </a:effectLst>
+              </a:rPr>
+              <a:t>Project A</a:t>
             </a:r>
-          </a:p>
-        </p:txBody>
-      </p:sp>
-      <p:sp>
-        <p:nvSpPr>
-          <p:cNvPr id="6" name="TextBox 5">
-            <a:extLst>
-              <a:ext uri="{FF2B5EF4-FFF2-40B4-BE49-F238E27FC236}">
-                <a16:creationId xmlns:a16="http://schemas.microsoft.com/office/drawing/2014/main" id="{B603225C-0073-441A-AA4B-4781456FE30A}"/>
-              </a:ext>
-            </a:extLst>
-          </p:cNvPr>
-          <p:cNvSpPr txBox="1"/>
-          <p:nvPr/>
-        </p:nvSpPr>
-        <p:spPr>
-          <a:xfrm>
-            <a:off x="9296401" y="2855081"/>
-            <a:ext cx="1730644" cy="954107"/>
-          </a:xfrm>
-          <a:prstGeom prst="rect">
-            <a:avLst/>
-          </a:prstGeom>
-          <a:noFill/>
-        </p:spPr>
-        <p:txBody>
-          <a:bodyPr wrap="square" rtlCol="0">
-            <a:spAutoFit/>
-          </a:bodyPr>
-          <a:lstStyle/>
-          <a:p>
-            <a:r>
-              <a:rPr lang="en-US" sz="2800" dirty="0"/>
-              <a:t>Best policy</a:t>
-            </a:r>
-          </a:p>
-        </p:txBody>
-      </p:sp>
-      <p:sp>
-        <p:nvSpPr>
-          <p:cNvPr id="7" name="Arrow: Up 6">
-            <a:extLst>
-              <a:ext uri="{FF2B5EF4-FFF2-40B4-BE49-F238E27FC236}">
-                <a16:creationId xmlns:a16="http://schemas.microsoft.com/office/drawing/2014/main" id="{D39548AA-EE57-4E08-8081-2E4921CA8A4D}"/>
-              </a:ext>
-            </a:extLst>
-          </p:cNvPr>
-          <p:cNvSpPr/>
-          <p:nvPr/>
-        </p:nvSpPr>
-        <p:spPr>
-          <a:xfrm>
-            <a:off x="6891579" y="3559444"/>
-            <a:ext cx="382292" cy="1167539"/>
-          </a:xfrm>
-          <a:prstGeom prst="upArrow">
-            <a:avLst/>
-          </a:prstGeom>
-        </p:spPr>
-        <p:style>
-          <a:lnRef idx="2">
-            <a:schemeClr val="accent1">
-              <a:shade val="50000"/>
-            </a:schemeClr>
-          </a:lnRef>
-          <a:fillRef idx="1">
-            <a:schemeClr val="accent1"/>
-          </a:fillRef>
-          <a:effectRef idx="0">
-            <a:schemeClr val="accent1"/>
-          </a:effectRef>
-          <a:fontRef idx="minor">
-            <a:schemeClr val="lt1"/>
-          </a:fontRef>
-        </p:style>
-        <p:txBody>
-          <a:bodyPr rtlCol="0" anchor="ctr"/>
-          <a:lstStyle/>
-          <a:p>
-            <a:pPr algn="ctr"/>
-            <a:endParaRPr lang="en-US"/>
-          </a:p>
-        </p:txBody>
-      </p:sp>
-      <p:sp>
-        <p:nvSpPr>
-          <p:cNvPr id="10" name="TextBox 9">
-            <a:extLst>
-              <a:ext uri="{FF2B5EF4-FFF2-40B4-BE49-F238E27FC236}">
-                <a16:creationId xmlns:a16="http://schemas.microsoft.com/office/drawing/2014/main" id="{D0ADCADC-1740-42F2-84EC-3455201802D8}"/>
-              </a:ext>
-            </a:extLst>
-          </p:cNvPr>
-          <p:cNvSpPr txBox="1"/>
-          <p:nvPr/>
-        </p:nvSpPr>
-        <p:spPr>
-          <a:xfrm>
-            <a:off x="6545451" y="4757980"/>
-            <a:ext cx="1978617" cy="523220"/>
-          </a:xfrm>
-          <a:prstGeom prst="rect">
-            <a:avLst/>
-          </a:prstGeom>
-          <a:noFill/>
-        </p:spPr>
-        <p:txBody>
-          <a:bodyPr wrap="square" rtlCol="0">
-            <a:spAutoFit/>
-          </a:bodyPr>
-          <a:lstStyle/>
-          <a:p>
-            <a:r>
-              <a:rPr lang="en-US" sz="2800" dirty="0"/>
-              <a:t>MCMC</a:t>
-            </a:r>
+            <a:endParaRPr lang="en-US" sz="9600" b="1" cap="none" spc="0" dirty="0">
+              <a:ln w="0"/>
+              <a:solidFill>
+                <a:schemeClr val="accent1"/>
+              </a:solidFill>
+              <a:effectLst>
+                <a:outerShdw blurRad="38100" dist="25400" dir="5400000" algn="ctr" rotWithShape="0">
+                  <a:srgbClr val="6E747A">
+                    <a:alpha val="43000"/>
+                  </a:srgbClr>
+                </a:outerShdw>
+              </a:effectLst>
+            </a:endParaRPr>
           </a:p>
         </p:txBody>
       </p:sp>
     </p:spTree>
     <p:extLst>
       <p:ext uri="{BB962C8B-B14F-4D97-AF65-F5344CB8AC3E}">
-        <p14:creationId xmlns:p14="http://schemas.microsoft.com/office/powerpoint/2010/main" val="3118702055"/>
+        <p14:creationId xmlns:p14="http://schemas.microsoft.com/office/powerpoint/2010/main" val="3660027214"/>
       </p:ext>
     </p:extLst>
   </p:cSld>
@@ -24665,7 +24751,7 @@
           <p:cNvPr id="2" name="Title 1">
             <a:extLst>
               <a:ext uri="{FF2B5EF4-FFF2-40B4-BE49-F238E27FC236}">
-                <a16:creationId xmlns:a16="http://schemas.microsoft.com/office/drawing/2014/main" id="{26D0324A-3E4A-4EAA-9B9A-8A08DE8CEEFE}"/>
+                <a16:creationId xmlns:a16="http://schemas.microsoft.com/office/drawing/2014/main" id="{52F9B936-B7D4-4276-96D6-C208AB37AE49}"/>
               </a:ext>
             </a:extLst>
           </p:cNvPr>
@@ -24676,80 +24762,62 @@
             <p:ph type="title"/>
           </p:nvPr>
         </p:nvSpPr>
-        <p:spPr/>
+        <p:spPr>
+          <a:xfrm>
+            <a:off x="838200" y="365126"/>
+            <a:ext cx="10217727" cy="812606"/>
+          </a:xfrm>
+        </p:spPr>
         <p:txBody>
           <a:bodyPr/>
           <a:lstStyle/>
           <a:p>
-            <a:pPr>
-              <a:lnSpc>
-                <a:spcPct val="150000"/>
-              </a:lnSpc>
-            </a:pPr>
             <a:r>
               <a:rPr lang="en-US" i="1" dirty="0"/>
-              <a:t>Markov Chain Monte’ Carlo </a:t>
+              <a:t>Step 2: Proof of concept - stopping</a:t>
             </a:r>
-            <a:r>
-              <a:rPr lang="en-US" dirty="0"/>
-              <a:t>(</a:t>
-            </a:r>
-            <a:r>
-              <a:rPr lang="en-US" b="1" dirty="0"/>
-              <a:t>MCMC</a:t>
-            </a:r>
-            <a:r>
-              <a:rPr lang="en-US" dirty="0"/>
-              <a:t>)</a:t>
-            </a:r>
+            <a:endParaRPr lang="en-US" dirty="0"/>
           </a:p>
         </p:txBody>
       </p:sp>
-      <p:sp>
-        <p:nvSpPr>
-          <p:cNvPr id="3" name="Content Placeholder 2">
+      <p:pic>
+        <p:nvPicPr>
+          <p:cNvPr id="12" name="Content Placeholder 11">
             <a:extLst>
               <a:ext uri="{FF2B5EF4-FFF2-40B4-BE49-F238E27FC236}">
-                <a16:creationId xmlns:a16="http://schemas.microsoft.com/office/drawing/2014/main" id="{D04AFFB3-DF2E-4C2F-B29A-D1B471127610}"/>
+                <a16:creationId xmlns:a16="http://schemas.microsoft.com/office/drawing/2014/main" id="{58B4EDA7-911A-8843-A357-9174966A188A}"/>
               </a:ext>
             </a:extLst>
           </p:cNvPr>
-          <p:cNvSpPr>
-            <a:spLocks noGrp="1"/>
-          </p:cNvSpPr>
+          <p:cNvPicPr>
+            <a:picLocks noGrp="1" noChangeAspect="1"/>
+          </p:cNvPicPr>
           <p:nvPr>
             <p:ph idx="1"/>
           </p:nvPr>
-        </p:nvSpPr>
-        <p:spPr/>
-        <p:txBody>
-          <a:bodyPr/>
-          <a:lstStyle/>
-          <a:p>
-            <a:pPr marL="0" indent="0">
-              <a:buNone/>
-            </a:pPr>
-            <a:r>
-              <a:rPr lang="en-US" dirty="0"/>
-              <a:t>Sampling from a probability distribution (A family of sampling </a:t>
-            </a:r>
-            <a:r>
-              <a:rPr lang="en-US" dirty="0" err="1"/>
-              <a:t>algo</a:t>
-            </a:r>
-            <a:r>
-              <a:rPr lang="en-US" dirty="0"/>
-              <a:t>.)</a:t>
-            </a:r>
-          </a:p>
-        </p:txBody>
-      </p:sp>
+        </p:nvPicPr>
+        <p:blipFill>
+          <a:blip r:embed="rId2"/>
+          <a:stretch>
+            <a:fillRect/>
+          </a:stretch>
+        </p:blipFill>
+        <p:spPr>
+          <a:xfrm>
+            <a:off x="400133" y="3170541"/>
+            <a:ext cx="2794000" cy="1574800"/>
+          </a:xfrm>
+          <a:prstGeom prst="rect">
+            <a:avLst/>
+          </a:prstGeom>
+        </p:spPr>
+      </p:pic>
       <p:sp>
         <p:nvSpPr>
-          <p:cNvPr id="4" name="Rectangle 3">
+          <p:cNvPr id="4" name="Oval 3">
             <a:extLst>
               <a:ext uri="{FF2B5EF4-FFF2-40B4-BE49-F238E27FC236}">
-                <a16:creationId xmlns:a16="http://schemas.microsoft.com/office/drawing/2014/main" id="{58DF94B9-8FEA-489B-A469-103D26FCDA48}"/>
+                <a16:creationId xmlns:a16="http://schemas.microsoft.com/office/drawing/2014/main" id="{C4FBC8AD-2B88-B647-9A55-44EC4740FE4B}"/>
               </a:ext>
             </a:extLst>
           </p:cNvPr>
@@ -24758,95 +24826,44 @@
         </p:nvSpPr>
         <p:spPr>
           <a:xfrm>
-            <a:off x="877409" y="6361954"/>
-            <a:ext cx="5694700" cy="369332"/>
+            <a:off x="4116447" y="2619396"/>
+            <a:ext cx="617517" cy="590797"/>
           </a:xfrm>
-          <a:prstGeom prst="rect">
+          <a:prstGeom prst="ellipse">
             <a:avLst/>
           </a:prstGeom>
         </p:spPr>
+        <p:style>
+          <a:lnRef idx="2">
+            <a:schemeClr val="accent1">
+              <a:shade val="50000"/>
+            </a:schemeClr>
+          </a:lnRef>
+          <a:fillRef idx="1">
+            <a:schemeClr val="accent1"/>
+          </a:fillRef>
+          <a:effectRef idx="0">
+            <a:schemeClr val="accent1"/>
+          </a:effectRef>
+          <a:fontRef idx="minor">
+            <a:schemeClr val="lt1"/>
+          </a:fontRef>
+        </p:style>
         <p:txBody>
-          <a:bodyPr wrap="none">
-            <a:spAutoFit/>
-          </a:bodyPr>
+          <a:bodyPr rtlCol="0" anchor="ctr"/>
           <a:lstStyle/>
           <a:p>
-            <a:r>
-              <a:rPr lang="en-US" dirty="0">
-                <a:hlinkClick r:id="rId2"/>
-              </a:rPr>
-              <a:t>https://en.wikipedia.org/wiki/Markov_chain_Monte_Carlo</a:t>
-            </a:r>
-            <a:endParaRPr lang="en-US" dirty="0"/>
+            <a:pPr algn="ctr"/>
+            <a:endParaRPr lang="en-US"/>
           </a:p>
         </p:txBody>
       </p:sp>
-      <p:pic>
-        <p:nvPicPr>
-          <p:cNvPr id="5" name="Picture 4">
+      <p:sp>
+        <p:nvSpPr>
+          <p:cNvPr id="5" name="Oval 4">
             <a:extLst>
               <a:ext uri="{FF2B5EF4-FFF2-40B4-BE49-F238E27FC236}">
-                <a16:creationId xmlns:a16="http://schemas.microsoft.com/office/drawing/2014/main" id="{01129C8E-A8DA-4EE8-984E-628C787036A6}"/>
-              </a:ext>
-            </a:extLst>
-          </p:cNvPr>
-          <p:cNvPicPr>
-            <a:picLocks noChangeAspect="1"/>
-          </p:cNvPicPr>
-          <p:nvPr/>
-        </p:nvPicPr>
-        <p:blipFill>
-          <a:blip r:embed="rId3"/>
-          <a:stretch>
-            <a:fillRect/>
-          </a:stretch>
-        </p:blipFill>
-        <p:spPr>
-          <a:xfrm>
-            <a:off x="1487838" y="2346835"/>
-            <a:ext cx="5531560" cy="2164329"/>
-          </a:xfrm>
-          <a:prstGeom prst="rect">
-            <a:avLst/>
-          </a:prstGeom>
-        </p:spPr>
-      </p:pic>
-      <p:pic>
-        <p:nvPicPr>
-          <p:cNvPr id="6" name="Picture 5">
-            <a:extLst>
-              <a:ext uri="{FF2B5EF4-FFF2-40B4-BE49-F238E27FC236}">
-                <a16:creationId xmlns:a16="http://schemas.microsoft.com/office/drawing/2014/main" id="{390EAD19-4871-46B0-9FE4-2314263A3C4B}"/>
-              </a:ext>
-            </a:extLst>
-          </p:cNvPr>
-          <p:cNvPicPr>
-            <a:picLocks noChangeAspect="1"/>
-          </p:cNvPicPr>
-          <p:nvPr/>
-        </p:nvPicPr>
-        <p:blipFill>
-          <a:blip r:embed="rId4"/>
-          <a:stretch>
-            <a:fillRect/>
-          </a:stretch>
-        </p:blipFill>
-        <p:spPr>
-          <a:xfrm>
-            <a:off x="1565330" y="4257207"/>
-            <a:ext cx="5300420" cy="1835104"/>
-          </a:xfrm>
-          <a:prstGeom prst="rect">
-            <a:avLst/>
-          </a:prstGeom>
-        </p:spPr>
-      </p:pic>
-      <p:sp>
-        <p:nvSpPr>
-          <p:cNvPr id="7" name="Rectangle 6">
-            <a:extLst>
-              <a:ext uri="{FF2B5EF4-FFF2-40B4-BE49-F238E27FC236}">
-                <a16:creationId xmlns:a16="http://schemas.microsoft.com/office/drawing/2014/main" id="{61FB88DE-0A42-46BF-9DE3-7192508B3A81}"/>
+                <a16:creationId xmlns:a16="http://schemas.microsoft.com/office/drawing/2014/main" id="{9D8EB98E-3F05-2444-9A3E-E147818DD518}"/>
               </a:ext>
             </a:extLst>
           </p:cNvPr>
@@ -24855,22 +24872,639 @@
         </p:nvSpPr>
         <p:spPr>
           <a:xfrm>
-            <a:off x="7294535" y="2676060"/>
-            <a:ext cx="4449219" cy="646331"/>
+            <a:off x="4116447" y="3650477"/>
+            <a:ext cx="617517" cy="590797"/>
+          </a:xfrm>
+          <a:prstGeom prst="ellipse">
+            <a:avLst/>
+          </a:prstGeom>
+        </p:spPr>
+        <p:style>
+          <a:lnRef idx="2">
+            <a:schemeClr val="accent1">
+              <a:shade val="50000"/>
+            </a:schemeClr>
+          </a:lnRef>
+          <a:fillRef idx="1">
+            <a:schemeClr val="accent1"/>
+          </a:fillRef>
+          <a:effectRef idx="0">
+            <a:schemeClr val="accent1"/>
+          </a:effectRef>
+          <a:fontRef idx="minor">
+            <a:schemeClr val="lt1"/>
+          </a:fontRef>
+        </p:style>
+        <p:txBody>
+          <a:bodyPr rtlCol="0" anchor="ctr"/>
+          <a:lstStyle/>
+          <a:p>
+            <a:pPr algn="ctr"/>
+            <a:endParaRPr lang="en-US"/>
+          </a:p>
+        </p:txBody>
+      </p:sp>
+      <p:sp>
+        <p:nvSpPr>
+          <p:cNvPr id="6" name="Oval 5">
+            <a:extLst>
+              <a:ext uri="{FF2B5EF4-FFF2-40B4-BE49-F238E27FC236}">
+                <a16:creationId xmlns:a16="http://schemas.microsoft.com/office/drawing/2014/main" id="{ED4661B7-0974-0646-896C-D3851D67AAA7}"/>
+              </a:ext>
+            </a:extLst>
+          </p:cNvPr>
+          <p:cNvSpPr/>
+          <p:nvPr/>
+        </p:nvSpPr>
+        <p:spPr>
+          <a:xfrm>
+            <a:off x="4116446" y="5334700"/>
+            <a:ext cx="617517" cy="590797"/>
+          </a:xfrm>
+          <a:prstGeom prst="ellipse">
+            <a:avLst/>
+          </a:prstGeom>
+        </p:spPr>
+        <p:style>
+          <a:lnRef idx="2">
+            <a:schemeClr val="accent1">
+              <a:shade val="50000"/>
+            </a:schemeClr>
+          </a:lnRef>
+          <a:fillRef idx="1">
+            <a:schemeClr val="accent1"/>
+          </a:fillRef>
+          <a:effectRef idx="0">
+            <a:schemeClr val="accent1"/>
+          </a:effectRef>
+          <a:fontRef idx="minor">
+            <a:schemeClr val="lt1"/>
+          </a:fontRef>
+        </p:style>
+        <p:txBody>
+          <a:bodyPr rtlCol="0" anchor="ctr"/>
+          <a:lstStyle/>
+          <a:p>
+            <a:pPr algn="ctr"/>
+            <a:endParaRPr lang="en-US"/>
+          </a:p>
+        </p:txBody>
+      </p:sp>
+      <p:sp>
+        <p:nvSpPr>
+          <p:cNvPr id="7" name="Oval 6">
+            <a:extLst>
+              <a:ext uri="{FF2B5EF4-FFF2-40B4-BE49-F238E27FC236}">
+                <a16:creationId xmlns:a16="http://schemas.microsoft.com/office/drawing/2014/main" id="{A1BE9F20-EF29-3948-8409-CC608F19E389}"/>
+              </a:ext>
+            </a:extLst>
+          </p:cNvPr>
+          <p:cNvSpPr/>
+          <p:nvPr/>
+        </p:nvSpPr>
+        <p:spPr>
+          <a:xfrm>
+            <a:off x="7647377" y="3191689"/>
+            <a:ext cx="617517" cy="590797"/>
+          </a:xfrm>
+          <a:prstGeom prst="ellipse">
+            <a:avLst/>
+          </a:prstGeom>
+        </p:spPr>
+        <p:style>
+          <a:lnRef idx="3">
+            <a:schemeClr val="lt1"/>
+          </a:lnRef>
+          <a:fillRef idx="1">
+            <a:schemeClr val="accent2"/>
+          </a:fillRef>
+          <a:effectRef idx="1">
+            <a:schemeClr val="accent2"/>
+          </a:effectRef>
+          <a:fontRef idx="minor">
+            <a:schemeClr val="lt1"/>
+          </a:fontRef>
+        </p:style>
+        <p:txBody>
+          <a:bodyPr rtlCol="0" anchor="ctr"/>
+          <a:lstStyle/>
+          <a:p>
+            <a:pPr algn="ctr"/>
+            <a:endParaRPr lang="en-US"/>
+          </a:p>
+        </p:txBody>
+      </p:sp>
+      <p:sp>
+        <p:nvSpPr>
+          <p:cNvPr id="10" name="Oval 9">
+            <a:extLst>
+              <a:ext uri="{FF2B5EF4-FFF2-40B4-BE49-F238E27FC236}">
+                <a16:creationId xmlns:a16="http://schemas.microsoft.com/office/drawing/2014/main" id="{0EB2FB83-B28F-8D4A-A231-C2DC768D9FA9}"/>
+              </a:ext>
+            </a:extLst>
+          </p:cNvPr>
+          <p:cNvSpPr/>
+          <p:nvPr/>
+        </p:nvSpPr>
+        <p:spPr>
+          <a:xfrm>
+            <a:off x="7647377" y="4211689"/>
+            <a:ext cx="617517" cy="590797"/>
+          </a:xfrm>
+          <a:prstGeom prst="ellipse">
+            <a:avLst/>
+          </a:prstGeom>
+        </p:spPr>
+        <p:style>
+          <a:lnRef idx="3">
+            <a:schemeClr val="lt1"/>
+          </a:lnRef>
+          <a:fillRef idx="1">
+            <a:schemeClr val="accent2"/>
+          </a:fillRef>
+          <a:effectRef idx="1">
+            <a:schemeClr val="accent2"/>
+          </a:effectRef>
+          <a:fontRef idx="minor">
+            <a:schemeClr val="lt1"/>
+          </a:fontRef>
+        </p:style>
+        <p:txBody>
+          <a:bodyPr rtlCol="0" anchor="ctr"/>
+          <a:lstStyle/>
+          <a:p>
+            <a:pPr algn="ctr"/>
+            <a:endParaRPr lang="en-US"/>
+          </a:p>
+        </p:txBody>
+      </p:sp>
+      <p:sp>
+        <p:nvSpPr>
+          <p:cNvPr id="11" name="Rectangle 10">
+            <a:extLst>
+              <a:ext uri="{FF2B5EF4-FFF2-40B4-BE49-F238E27FC236}">
+                <a16:creationId xmlns:a16="http://schemas.microsoft.com/office/drawing/2014/main" id="{802B72D1-B5D9-E54C-8B9C-35EC615CA90E}"/>
+              </a:ext>
+            </a:extLst>
+          </p:cNvPr>
+          <p:cNvSpPr/>
+          <p:nvPr/>
+        </p:nvSpPr>
+        <p:spPr>
+          <a:xfrm>
+            <a:off x="3902692" y="4404430"/>
+            <a:ext cx="1045028" cy="562388"/>
           </a:xfrm>
           <a:prstGeom prst="rect">
             <a:avLst/>
           </a:prstGeom>
+          <a:ln>
+            <a:noFill/>
+          </a:ln>
+        </p:spPr>
+        <p:style>
+          <a:lnRef idx="2">
+            <a:schemeClr val="accent6"/>
+          </a:lnRef>
+          <a:fillRef idx="1">
+            <a:schemeClr val="lt1"/>
+          </a:fillRef>
+          <a:effectRef idx="0">
+            <a:schemeClr val="accent6"/>
+          </a:effectRef>
+          <a:fontRef idx="minor">
+            <a:schemeClr val="dk1"/>
+          </a:fontRef>
+        </p:style>
+        <p:txBody>
+          <a:bodyPr rtlCol="0" anchor="ctr"/>
+          <a:lstStyle/>
+          <a:p>
+            <a:pPr algn="ctr"/>
+            <a:r>
+              <a:rPr lang="en-US" dirty="0"/>
+              <a:t>…</a:t>
+            </a:r>
+          </a:p>
+        </p:txBody>
+      </p:sp>
+      <p:sp>
+        <p:nvSpPr>
+          <p:cNvPr id="13" name="TextBox 12">
+            <a:extLst>
+              <a:ext uri="{FF2B5EF4-FFF2-40B4-BE49-F238E27FC236}">
+                <a16:creationId xmlns:a16="http://schemas.microsoft.com/office/drawing/2014/main" id="{EFAF3B40-761F-3C45-B8F0-A8DE1A412E7F}"/>
+              </a:ext>
+            </a:extLst>
+          </p:cNvPr>
+          <p:cNvSpPr txBox="1"/>
+          <p:nvPr/>
+        </p:nvSpPr>
+        <p:spPr>
+          <a:xfrm>
+            <a:off x="919347" y="1636954"/>
+            <a:ext cx="10189029" cy="523220"/>
+          </a:xfrm>
+          <a:prstGeom prst="rect">
+            <a:avLst/>
+          </a:prstGeom>
+          <a:noFill/>
         </p:spPr>
         <p:txBody>
-          <a:bodyPr wrap="square">
+          <a:bodyPr wrap="square" rtlCol="0">
             <a:spAutoFit/>
           </a:bodyPr>
           <a:lstStyle/>
           <a:p>
             <a:r>
+              <a:rPr lang="en-US" sz="2800" dirty="0"/>
+              <a:t>Classifier to classify images as collision\no-collision</a:t>
+            </a:r>
+          </a:p>
+        </p:txBody>
+      </p:sp>
+      <p:cxnSp>
+        <p:nvCxnSpPr>
+          <p:cNvPr id="15" name="Straight Arrow Connector 14">
+            <a:extLst>
+              <a:ext uri="{FF2B5EF4-FFF2-40B4-BE49-F238E27FC236}">
+                <a16:creationId xmlns:a16="http://schemas.microsoft.com/office/drawing/2014/main" id="{12F131F0-1633-6E4A-A275-D55B7DF7E66D}"/>
+              </a:ext>
+            </a:extLst>
+          </p:cNvPr>
+          <p:cNvCxnSpPr>
+            <a:stCxn id="4" idx="6"/>
+            <a:endCxn id="7" idx="2"/>
+          </p:cNvCxnSpPr>
+          <p:nvPr/>
+        </p:nvCxnSpPr>
+        <p:spPr>
+          <a:xfrm>
+            <a:off x="4733964" y="2914795"/>
+            <a:ext cx="2913413" cy="572293"/>
+          </a:xfrm>
+          <a:prstGeom prst="straightConnector1">
+            <a:avLst/>
+          </a:prstGeom>
+          <a:ln>
+            <a:tailEnd type="triangle"/>
+          </a:ln>
+        </p:spPr>
+        <p:style>
+          <a:lnRef idx="1">
+            <a:schemeClr val="accent1"/>
+          </a:lnRef>
+          <a:fillRef idx="0">
+            <a:schemeClr val="accent1"/>
+          </a:fillRef>
+          <a:effectRef idx="0">
+            <a:schemeClr val="accent1"/>
+          </a:effectRef>
+          <a:fontRef idx="minor">
+            <a:schemeClr val="tx1"/>
+          </a:fontRef>
+        </p:style>
+      </p:cxnSp>
+      <p:cxnSp>
+        <p:nvCxnSpPr>
+          <p:cNvPr id="16" name="Straight Arrow Connector 15">
+            <a:extLst>
+              <a:ext uri="{FF2B5EF4-FFF2-40B4-BE49-F238E27FC236}">
+                <a16:creationId xmlns:a16="http://schemas.microsoft.com/office/drawing/2014/main" id="{E2424AD5-8FE4-9341-ABCA-5BC6DD2AE295}"/>
+              </a:ext>
+            </a:extLst>
+          </p:cNvPr>
+          <p:cNvCxnSpPr/>
+          <p:nvPr/>
+        </p:nvCxnSpPr>
+        <p:spPr>
+          <a:xfrm>
+            <a:off x="4713841" y="3934343"/>
+            <a:ext cx="2913413" cy="572293"/>
+          </a:xfrm>
+          <a:prstGeom prst="straightConnector1">
+            <a:avLst/>
+          </a:prstGeom>
+          <a:ln>
+            <a:tailEnd type="triangle"/>
+          </a:ln>
+        </p:spPr>
+        <p:style>
+          <a:lnRef idx="1">
+            <a:schemeClr val="accent1"/>
+          </a:lnRef>
+          <a:fillRef idx="0">
+            <a:schemeClr val="accent1"/>
+          </a:fillRef>
+          <a:effectRef idx="0">
+            <a:schemeClr val="accent1"/>
+          </a:effectRef>
+          <a:fontRef idx="minor">
+            <a:schemeClr val="tx1"/>
+          </a:fontRef>
+        </p:style>
+      </p:cxnSp>
+      <p:cxnSp>
+        <p:nvCxnSpPr>
+          <p:cNvPr id="17" name="Straight Arrow Connector 16">
+            <a:extLst>
+              <a:ext uri="{FF2B5EF4-FFF2-40B4-BE49-F238E27FC236}">
+                <a16:creationId xmlns:a16="http://schemas.microsoft.com/office/drawing/2014/main" id="{A5AE7201-97D3-A94B-932E-CF92D2FD2F58}"/>
+              </a:ext>
+            </a:extLst>
+          </p:cNvPr>
+          <p:cNvCxnSpPr>
+            <a:cxnSpLocks/>
+            <a:stCxn id="5" idx="6"/>
+            <a:endCxn id="7" idx="2"/>
+          </p:cNvCxnSpPr>
+          <p:nvPr/>
+        </p:nvCxnSpPr>
+        <p:spPr>
+          <a:xfrm flipV="1">
+            <a:off x="4733964" y="3487088"/>
+            <a:ext cx="2913413" cy="458788"/>
+          </a:xfrm>
+          <a:prstGeom prst="straightConnector1">
+            <a:avLst/>
+          </a:prstGeom>
+          <a:ln>
+            <a:tailEnd type="triangle"/>
+          </a:ln>
+        </p:spPr>
+        <p:style>
+          <a:lnRef idx="1">
+            <a:schemeClr val="accent1"/>
+          </a:lnRef>
+          <a:fillRef idx="0">
+            <a:schemeClr val="accent1"/>
+          </a:fillRef>
+          <a:effectRef idx="0">
+            <a:schemeClr val="accent1"/>
+          </a:effectRef>
+          <a:fontRef idx="minor">
+            <a:schemeClr val="tx1"/>
+          </a:fontRef>
+        </p:style>
+      </p:cxnSp>
+      <p:cxnSp>
+        <p:nvCxnSpPr>
+          <p:cNvPr id="20" name="Straight Arrow Connector 19">
+            <a:extLst>
+              <a:ext uri="{FF2B5EF4-FFF2-40B4-BE49-F238E27FC236}">
+                <a16:creationId xmlns:a16="http://schemas.microsoft.com/office/drawing/2014/main" id="{D7EC310F-A773-254C-B039-2B90A53E6928}"/>
+              </a:ext>
+            </a:extLst>
+          </p:cNvPr>
+          <p:cNvCxnSpPr>
+            <a:cxnSpLocks/>
+            <a:stCxn id="6" idx="6"/>
+            <a:endCxn id="7" idx="2"/>
+          </p:cNvCxnSpPr>
+          <p:nvPr/>
+        </p:nvCxnSpPr>
+        <p:spPr>
+          <a:xfrm flipV="1">
+            <a:off x="4733963" y="3487088"/>
+            <a:ext cx="2913414" cy="2143011"/>
+          </a:xfrm>
+          <a:prstGeom prst="straightConnector1">
+            <a:avLst/>
+          </a:prstGeom>
+          <a:ln>
+            <a:tailEnd type="triangle"/>
+          </a:ln>
+        </p:spPr>
+        <p:style>
+          <a:lnRef idx="1">
+            <a:schemeClr val="accent1"/>
+          </a:lnRef>
+          <a:fillRef idx="0">
+            <a:schemeClr val="accent1"/>
+          </a:fillRef>
+          <a:effectRef idx="0">
+            <a:schemeClr val="accent1"/>
+          </a:effectRef>
+          <a:fontRef idx="minor">
+            <a:schemeClr val="tx1"/>
+          </a:fontRef>
+        </p:style>
+      </p:cxnSp>
+      <p:cxnSp>
+        <p:nvCxnSpPr>
+          <p:cNvPr id="23" name="Straight Arrow Connector 22">
+            <a:extLst>
+              <a:ext uri="{FF2B5EF4-FFF2-40B4-BE49-F238E27FC236}">
+                <a16:creationId xmlns:a16="http://schemas.microsoft.com/office/drawing/2014/main" id="{E5E0DF8A-72BB-7C48-9674-3C0D97E48A10}"/>
+              </a:ext>
+            </a:extLst>
+          </p:cNvPr>
+          <p:cNvCxnSpPr>
+            <a:cxnSpLocks/>
+            <a:stCxn id="4" idx="6"/>
+            <a:endCxn id="10" idx="2"/>
+          </p:cNvCxnSpPr>
+          <p:nvPr/>
+        </p:nvCxnSpPr>
+        <p:spPr>
+          <a:xfrm>
+            <a:off x="4733964" y="2914795"/>
+            <a:ext cx="2913413" cy="1592293"/>
+          </a:xfrm>
+          <a:prstGeom prst="straightConnector1">
+            <a:avLst/>
+          </a:prstGeom>
+          <a:ln>
+            <a:tailEnd type="triangle"/>
+          </a:ln>
+        </p:spPr>
+        <p:style>
+          <a:lnRef idx="1">
+            <a:schemeClr val="accent1"/>
+          </a:lnRef>
+          <a:fillRef idx="0">
+            <a:schemeClr val="accent1"/>
+          </a:fillRef>
+          <a:effectRef idx="0">
+            <a:schemeClr val="accent1"/>
+          </a:effectRef>
+          <a:fontRef idx="minor">
+            <a:schemeClr val="tx1"/>
+          </a:fontRef>
+        </p:style>
+      </p:cxnSp>
+      <p:cxnSp>
+        <p:nvCxnSpPr>
+          <p:cNvPr id="26" name="Straight Arrow Connector 25">
+            <a:extLst>
+              <a:ext uri="{FF2B5EF4-FFF2-40B4-BE49-F238E27FC236}">
+                <a16:creationId xmlns:a16="http://schemas.microsoft.com/office/drawing/2014/main" id="{7DEAF0CF-A6AB-8D43-9FFE-8C1D52BCCE68}"/>
+              </a:ext>
+            </a:extLst>
+          </p:cNvPr>
+          <p:cNvCxnSpPr>
+            <a:cxnSpLocks/>
+            <a:stCxn id="6" idx="6"/>
+            <a:endCxn id="10" idx="2"/>
+          </p:cNvCxnSpPr>
+          <p:nvPr/>
+        </p:nvCxnSpPr>
+        <p:spPr>
+          <a:xfrm flipV="1">
+            <a:off x="4733963" y="4507088"/>
+            <a:ext cx="2913414" cy="1123011"/>
+          </a:xfrm>
+          <a:prstGeom prst="straightConnector1">
+            <a:avLst/>
+          </a:prstGeom>
+          <a:ln>
+            <a:tailEnd type="triangle"/>
+          </a:ln>
+        </p:spPr>
+        <p:style>
+          <a:lnRef idx="1">
+            <a:schemeClr val="accent1"/>
+          </a:lnRef>
+          <a:fillRef idx="0">
+            <a:schemeClr val="accent1"/>
+          </a:fillRef>
+          <a:effectRef idx="0">
+            <a:schemeClr val="accent1"/>
+          </a:effectRef>
+          <a:fontRef idx="minor">
+            <a:schemeClr val="tx1"/>
+          </a:fontRef>
+        </p:style>
+      </p:cxnSp>
+      <p:sp>
+        <p:nvSpPr>
+          <p:cNvPr id="29" name="Right Arrow 28">
+            <a:extLst>
+              <a:ext uri="{FF2B5EF4-FFF2-40B4-BE49-F238E27FC236}">
+                <a16:creationId xmlns:a16="http://schemas.microsoft.com/office/drawing/2014/main" id="{7CDDE560-5628-0043-B0DF-A99C38FB5CB1}"/>
+              </a:ext>
+            </a:extLst>
+          </p:cNvPr>
+          <p:cNvSpPr/>
+          <p:nvPr/>
+        </p:nvSpPr>
+        <p:spPr>
+          <a:xfrm>
+            <a:off x="3384468" y="3934343"/>
+            <a:ext cx="518224" cy="277346"/>
+          </a:xfrm>
+          <a:prstGeom prst="rightArrow">
+            <a:avLst/>
+          </a:prstGeom>
+        </p:spPr>
+        <p:style>
+          <a:lnRef idx="2">
+            <a:schemeClr val="accent4">
+              <a:shade val="50000"/>
+            </a:schemeClr>
+          </a:lnRef>
+          <a:fillRef idx="1">
+            <a:schemeClr val="accent4"/>
+          </a:fillRef>
+          <a:effectRef idx="0">
+            <a:schemeClr val="accent4"/>
+          </a:effectRef>
+          <a:fontRef idx="minor">
+            <a:schemeClr val="lt1"/>
+          </a:fontRef>
+        </p:style>
+        <p:txBody>
+          <a:bodyPr rtlCol="0" anchor="ctr"/>
+          <a:lstStyle/>
+          <a:p>
+            <a:pPr algn="ctr"/>
+            <a:endParaRPr lang="en-US"/>
+          </a:p>
+        </p:txBody>
+      </p:sp>
+      <p:sp>
+        <p:nvSpPr>
+          <p:cNvPr id="30" name="Right Arrow 29">
+            <a:extLst>
+              <a:ext uri="{FF2B5EF4-FFF2-40B4-BE49-F238E27FC236}">
+                <a16:creationId xmlns:a16="http://schemas.microsoft.com/office/drawing/2014/main" id="{B0A14EAE-8A70-354B-9CB7-67D361D0C92C}"/>
+              </a:ext>
+            </a:extLst>
+          </p:cNvPr>
+          <p:cNvSpPr/>
+          <p:nvPr/>
+        </p:nvSpPr>
+        <p:spPr>
+          <a:xfrm>
+            <a:off x="8672941" y="3963928"/>
+            <a:ext cx="518224" cy="277346"/>
+          </a:xfrm>
+          <a:prstGeom prst="rightArrow">
+            <a:avLst/>
+          </a:prstGeom>
+        </p:spPr>
+        <p:style>
+          <a:lnRef idx="2">
+            <a:schemeClr val="accent4">
+              <a:shade val="50000"/>
+            </a:schemeClr>
+          </a:lnRef>
+          <a:fillRef idx="1">
+            <a:schemeClr val="accent4"/>
+          </a:fillRef>
+          <a:effectRef idx="0">
+            <a:schemeClr val="accent4"/>
+          </a:effectRef>
+          <a:fontRef idx="minor">
+            <a:schemeClr val="lt1"/>
+          </a:fontRef>
+        </p:style>
+        <p:txBody>
+          <a:bodyPr rtlCol="0" anchor="ctr"/>
+          <a:lstStyle/>
+          <a:p>
+            <a:pPr algn="ctr"/>
+            <a:endParaRPr lang="en-US"/>
+          </a:p>
+        </p:txBody>
+      </p:sp>
+      <p:sp>
+        <p:nvSpPr>
+          <p:cNvPr id="31" name="TextBox 30">
+            <a:extLst>
+              <a:ext uri="{FF2B5EF4-FFF2-40B4-BE49-F238E27FC236}">
+                <a16:creationId xmlns:a16="http://schemas.microsoft.com/office/drawing/2014/main" id="{1C66E981-B832-5141-831C-9B8AE6FAF87C}"/>
+              </a:ext>
+            </a:extLst>
+          </p:cNvPr>
+          <p:cNvSpPr txBox="1"/>
+          <p:nvPr/>
+        </p:nvSpPr>
+        <p:spPr>
+          <a:xfrm>
+            <a:off x="9630558" y="3803268"/>
+            <a:ext cx="2161309" cy="646331"/>
+          </a:xfrm>
+          <a:prstGeom prst="rect">
+            <a:avLst/>
+          </a:prstGeom>
+          <a:noFill/>
+        </p:spPr>
+        <p:txBody>
+          <a:bodyPr wrap="square" rtlCol="0">
+            <a:spAutoFit/>
+          </a:bodyPr>
+          <a:lstStyle/>
+          <a:p>
+            <a:r>
               <a:rPr lang="en-US" dirty="0"/>
-              <a:t>https://en.wikipedia.org/wiki/Mean_field_particle_methods</a:t>
+              <a:t>01 – no collision</a:t>
+            </a:r>
+          </a:p>
+          <a:p>
+            <a:r>
+              <a:rPr lang="en-US" dirty="0"/>
+              <a:t>10 - collision</a:t>
             </a:r>
           </a:p>
         </p:txBody>
@@ -24878,7 +25512,7 @@
     </p:spTree>
     <p:extLst>
       <p:ext uri="{BB962C8B-B14F-4D97-AF65-F5344CB8AC3E}">
-        <p14:creationId xmlns:p14="http://schemas.microsoft.com/office/powerpoint/2010/main" val="3484855162"/>
+        <p14:creationId xmlns:p14="http://schemas.microsoft.com/office/powerpoint/2010/main" val="2072187150"/>
       </p:ext>
     </p:extLst>
   </p:cSld>
@@ -24907,128 +25541,60 @@
       </p:grpSpPr>
       <p:sp>
         <p:nvSpPr>
-          <p:cNvPr id="2" name="Title 1">
+          <p:cNvPr id="13" name="TextBox 12">
             <a:extLst>
               <a:ext uri="{FF2B5EF4-FFF2-40B4-BE49-F238E27FC236}">
-                <a16:creationId xmlns:a16="http://schemas.microsoft.com/office/drawing/2014/main" id="{26D0324A-3E4A-4EAA-9B9A-8A08DE8CEEFE}"/>
+                <a16:creationId xmlns:a16="http://schemas.microsoft.com/office/drawing/2014/main" id="{EFAF3B40-761F-3C45-B8F0-A8DE1A412E7F}"/>
               </a:ext>
             </a:extLst>
           </p:cNvPr>
-          <p:cNvSpPr>
-            <a:spLocks noGrp="1"/>
-          </p:cNvSpPr>
-          <p:nvPr>
-            <p:ph type="title"/>
-          </p:nvPr>
-        </p:nvSpPr>
-        <p:spPr/>
-        <p:txBody>
-          <a:bodyPr/>
-          <a:lstStyle/>
-          <a:p>
-            <a:pPr>
-              <a:lnSpc>
-                <a:spcPct val="150000"/>
-              </a:lnSpc>
-            </a:pPr>
-            <a:r>
-              <a:rPr lang="en-US" i="1" dirty="0"/>
-              <a:t>Dynamic Programming algorithm </a:t>
-            </a:r>
-            <a:r>
-              <a:rPr lang="en-US" dirty="0"/>
-              <a:t>(</a:t>
-            </a:r>
-            <a:r>
-              <a:rPr lang="en-US" b="1" dirty="0"/>
-              <a:t>DP</a:t>
-            </a:r>
-            <a:r>
-              <a:rPr lang="en-US" dirty="0"/>
-              <a:t>)</a:t>
-            </a:r>
-            <a:endParaRPr lang="en-US" i="1" dirty="0"/>
-          </a:p>
-        </p:txBody>
-      </p:sp>
-      <p:sp>
-        <p:nvSpPr>
-          <p:cNvPr id="3" name="Content Placeholder 2">
-            <a:extLst>
-              <a:ext uri="{FF2B5EF4-FFF2-40B4-BE49-F238E27FC236}">
-                <a16:creationId xmlns:a16="http://schemas.microsoft.com/office/drawing/2014/main" id="{D04AFFB3-DF2E-4C2F-B29A-D1B471127610}"/>
-              </a:ext>
-            </a:extLst>
-          </p:cNvPr>
-          <p:cNvSpPr>
-            <a:spLocks noGrp="1"/>
-          </p:cNvSpPr>
-          <p:nvPr>
-            <p:ph idx="1"/>
-          </p:nvPr>
-        </p:nvSpPr>
-        <p:spPr/>
-        <p:txBody>
-          <a:bodyPr/>
-          <a:lstStyle/>
-          <a:p>
-            <a:pPr marL="0" indent="0">
-              <a:buNone/>
-            </a:pPr>
-            <a:r>
-              <a:rPr lang="en-US" dirty="0"/>
-              <a:t>Explain in a sentence</a:t>
-            </a:r>
-          </a:p>
-          <a:p>
-            <a:pPr marL="0" indent="0">
-              <a:buNone/>
-            </a:pPr>
-            <a:endParaRPr lang="en-US" i="1" dirty="0"/>
-          </a:p>
-        </p:txBody>
-      </p:sp>
-      <p:sp>
-        <p:nvSpPr>
-          <p:cNvPr id="4" name="Rectangle 3">
-            <a:extLst>
-              <a:ext uri="{FF2B5EF4-FFF2-40B4-BE49-F238E27FC236}">
-                <a16:creationId xmlns:a16="http://schemas.microsoft.com/office/drawing/2014/main" id="{A5706F9F-6AED-4644-B2E6-BE8844E77DD7}"/>
-              </a:ext>
-            </a:extLst>
-          </p:cNvPr>
-          <p:cNvSpPr/>
+          <p:cNvSpPr txBox="1"/>
           <p:nvPr/>
         </p:nvSpPr>
         <p:spPr>
           <a:xfrm>
-            <a:off x="749441" y="6311900"/>
-            <a:ext cx="5465022" cy="369332"/>
+            <a:off x="764968" y="568175"/>
+            <a:ext cx="10189029" cy="1631216"/>
           </a:xfrm>
           <a:prstGeom prst="rect">
             <a:avLst/>
           </a:prstGeom>
+          <a:noFill/>
         </p:spPr>
         <p:txBody>
-          <a:bodyPr wrap="none">
+          <a:bodyPr wrap="square" rtlCol="0">
             <a:spAutoFit/>
           </a:bodyPr>
           <a:lstStyle/>
           <a:p>
             <a:r>
-              <a:rPr lang="en-US" dirty="0">
-                <a:hlinkClick r:id="rId2"/>
+              <a:rPr lang="en-US" sz="4400" dirty="0"/>
+              <a:t>Data collection + Testing the network</a:t>
+            </a:r>
+          </a:p>
+          <a:p>
+            <a:endParaRPr lang="en-US" sz="2800" dirty="0">
+              <a:solidFill>
+                <a:srgbClr val="FF0000"/>
+              </a:solidFill>
+            </a:endParaRPr>
+          </a:p>
+          <a:p>
+            <a:r>
+              <a:rPr lang="en-US" sz="2800" dirty="0">
+                <a:solidFill>
+                  <a:srgbClr val="FF0000"/>
+                </a:solidFill>
               </a:rPr>
-              <a:t>https://www.geeksforgeeks.org/dynamic-programming/</a:t>
+              <a:t>Video of the car stopping before collision (to large for slideshow)</a:t>
             </a:r>
-            <a:endParaRPr lang="en-US" dirty="0"/>
           </a:p>
         </p:txBody>
       </p:sp>
     </p:spTree>
     <p:extLst>
       <p:ext uri="{BB962C8B-B14F-4D97-AF65-F5344CB8AC3E}">
-        <p14:creationId xmlns:p14="http://schemas.microsoft.com/office/powerpoint/2010/main" val="1679151086"/>
+        <p14:creationId xmlns:p14="http://schemas.microsoft.com/office/powerpoint/2010/main" val="4254399870"/>
       </p:ext>
     </p:extLst>
   </p:cSld>
